--- a/PathfindingAlgos.pptx
+++ b/PathfindingAlgos.pptx
@@ -13,14 +13,16 @@
     <p:sldId id="261" r:id="rId7"/>
     <p:sldId id="262" r:id="rId8"/>
     <p:sldId id="266" r:id="rId9"/>
-    <p:sldId id="268" r:id="rId10"/>
-    <p:sldId id="265" r:id="rId11"/>
-    <p:sldId id="264" r:id="rId12"/>
-    <p:sldId id="267" r:id="rId13"/>
-    <p:sldId id="263" r:id="rId14"/>
-    <p:sldId id="271" r:id="rId15"/>
-    <p:sldId id="269" r:id="rId16"/>
-    <p:sldId id="270" r:id="rId17"/>
+    <p:sldId id="273" r:id="rId10"/>
+    <p:sldId id="268" r:id="rId11"/>
+    <p:sldId id="265" r:id="rId12"/>
+    <p:sldId id="264" r:id="rId13"/>
+    <p:sldId id="272" r:id="rId14"/>
+    <p:sldId id="267" r:id="rId15"/>
+    <p:sldId id="263" r:id="rId16"/>
+    <p:sldId id="271" r:id="rId17"/>
+    <p:sldId id="269" r:id="rId18"/>
+    <p:sldId id="270" r:id="rId19"/>
   </p:sldIdLst>
   <p:sldSz cx="12192000" cy="6858000"/>
   <p:notesSz cx="6858000" cy="9144000"/>
@@ -222,7 +224,7 @@
           <a:effectLst/>
           <a:extLst>
             <a:ext uri="{91240B29-F687-4f45-9708-019B960494DF}">
-              <a14:hiddenLine xmlns="" xmlns:a14="http://schemas.microsoft.com/office/drawing/2010/main" w="9525">
+              <a14:hiddenLine xmlns:a14="http://schemas.microsoft.com/office/drawing/2010/main" xmlns="" w="9525">
                 <a:solidFill>
                   <a:srgbClr val="000000"/>
                 </a:solidFill>
@@ -415,7 +417,7 @@
             <a:fld id="{08B9EBBA-996F-894A-B54A-D6246ED52CEA}" type="datetimeFigureOut">
               <a:rPr lang="en-US" dirty="0"/>
               <a:pPr/>
-              <a:t>4/15/2019</a:t>
+              <a:t>4/16/2019</a:t>
             </a:fld>
             <a:endParaRPr lang="en-US" dirty="0"/>
           </a:p>
@@ -730,7 +732,7 @@
             <a:fld id="{18C79C5D-2A6F-F04D-97DA-BEF2467B64E4}" type="datetimeFigureOut">
               <a:rPr lang="en-US" dirty="0"/>
               <a:pPr/>
-              <a:t>4/15/2019</a:t>
+              <a:t>4/16/2019</a:t>
             </a:fld>
             <a:endParaRPr lang="en-US" dirty="0"/>
           </a:p>
@@ -1215,7 +1217,7 @@
             <a:fld id="{8DFA1846-DA80-1C48-A609-854EA85C59AD}" type="datetimeFigureOut">
               <a:rPr lang="en-US" dirty="0"/>
               <a:pPr/>
-              <a:t>4/15/2019</a:t>
+              <a:t>4/16/2019</a:t>
             </a:fld>
             <a:endParaRPr lang="en-US" dirty="0"/>
           </a:p>
@@ -1581,7 +1583,7 @@
             <a:fld id="{FBF54567-0DE4-3F47-BF90-CB84690072F9}" type="datetimeFigureOut">
               <a:rPr lang="en-US" dirty="0"/>
               <a:pPr/>
-              <a:t>4/15/2019</a:t>
+              <a:t>4/16/2019</a:t>
             </a:fld>
             <a:endParaRPr lang="en-US" dirty="0"/>
           </a:p>
@@ -1732,7 +1734,7 @@
           <a:ln/>
           <a:extLst>
             <a:ext uri="{91240B29-F687-4f45-9708-019B960494DF}">
-              <a14:hiddenLine xmlns="" xmlns:a14="http://schemas.microsoft.com/office/drawing/2010/main" w="9525">
+              <a14:hiddenLine xmlns:a14="http://schemas.microsoft.com/office/drawing/2010/main" xmlns="" w="9525">
                 <a:solidFill>
                   <a:srgbClr val="000000"/>
                 </a:solidFill>
@@ -1851,7 +1853,7 @@
             <a:fld id="{C6C52C72-DE31-F449-A4ED-4C594FD91407}" type="datetimeFigureOut">
               <a:rPr lang="en-US" dirty="0"/>
               <a:pPr/>
-              <a:t>4/15/2019</a:t>
+              <a:t>4/16/2019</a:t>
             </a:fld>
             <a:endParaRPr lang="en-US" dirty="0"/>
           </a:p>
@@ -2004,7 +2006,7 @@
           <a:ln/>
           <a:extLst>
             <a:ext uri="{91240B29-F687-4f45-9708-019B960494DF}">
-              <a14:hiddenLine xmlns="" xmlns:a14="http://schemas.microsoft.com/office/drawing/2010/main" w="9525">
+              <a14:hiddenLine xmlns:a14="http://schemas.microsoft.com/office/drawing/2010/main" xmlns="" w="9525">
                 <a:solidFill>
                   <a:srgbClr val="000000"/>
                 </a:solidFill>
@@ -2133,7 +2135,7 @@
             <a:fld id="{ED62726E-379B-B349-9EED-81ED093FA806}" type="datetimeFigureOut">
               <a:rPr lang="en-US" dirty="0"/>
               <a:pPr/>
-              <a:t>4/15/2019</a:t>
+              <a:t>4/16/2019</a:t>
             </a:fld>
             <a:endParaRPr lang="en-US" dirty="0"/>
           </a:p>
@@ -2284,7 +2286,7 @@
           <a:ln/>
           <a:extLst>
             <a:ext uri="{91240B29-F687-4f45-9708-019B960494DF}">
-              <a14:hiddenLine xmlns="" xmlns:a14="http://schemas.microsoft.com/office/drawing/2010/main" w="9525">
+              <a14:hiddenLine xmlns:a14="http://schemas.microsoft.com/office/drawing/2010/main" xmlns="" w="9525">
                 <a:solidFill>
                   <a:srgbClr val="000000"/>
                 </a:solidFill>
@@ -2413,7 +2415,7 @@
             <a:fld id="{9B3A1323-8D79-1946-B0D7-40001CF92E9D}" type="datetimeFigureOut">
               <a:rPr lang="en-US" dirty="0"/>
               <a:pPr/>
-              <a:t>4/15/2019</a:t>
+              <a:t>4/16/2019</a:t>
             </a:fld>
             <a:endParaRPr lang="en-US" dirty="0"/>
           </a:p>
@@ -2753,7 +2755,7 @@
             <a:fld id="{8DFA1846-DA80-1C48-A609-854EA85C59AD}" type="datetimeFigureOut">
               <a:rPr lang="en-US" dirty="0"/>
               <a:pPr/>
-              <a:t>4/15/2019</a:t>
+              <a:t>4/16/2019</a:t>
             </a:fld>
             <a:endParaRPr lang="en-US" dirty="0"/>
           </a:p>
@@ -2904,7 +2906,7 @@
           <a:ln/>
           <a:extLst>
             <a:ext uri="{91240B29-F687-4f45-9708-019B960494DF}">
-              <a14:hiddenLine xmlns="" xmlns:a14="http://schemas.microsoft.com/office/drawing/2010/main" w="9525">
+              <a14:hiddenLine xmlns:a14="http://schemas.microsoft.com/office/drawing/2010/main" xmlns="" w="9525">
                 <a:solidFill>
                   <a:srgbClr val="000000"/>
                 </a:solidFill>
@@ -3089,7 +3091,7 @@
             <a:fld id="{57302355-E14B-8545-A8F8-0FE83CC9D524}" type="datetimeFigureOut">
               <a:rPr lang="en-US" dirty="0"/>
               <a:pPr/>
-              <a:t>4/15/2019</a:t>
+              <a:t>4/16/2019</a:t>
             </a:fld>
             <a:endParaRPr lang="en-US" dirty="0"/>
           </a:p>
@@ -3240,7 +3242,7 @@
           <a:ln/>
           <a:extLst>
             <a:ext uri="{91240B29-F687-4f45-9708-019B960494DF}">
-              <a14:hiddenLine xmlns="" xmlns:a14="http://schemas.microsoft.com/office/drawing/2010/main" w="9525">
+              <a14:hiddenLine xmlns:a14="http://schemas.microsoft.com/office/drawing/2010/main" xmlns="" w="9525">
                 <a:solidFill>
                   <a:srgbClr val="000000"/>
                 </a:solidFill>
@@ -3563,7 +3565,7 @@
             <a:fld id="{02640F58-564D-2B4F-AE67-E407BA4FCF45}" type="datetimeFigureOut">
               <a:rPr lang="en-US" dirty="0"/>
               <a:pPr/>
-              <a:t>4/15/2019</a:t>
+              <a:t>4/16/2019</a:t>
             </a:fld>
             <a:endParaRPr lang="en-US" dirty="0"/>
           </a:p>
@@ -3714,7 +3716,7 @@
           <a:ln/>
           <a:extLst>
             <a:ext uri="{91240B29-F687-4f45-9708-019B960494DF}">
-              <a14:hiddenLine xmlns="" xmlns:a14="http://schemas.microsoft.com/office/drawing/2010/main" w="9525">
+              <a14:hiddenLine xmlns:a14="http://schemas.microsoft.com/office/drawing/2010/main" xmlns="" w="9525">
                 <a:solidFill>
                   <a:srgbClr val="000000"/>
                 </a:solidFill>
@@ -3781,7 +3783,7 @@
             <a:fld id="{F13A34C8-038E-2045-AF43-DF7DBB8E0E9E}" type="datetimeFigureOut">
               <a:rPr lang="en-US" dirty="0"/>
               <a:pPr/>
-              <a:t>4/15/2019</a:t>
+              <a:t>4/16/2019</a:t>
             </a:fld>
             <a:endParaRPr lang="en-US" dirty="0"/>
           </a:p>
@@ -3873,7 +3875,7 @@
             <a:fld id="{8818C68F-D26B-8F47-958C-23B49CF8A634}" type="datetimeFigureOut">
               <a:rPr lang="en-US" dirty="0"/>
               <a:pPr/>
-              <a:t>4/15/2019</a:t>
+              <a:t>4/16/2019</a:t>
             </a:fld>
             <a:endParaRPr lang="en-US" dirty="0"/>
           </a:p>
@@ -4137,7 +4139,7 @@
           <a:ln/>
           <a:extLst>
             <a:ext uri="{91240B29-F687-4f45-9708-019B960494DF}">
-              <a14:hiddenLine xmlns="" xmlns:a14="http://schemas.microsoft.com/office/drawing/2010/main" w="9525">
+              <a14:hiddenLine xmlns:a14="http://schemas.microsoft.com/office/drawing/2010/main" xmlns="" w="9525">
                 <a:solidFill>
                   <a:srgbClr val="000000"/>
                 </a:solidFill>
@@ -4337,7 +4339,7 @@
             <a:fld id="{D0DF5E60-9974-AC48-9591-99C2BB44B7CF}" type="datetimeFigureOut">
               <a:rPr lang="en-US" dirty="0"/>
               <a:pPr/>
-              <a:t>4/15/2019</a:t>
+              <a:t>4/16/2019</a:t>
             </a:fld>
             <a:endParaRPr lang="en-US" dirty="0"/>
           </a:p>
@@ -4647,7 +4649,7 @@
             <a:fld id="{18C79C5D-2A6F-F04D-97DA-BEF2467B64E4}" type="datetimeFigureOut">
               <a:rPr lang="en-US" dirty="0"/>
               <a:pPr/>
-              <a:t>4/15/2019</a:t>
+              <a:t>4/16/2019</a:t>
             </a:fld>
             <a:endParaRPr lang="en-US" dirty="0"/>
           </a:p>
@@ -4914,7 +4916,7 @@
             <a:fld id="{09B482E8-6E0E-1B4F-B1FD-C69DB9E858D9}" type="datetimeFigureOut">
               <a:rPr lang="en-US" dirty="0"/>
               <a:pPr/>
-              <a:t>4/15/2019</a:t>
+              <a:t>4/16/2019</a:t>
             </a:fld>
             <a:endParaRPr lang="en-US" dirty="0"/>
           </a:p>
@@ -5493,6 +5495,443 @@
       </p:grpSpPr>
       <p:sp>
         <p:nvSpPr>
+          <p:cNvPr id="8" name="TextBox 7">
+            <a:extLst>
+              <a:ext uri="{FF2B5EF4-FFF2-40B4-BE49-F238E27FC236}">
+                <a16:creationId xmlns:a16="http://schemas.microsoft.com/office/drawing/2014/main" id="{CFF7B6AD-5159-491B-9A92-E1BE5F3813A0}"/>
+              </a:ext>
+            </a:extLst>
+          </p:cNvPr>
+          <p:cNvSpPr txBox="1"/>
+          <p:nvPr/>
+        </p:nvSpPr>
+        <p:spPr>
+          <a:xfrm>
+            <a:off x="848435" y="1497842"/>
+            <a:ext cx="10495129" cy="4247317"/>
+          </a:xfrm>
+          <a:prstGeom prst="rect">
+            <a:avLst/>
+          </a:prstGeom>
+          <a:noFill/>
+          <a:ln w="9525" cap="flat" cmpd="sng" algn="ctr">
+            <a:solidFill>
+              <a:schemeClr val="accent1"/>
+            </a:solidFill>
+            <a:prstDash val="solid"/>
+            <a:round/>
+            <a:headEnd type="none" w="med" len="med"/>
+            <a:tailEnd type="none" w="med" len="med"/>
+          </a:ln>
+        </p:spPr>
+        <p:style>
+          <a:lnRef idx="0">
+            <a:scrgbClr r="0" g="0" b="0"/>
+          </a:lnRef>
+          <a:fillRef idx="0">
+            <a:scrgbClr r="0" g="0" b="0"/>
+          </a:fillRef>
+          <a:effectRef idx="0">
+            <a:scrgbClr r="0" g="0" b="0"/>
+          </a:effectRef>
+          <a:fontRef idx="minor">
+            <a:schemeClr val="accent1"/>
+          </a:fontRef>
+        </p:style>
+        <p:txBody>
+          <a:bodyPr wrap="square" rtlCol="0">
+            <a:spAutoFit/>
+          </a:bodyPr>
+          <a:lstStyle/>
+          <a:p>
+            <a:pPr lvl="0" defTabSz="914400" eaLnBrk="0" fontAlgn="base" hangingPunct="0">
+              <a:spcBef>
+                <a:spcPct val="0"/>
+              </a:spcBef>
+              <a:spcAft>
+                <a:spcPct val="0"/>
+              </a:spcAft>
+            </a:pPr>
+            <a:r>
+              <a:rPr lang="en-US" altLang="en-US" dirty="0">
+                <a:latin typeface="+mj-lt"/>
+              </a:rPr>
+              <a:t>1. Assign dis[v] for all nodes = INT_MAX (distance from </a:t>
+            </a:r>
+            <a:r>
+              <a:rPr lang="en-US" altLang="en-US" i="1" dirty="0">
+                <a:latin typeface="+mj-lt"/>
+              </a:rPr>
+              <a:t>root </a:t>
+            </a:r>
+            <a:r>
+              <a:rPr lang="en-US" altLang="en-US" dirty="0">
+                <a:latin typeface="+mj-lt"/>
+              </a:rPr>
+              <a:t>node + heuristics of every node).</a:t>
+            </a:r>
+            <a:br>
+              <a:rPr lang="en-US" altLang="en-US" dirty="0">
+                <a:latin typeface="+mj-lt"/>
+              </a:rPr>
+            </a:br>
+            <a:r>
+              <a:rPr lang="en-US" altLang="en-US" dirty="0">
+                <a:latin typeface="+mj-lt"/>
+              </a:rPr>
+              <a:t>2. Assign dis[root] = 0 + heuristic(root, goal) (distance from </a:t>
+            </a:r>
+            <a:r>
+              <a:rPr lang="en-US" altLang="en-US" i="1" dirty="0">
+                <a:latin typeface="+mj-lt"/>
+              </a:rPr>
+              <a:t>root </a:t>
+            </a:r>
+            <a:r>
+              <a:rPr lang="en-US" altLang="en-US" dirty="0">
+                <a:latin typeface="+mj-lt"/>
+              </a:rPr>
+              <a:t>node to itself + heuristics).</a:t>
+            </a:r>
+            <a:br>
+              <a:rPr lang="en-US" altLang="en-US" dirty="0">
+                <a:latin typeface="+mj-lt"/>
+              </a:rPr>
+            </a:br>
+            <a:r>
+              <a:rPr lang="en-US" altLang="en-US" dirty="0">
+                <a:latin typeface="+mj-lt"/>
+              </a:rPr>
+              <a:t>2. Add </a:t>
+            </a:r>
+            <a:r>
+              <a:rPr lang="en-US" altLang="en-US" i="1" dirty="0">
+                <a:latin typeface="+mj-lt"/>
+              </a:rPr>
+              <a:t>root</a:t>
+            </a:r>
+            <a:r>
+              <a:rPr lang="en-US" altLang="en-US" dirty="0">
+                <a:latin typeface="+mj-lt"/>
+              </a:rPr>
+              <a:t> node to priority queue.</a:t>
+            </a:r>
+            <a:br>
+              <a:rPr lang="en-US" altLang="en-US" dirty="0">
+                <a:latin typeface="+mj-lt"/>
+              </a:rPr>
+            </a:br>
+            <a:r>
+              <a:rPr lang="en-US" altLang="en-US" dirty="0">
+                <a:latin typeface="+mj-lt"/>
+              </a:rPr>
+              <a:t>3. Loop on the queue as long as it's not empty.</a:t>
+            </a:r>
+            <a:br>
+              <a:rPr lang="en-US" altLang="en-US" dirty="0">
+                <a:latin typeface="+mj-lt"/>
+              </a:rPr>
+            </a:br>
+            <a:r>
+              <a:rPr lang="en-US" altLang="en-US" dirty="0">
+                <a:latin typeface="+mj-lt"/>
+              </a:rPr>
+              <a:t>   1. In every loop, choose the node with the minimum distance from the </a:t>
+            </a:r>
+            <a:r>
+              <a:rPr lang="en-US" altLang="en-US" i="1" dirty="0">
+                <a:latin typeface="+mj-lt"/>
+              </a:rPr>
+              <a:t>root </a:t>
+            </a:r>
+            <a:r>
+              <a:rPr lang="en-US" altLang="en-US" dirty="0">
+                <a:latin typeface="+mj-lt"/>
+              </a:rPr>
+              <a:t>node in the queue + heuristic (</a:t>
+            </a:r>
+            <a:r>
+              <a:rPr lang="en-US" altLang="en-US" i="1" dirty="0">
+                <a:latin typeface="+mj-lt"/>
+              </a:rPr>
+              <a:t>root </a:t>
+            </a:r>
+            <a:r>
+              <a:rPr lang="en-US" altLang="en-US" dirty="0">
+                <a:latin typeface="+mj-lt"/>
+              </a:rPr>
+              <a:t>node will be selected first).</a:t>
+            </a:r>
+            <a:br>
+              <a:rPr lang="en-US" altLang="en-US" dirty="0">
+                <a:latin typeface="+mj-lt"/>
+              </a:rPr>
+            </a:br>
+            <a:r>
+              <a:rPr lang="en-US" altLang="en-US" dirty="0">
+                <a:latin typeface="+mj-lt"/>
+              </a:rPr>
+              <a:t>   2. Remove the </a:t>
+            </a:r>
+            <a:r>
+              <a:rPr lang="en-US" altLang="en-US" i="1" dirty="0">
+                <a:latin typeface="+mj-lt"/>
+              </a:rPr>
+              <a:t>current </a:t>
+            </a:r>
+            <a:r>
+              <a:rPr lang="en-US" altLang="en-US" dirty="0">
+                <a:latin typeface="+mj-lt"/>
+              </a:rPr>
+              <a:t>chosen node from the queue (vis[</a:t>
+            </a:r>
+            <a:r>
+              <a:rPr lang="en-US" altLang="en-US" i="1" dirty="0">
+                <a:latin typeface="+mj-lt"/>
+              </a:rPr>
+              <a:t>current</a:t>
+            </a:r>
+            <a:r>
+              <a:rPr lang="en-US" altLang="en-US" dirty="0">
+                <a:latin typeface="+mj-lt"/>
+              </a:rPr>
+              <a:t>] = true). </a:t>
+            </a:r>
+            <a:br>
+              <a:rPr lang="en-US" altLang="en-US" dirty="0">
+                <a:latin typeface="+mj-lt"/>
+              </a:rPr>
+            </a:br>
+            <a:r>
+              <a:rPr lang="en-US" altLang="en-US" dirty="0">
+                <a:latin typeface="+mj-lt"/>
+              </a:rPr>
+              <a:t>   3. If the </a:t>
+            </a:r>
+            <a:r>
+              <a:rPr lang="en-US" altLang="en-US" i="1" dirty="0">
+                <a:latin typeface="+mj-lt"/>
+              </a:rPr>
+              <a:t>current </a:t>
+            </a:r>
+            <a:r>
+              <a:rPr lang="en-US" altLang="en-US" dirty="0">
+                <a:latin typeface="+mj-lt"/>
+              </a:rPr>
+              <a:t>node is the </a:t>
+            </a:r>
+            <a:r>
+              <a:rPr lang="en-US" altLang="en-US" i="1" dirty="0">
+                <a:latin typeface="+mj-lt"/>
+              </a:rPr>
+              <a:t>goal </a:t>
+            </a:r>
+            <a:r>
+              <a:rPr lang="en-US" altLang="en-US" dirty="0">
+                <a:latin typeface="+mj-lt"/>
+              </a:rPr>
+              <a:t>node, then return it.</a:t>
+            </a:r>
+            <a:br>
+              <a:rPr lang="en-US" altLang="en-US" dirty="0">
+                <a:latin typeface="+mj-lt"/>
+              </a:rPr>
+            </a:br>
+            <a:r>
+              <a:rPr lang="en-US" altLang="en-US" dirty="0">
+                <a:latin typeface="+mj-lt"/>
+              </a:rPr>
+              <a:t>   4. For every </a:t>
+            </a:r>
+            <a:r>
+              <a:rPr lang="en-US" altLang="en-US" i="1" dirty="0">
+                <a:latin typeface="+mj-lt"/>
+              </a:rPr>
+              <a:t>child </a:t>
+            </a:r>
+            <a:r>
+              <a:rPr lang="en-US" altLang="en-US" dirty="0">
+                <a:latin typeface="+mj-lt"/>
+              </a:rPr>
+              <a:t>of the </a:t>
+            </a:r>
+            <a:r>
+              <a:rPr lang="en-US" altLang="en-US" i="1" dirty="0">
+                <a:latin typeface="+mj-lt"/>
+              </a:rPr>
+              <a:t>current </a:t>
+            </a:r>
+            <a:r>
+              <a:rPr lang="en-US" altLang="en-US" dirty="0">
+                <a:latin typeface="+mj-lt"/>
+              </a:rPr>
+              <a:t>node, do the following:</a:t>
+            </a:r>
+          </a:p>
+          <a:p>
+            <a:pPr lvl="0" defTabSz="914400" eaLnBrk="0" fontAlgn="base" hangingPunct="0">
+              <a:spcBef>
+                <a:spcPct val="0"/>
+              </a:spcBef>
+              <a:spcAft>
+                <a:spcPct val="0"/>
+              </a:spcAft>
+            </a:pPr>
+            <a:r>
+              <a:rPr lang="en-US" altLang="en-US" dirty="0">
+                <a:latin typeface="+mj-lt"/>
+              </a:rPr>
+              <a:t>      1. Assign temp = distance(root, </a:t>
+            </a:r>
+            <a:r>
+              <a:rPr lang="en-US" altLang="en-US" i="1" dirty="0">
+                <a:latin typeface="+mj-lt"/>
+              </a:rPr>
+              <a:t>current)</a:t>
+            </a:r>
+            <a:r>
+              <a:rPr lang="en-US" altLang="en-US" dirty="0">
+                <a:latin typeface="+mj-lt"/>
+              </a:rPr>
+              <a:t> + distance(current, child) + heuristic(child, goal).</a:t>
+            </a:r>
+            <a:br>
+              <a:rPr lang="en-US" altLang="en-US" dirty="0">
+                <a:latin typeface="+mj-lt"/>
+              </a:rPr>
+            </a:br>
+            <a:r>
+              <a:rPr lang="en-US" altLang="en-US" dirty="0">
+                <a:latin typeface="+mj-lt"/>
+              </a:rPr>
+              <a:t>      2. If temp &lt; dis[child], then, assign </a:t>
+            </a:r>
+            <a:r>
+              <a:rPr lang="en-US" altLang="en-US" dirty="0" err="1">
+                <a:latin typeface="+mj-lt"/>
+              </a:rPr>
+              <a:t>dist</a:t>
+            </a:r>
+            <a:r>
+              <a:rPr lang="en-US" altLang="en-US" dirty="0">
+                <a:latin typeface="+mj-lt"/>
+              </a:rPr>
+              <a:t>[</a:t>
+            </a:r>
+            <a:r>
+              <a:rPr lang="en-US" altLang="en-US" i="1" dirty="0">
+                <a:latin typeface="+mj-lt"/>
+              </a:rPr>
+              <a:t>child</a:t>
+            </a:r>
+            <a:r>
+              <a:rPr lang="en-US" altLang="en-US" dirty="0">
+                <a:latin typeface="+mj-lt"/>
+              </a:rPr>
+              <a:t>] = temp. This denotes a shorter path to </a:t>
+            </a:r>
+            <a:r>
+              <a:rPr lang="en-US" altLang="en-US" i="1" dirty="0">
+                <a:latin typeface="+mj-lt"/>
+              </a:rPr>
+              <a:t>child </a:t>
+            </a:r>
+            <a:r>
+              <a:rPr lang="en-US" altLang="en-US" dirty="0">
+                <a:latin typeface="+mj-lt"/>
+              </a:rPr>
+              <a:t>node has been found.</a:t>
+            </a:r>
+            <a:br>
+              <a:rPr lang="en-US" altLang="en-US" dirty="0">
+                <a:latin typeface="+mj-lt"/>
+              </a:rPr>
+            </a:br>
+            <a:r>
+              <a:rPr lang="en-US" altLang="en-US" dirty="0">
+                <a:latin typeface="+mj-lt"/>
+              </a:rPr>
+              <a:t>      3. And, add </a:t>
+            </a:r>
+            <a:r>
+              <a:rPr lang="en-US" altLang="en-US" i="1" dirty="0">
+                <a:latin typeface="+mj-lt"/>
+              </a:rPr>
+              <a:t>child </a:t>
+            </a:r>
+            <a:r>
+              <a:rPr lang="en-US" altLang="en-US" dirty="0">
+                <a:latin typeface="+mj-lt"/>
+              </a:rPr>
+              <a:t>node to the queue if not already in the queue (thus, it's now marked as not visited again).</a:t>
+            </a:r>
+            <a:br>
+              <a:rPr lang="en-US" altLang="en-US" dirty="0">
+                <a:latin typeface="+mj-lt"/>
+              </a:rPr>
+            </a:br>
+            <a:r>
+              <a:rPr lang="en-US" altLang="en-US" dirty="0">
+                <a:latin typeface="+mj-lt"/>
+              </a:rPr>
+              <a:t>4. If queue is empty, then </a:t>
+            </a:r>
+            <a:r>
+              <a:rPr lang="en-US" altLang="en-US" i="1" dirty="0">
+                <a:latin typeface="+mj-lt"/>
+              </a:rPr>
+              <a:t>goal </a:t>
+            </a:r>
+            <a:r>
+              <a:rPr lang="en-US" altLang="en-US" dirty="0">
+                <a:latin typeface="+mj-lt"/>
+              </a:rPr>
+              <a:t>node was not found!</a:t>
+            </a:r>
+            <a:r>
+              <a:rPr lang="en-US" altLang="en-US" sz="1600" dirty="0">
+                <a:latin typeface="+mj-lt"/>
+              </a:rPr>
+              <a:t> </a:t>
+            </a:r>
+            <a:endParaRPr lang="en-US" altLang="en-US" sz="2800" dirty="0">
+              <a:latin typeface="+mj-lt"/>
+            </a:endParaRPr>
+          </a:p>
+        </p:txBody>
+      </p:sp>
+    </p:spTree>
+    <p:extLst>
+      <p:ext uri="{BB962C8B-B14F-4D97-AF65-F5344CB8AC3E}">
+        <p14:creationId xmlns:p14="http://schemas.microsoft.com/office/powerpoint/2010/main" val="3650991031"/>
+      </p:ext>
+    </p:extLst>
+  </p:cSld>
+  <p:clrMapOvr>
+    <a:masterClrMapping/>
+  </p:clrMapOvr>
+</p:sld>
+</file>
+
+<file path=ppt/slides/slide11.xml><?xml version="1.0" encoding="utf-8"?>
+<p:sld xmlns:a="http://schemas.openxmlformats.org/drawingml/2006/main" xmlns:r="http://schemas.openxmlformats.org/officeDocument/2006/relationships" xmlns:p="http://schemas.openxmlformats.org/presentationml/2006/main">
+  <p:cSld>
+    <p:spTree>
+      <p:nvGrpSpPr>
+        <p:cNvPr id="1" name=""/>
+        <p:cNvGrpSpPr/>
+        <p:nvPr/>
+      </p:nvGrpSpPr>
+      <p:grpSpPr>
+        <a:xfrm>
+          <a:off x="0" y="0"/>
+          <a:ext cx="0" cy="0"/>
+          <a:chOff x="0" y="0"/>
+          <a:chExt cx="0" cy="0"/>
+        </a:xfrm>
+      </p:grpSpPr>
+      <p:sp>
+        <p:nvSpPr>
           <p:cNvPr id="2" name="Title 1">
             <a:extLst>
               <a:ext uri="{FF2B5EF4-FFF2-40B4-BE49-F238E27FC236}">
@@ -6551,7 +6990,7 @@
 </p:sld>
 </file>
 
-<file path=ppt/slides/slide11.xml><?xml version="1.0" encoding="utf-8"?>
+<file path=ppt/slides/slide12.xml><?xml version="1.0" encoding="utf-8"?>
 <p:sld xmlns:a="http://schemas.openxmlformats.org/drawingml/2006/main" xmlns:r="http://schemas.openxmlformats.org/officeDocument/2006/relationships" xmlns:p="http://schemas.openxmlformats.org/presentationml/2006/main">
   <p:cSld>
     <p:spTree>
@@ -7471,134 +7910,6 @@
 </p:sld>
 </file>
 
-<file path=ppt/slides/slide12.xml><?xml version="1.0" encoding="utf-8"?>
-<p:sld xmlns:a="http://schemas.openxmlformats.org/drawingml/2006/main" xmlns:r="http://schemas.openxmlformats.org/officeDocument/2006/relationships" xmlns:p="http://schemas.openxmlformats.org/presentationml/2006/main">
-  <p:cSld>
-    <p:spTree>
-      <p:nvGrpSpPr>
-        <p:cNvPr id="1" name=""/>
-        <p:cNvGrpSpPr/>
-        <p:nvPr/>
-      </p:nvGrpSpPr>
-      <p:grpSpPr>
-        <a:xfrm>
-          <a:off x="0" y="0"/>
-          <a:ext cx="0" cy="0"/>
-          <a:chOff x="0" y="0"/>
-          <a:chExt cx="0" cy="0"/>
-        </a:xfrm>
-      </p:grpSpPr>
-      <p:sp>
-        <p:nvSpPr>
-          <p:cNvPr id="2" name="Title 1">
-            <a:extLst>
-              <a:ext uri="{FF2B5EF4-FFF2-40B4-BE49-F238E27FC236}">
-                <a16:creationId xmlns:a16="http://schemas.microsoft.com/office/drawing/2014/main" id="{3A02D35B-0B2D-4FA8-B6D0-911D989A88E3}"/>
-              </a:ext>
-            </a:extLst>
-          </p:cNvPr>
-          <p:cNvSpPr>
-            <a:spLocks noGrp="1"/>
-          </p:cNvSpPr>
-          <p:nvPr>
-            <p:ph type="title"/>
-          </p:nvPr>
-        </p:nvSpPr>
-        <p:spPr/>
-        <p:txBody>
-          <a:bodyPr/>
-          <a:lstStyle/>
-          <a:p>
-            <a:r>
-              <a:rPr lang="en-IN" dirty="0"/>
-              <a:t>Optimization of A* search algorithm</a:t>
-            </a:r>
-          </a:p>
-        </p:txBody>
-      </p:sp>
-      <p:sp>
-        <p:nvSpPr>
-          <p:cNvPr id="3" name="Content Placeholder 2">
-            <a:extLst>
-              <a:ext uri="{FF2B5EF4-FFF2-40B4-BE49-F238E27FC236}">
-                <a16:creationId xmlns:a16="http://schemas.microsoft.com/office/drawing/2014/main" id="{6A422F8A-26B9-4310-A4B1-3E1237C8D50A}"/>
-              </a:ext>
-            </a:extLst>
-          </p:cNvPr>
-          <p:cNvSpPr>
-            <a:spLocks noGrp="1"/>
-          </p:cNvSpPr>
-          <p:nvPr>
-            <p:ph idx="1"/>
-          </p:nvPr>
-        </p:nvSpPr>
-        <p:spPr/>
-        <p:txBody>
-          <a:bodyPr/>
-          <a:lstStyle/>
-          <a:p>
-            <a:r>
-              <a:rPr lang="en-IN" dirty="0"/>
-              <a:t>A simple </a:t>
-            </a:r>
-            <a:r>
-              <a:rPr lang="en-IN" dirty="0" err="1"/>
-              <a:t>onList</a:t>
-            </a:r>
-            <a:r>
-              <a:rPr lang="en-IN" dirty="0"/>
-              <a:t> flag can be set for each node thereby removing the need to search the Closed Set repeatedly, thus making the algorithm more time efficient.</a:t>
-            </a:r>
-          </a:p>
-          <a:p>
-            <a:r>
-              <a:rPr lang="en-IN" dirty="0"/>
-              <a:t>Open Set can be made a priority queue instead of an array, mainly because the size of the Open Set continues to grow over time and so the cost of finding and removing the smallest entry keeps increasing. Priority queue will help do the operations in O(</a:t>
-            </a:r>
-            <a:r>
-              <a:rPr lang="en-IN" dirty="0" err="1"/>
-              <a:t>logn</a:t>
-            </a:r>
-            <a:r>
-              <a:rPr lang="en-IN" dirty="0"/>
-              <a:t>) which is better than finding smallest element in array in O(n).</a:t>
-            </a:r>
-          </a:p>
-          <a:p>
-            <a:r>
-              <a:rPr lang="en-IN" dirty="0"/>
-              <a:t>Adding </a:t>
-            </a:r>
-            <a:r>
-              <a:rPr lang="en-IN" dirty="0" err="1"/>
-              <a:t>neighbors</a:t>
-            </a:r>
-            <a:r>
-              <a:rPr lang="en-IN" dirty="0"/>
-              <a:t> with lesser f-cost to a different set from Open Set.</a:t>
-            </a:r>
-          </a:p>
-          <a:p>
-            <a:endParaRPr lang="en-IN" dirty="0"/>
-          </a:p>
-          <a:p>
-            <a:endParaRPr lang="en-IN" dirty="0"/>
-          </a:p>
-        </p:txBody>
-      </p:sp>
-    </p:spTree>
-    <p:extLst>
-      <p:ext uri="{BB962C8B-B14F-4D97-AF65-F5344CB8AC3E}">
-        <p14:creationId xmlns:p14="http://schemas.microsoft.com/office/powerpoint/2010/main" val="3803094539"/>
-      </p:ext>
-    </p:extLst>
-  </p:cSld>
-  <p:clrMapOvr>
-    <a:masterClrMapping/>
-  </p:clrMapOvr>
-</p:sld>
-</file>
-
 <file path=ppt/slides/slide13.xml><?xml version="1.0" encoding="utf-8"?>
 <p:sld xmlns:a="http://schemas.openxmlformats.org/drawingml/2006/main" xmlns:r="http://schemas.openxmlformats.org/officeDocument/2006/relationships" xmlns:p="http://schemas.openxmlformats.org/presentationml/2006/main">
   <p:cSld>
@@ -7621,7 +7932,7 @@
           <p:cNvPr id="2" name="Title 1">
             <a:extLst>
               <a:ext uri="{FF2B5EF4-FFF2-40B4-BE49-F238E27FC236}">
-                <a16:creationId xmlns:a16="http://schemas.microsoft.com/office/drawing/2014/main" id="{AE61C297-3047-4C36-B31D-10D43C40E0C6}"/>
+                <a16:creationId xmlns:a16="http://schemas.microsoft.com/office/drawing/2014/main" id="{1AFB433C-07EB-424D-8FD7-382644E92520}"/>
               </a:ext>
             </a:extLst>
           </p:cNvPr>
@@ -7632,59 +7943,886 @@
             <p:ph type="title"/>
           </p:nvPr>
         </p:nvSpPr>
-        <p:spPr/>
+        <p:spPr>
+          <a:xfrm>
+            <a:off x="809999" y="447188"/>
+            <a:ext cx="10865166" cy="970450"/>
+          </a:xfrm>
+        </p:spPr>
         <p:txBody>
           <a:bodyPr/>
           <a:lstStyle/>
           <a:p>
+            <a:pPr algn="ctr"/>
             <a:r>
               <a:rPr lang="en-IN" dirty="0"/>
-              <a:t>THETA* SEARCH ALGORITHM</a:t>
-            </a:r>
-          </a:p>
-        </p:txBody>
-      </p:sp>
-      <p:sp>
-        <p:nvSpPr>
-          <p:cNvPr id="3" name="Content Placeholder 2">
+              <a:t>Comparing Heuristics </a:t>
+            </a:r>
+          </a:p>
+        </p:txBody>
+      </p:sp>
+      <p:graphicFrame>
+        <p:nvGraphicFramePr>
+          <p:cNvPr id="5" name="Content Placeholder 4">
             <a:extLst>
               <a:ext uri="{FF2B5EF4-FFF2-40B4-BE49-F238E27FC236}">
-                <a16:creationId xmlns:a16="http://schemas.microsoft.com/office/drawing/2014/main" id="{3A95F479-9644-40F6-875F-4B8836334BED}"/>
+                <a16:creationId xmlns:a16="http://schemas.microsoft.com/office/drawing/2014/main" id="{476A8C94-31E6-4A1E-BF08-28C93E213BA0}"/>
               </a:ext>
             </a:extLst>
           </p:cNvPr>
-          <p:cNvSpPr>
-            <a:spLocks noGrp="1"/>
-          </p:cNvSpPr>
+          <p:cNvGraphicFramePr>
+            <a:graphicFrameLocks noGrp="1"/>
+          </p:cNvGraphicFramePr>
           <p:nvPr>
             <p:ph idx="1"/>
-          </p:nvPr>
-        </p:nvSpPr>
-        <p:spPr/>
-        <p:txBody>
-          <a:bodyPr/>
-          <a:lstStyle/>
-          <a:p>
-            <a:r>
-              <a:rPr lang="en-IN" dirty="0"/>
-              <a:t>Theta* is an any-angle path planning algorithm that is based on the A* search algorithm.</a:t>
-            </a:r>
-          </a:p>
-          <a:p>
-            <a:r>
-              <a:rPr lang="en-IN" dirty="0"/>
-              <a:t>If there is any line-of-sight between parent node of current node ‘n’ and neighbour node of ‘n’, then ignore ‘n’ and use the path from parent of ‘n’ to neighbour of ‘n’</a:t>
-            </a:r>
-          </a:p>
-          <a:p>
-            <a:endParaRPr lang="en-IN" dirty="0"/>
-          </a:p>
-        </p:txBody>
-      </p:sp>
+            <p:extLst>
+              <p:ext uri="{D42A27DB-BD31-4B8C-83A1-F6EECF244321}">
+                <p14:modId xmlns:p14="http://schemas.microsoft.com/office/powerpoint/2010/main" val="712550846"/>
+              </p:ext>
+            </p:extLst>
+          </p:nvPr>
+        </p:nvGraphicFramePr>
+        <p:xfrm>
+          <a:off x="0" y="1881809"/>
+          <a:ext cx="12192000" cy="4976192"/>
+        </p:xfrm>
+        <a:graphic>
+          <a:graphicData uri="http://schemas.openxmlformats.org/drawingml/2006/table">
+            <a:tbl>
+              <a:tblPr firstRow="1" firstCol="1" bandRow="1">
+                <a:tableStyleId>{5C22544A-7EE6-4342-B048-85BDC9FD1C3A}</a:tableStyleId>
+              </a:tblPr>
+              <a:tblGrid>
+                <a:gridCol w="3048000">
+                  <a:extLst>
+                    <a:ext uri="{9D8B030D-6E8A-4147-A177-3AD203B41FA5}">
+                      <a16:colId xmlns:a16="http://schemas.microsoft.com/office/drawing/2014/main" val="2037090125"/>
+                    </a:ext>
+                  </a:extLst>
+                </a:gridCol>
+                <a:gridCol w="3048000">
+                  <a:extLst>
+                    <a:ext uri="{9D8B030D-6E8A-4147-A177-3AD203B41FA5}">
+                      <a16:colId xmlns:a16="http://schemas.microsoft.com/office/drawing/2014/main" val="1560284061"/>
+                    </a:ext>
+                  </a:extLst>
+                </a:gridCol>
+                <a:gridCol w="3048000">
+                  <a:extLst>
+                    <a:ext uri="{9D8B030D-6E8A-4147-A177-3AD203B41FA5}">
+                      <a16:colId xmlns:a16="http://schemas.microsoft.com/office/drawing/2014/main" val="2065418497"/>
+                    </a:ext>
+                  </a:extLst>
+                </a:gridCol>
+                <a:gridCol w="3048000">
+                  <a:extLst>
+                    <a:ext uri="{9D8B030D-6E8A-4147-A177-3AD203B41FA5}">
+                      <a16:colId xmlns:a16="http://schemas.microsoft.com/office/drawing/2014/main" val="1309849566"/>
+                    </a:ext>
+                  </a:extLst>
+                </a:gridCol>
+              </a:tblGrid>
+              <a:tr h="382784">
+                <a:tc>
+                  <a:txBody>
+                    <a:bodyPr/>
+                    <a:lstStyle/>
+                    <a:p>
+                      <a:r>
+                        <a:rPr lang="en-IN" dirty="0"/>
+                        <a:t>Parameter</a:t>
+                      </a:r>
+                    </a:p>
+                  </a:txBody>
+                  <a:tcPr/>
+                </a:tc>
+                <a:tc>
+                  <a:txBody>
+                    <a:bodyPr/>
+                    <a:lstStyle/>
+                    <a:p>
+                      <a:r>
+                        <a:rPr lang="en-IN" dirty="0"/>
+                        <a:t>Euclidean</a:t>
+                      </a:r>
+                    </a:p>
+                  </a:txBody>
+                  <a:tcPr/>
+                </a:tc>
+                <a:tc>
+                  <a:txBody>
+                    <a:bodyPr/>
+                    <a:lstStyle/>
+                    <a:p>
+                      <a:r>
+                        <a:rPr lang="en-IN" dirty="0" err="1"/>
+                        <a:t>Manhatten</a:t>
+                      </a:r>
+                      <a:endParaRPr lang="en-IN" dirty="0"/>
+                    </a:p>
+                  </a:txBody>
+                  <a:tcPr/>
+                </a:tc>
+                <a:tc>
+                  <a:txBody>
+                    <a:bodyPr/>
+                    <a:lstStyle/>
+                    <a:p>
+                      <a:r>
+                        <a:rPr lang="en-IN" dirty="0"/>
+                        <a:t>Overestimate</a:t>
+                      </a:r>
+                    </a:p>
+                  </a:txBody>
+                  <a:tcPr/>
+                </a:tc>
+                <a:extLst>
+                  <a:ext uri="{0D108BD9-81ED-4DB2-BD59-A6C34878D82A}">
+                    <a16:rowId xmlns:a16="http://schemas.microsoft.com/office/drawing/2014/main" val="2119799607"/>
+                  </a:ext>
+                </a:extLst>
+              </a:tr>
+              <a:tr h="382784">
+                <a:tc gridSpan="4">
+                  <a:txBody>
+                    <a:bodyPr/>
+                    <a:lstStyle/>
+                    <a:p>
+                      <a:pPr marL="0" marR="0" lvl="0" indent="0" algn="ctr" defTabSz="457200" rtl="0" eaLnBrk="1" fontAlgn="auto" latinLnBrk="0" hangingPunct="1">
+                        <a:lnSpc>
+                          <a:spcPct val="100000"/>
+                        </a:lnSpc>
+                        <a:spcBef>
+                          <a:spcPts val="0"/>
+                        </a:spcBef>
+                        <a:spcAft>
+                          <a:spcPts val="0"/>
+                        </a:spcAft>
+                        <a:buClrTx/>
+                        <a:buSzTx/>
+                        <a:buFontTx/>
+                        <a:buNone/>
+                        <a:tabLst/>
+                        <a:defRPr/>
+                      </a:pPr>
+                      <a:r>
+                        <a:rPr lang="en-IN" dirty="0"/>
+                        <a:t>PATHFINDING ON A 25 X 25 GRID</a:t>
+                      </a:r>
+                    </a:p>
+                  </a:txBody>
+                  <a:tcPr/>
+                </a:tc>
+                <a:tc hMerge="1">
+                  <a:txBody>
+                    <a:bodyPr/>
+                    <a:lstStyle/>
+                    <a:p>
+                      <a:endParaRPr lang="en-IN" dirty="0"/>
+                    </a:p>
+                  </a:txBody>
+                  <a:tcPr/>
+                </a:tc>
+                <a:tc hMerge="1">
+                  <a:txBody>
+                    <a:bodyPr/>
+                    <a:lstStyle/>
+                    <a:p>
+                      <a:endParaRPr lang="en-IN" dirty="0"/>
+                    </a:p>
+                  </a:txBody>
+                  <a:tcPr/>
+                </a:tc>
+                <a:tc hMerge="1">
+                  <a:txBody>
+                    <a:bodyPr/>
+                    <a:lstStyle/>
+                    <a:p>
+                      <a:endParaRPr lang="en-IN" dirty="0"/>
+                    </a:p>
+                  </a:txBody>
+                  <a:tcPr/>
+                </a:tc>
+                <a:extLst>
+                  <a:ext uri="{0D108BD9-81ED-4DB2-BD59-A6C34878D82A}">
+                    <a16:rowId xmlns:a16="http://schemas.microsoft.com/office/drawing/2014/main" val="1306394127"/>
+                  </a:ext>
+                </a:extLst>
+              </a:tr>
+              <a:tr h="382784">
+                <a:tc>
+                  <a:txBody>
+                    <a:bodyPr/>
+                    <a:lstStyle/>
+                    <a:p>
+                      <a:pPr marL="0" marR="0" lvl="0" indent="0" algn="l" defTabSz="457200" rtl="0" eaLnBrk="1" fontAlgn="auto" latinLnBrk="0" hangingPunct="1">
+                        <a:lnSpc>
+                          <a:spcPct val="100000"/>
+                        </a:lnSpc>
+                        <a:spcBef>
+                          <a:spcPts val="0"/>
+                        </a:spcBef>
+                        <a:spcAft>
+                          <a:spcPts val="0"/>
+                        </a:spcAft>
+                        <a:buClrTx/>
+                        <a:buSzTx/>
+                        <a:buFontTx/>
+                        <a:buNone/>
+                        <a:tabLst/>
+                        <a:defRPr/>
+                      </a:pPr>
+                      <a:r>
+                        <a:rPr lang="en-IN" dirty="0"/>
+                        <a:t>Execution Time (sec)</a:t>
+                      </a:r>
+                    </a:p>
+                  </a:txBody>
+                  <a:tcPr/>
+                </a:tc>
+                <a:tc>
+                  <a:txBody>
+                    <a:bodyPr/>
+                    <a:lstStyle/>
+                    <a:p>
+                      <a:r>
+                        <a:rPr lang="en-IN" dirty="0"/>
+                        <a:t>0.585</a:t>
+                      </a:r>
+                    </a:p>
+                  </a:txBody>
+                  <a:tcPr/>
+                </a:tc>
+                <a:tc>
+                  <a:txBody>
+                    <a:bodyPr/>
+                    <a:lstStyle/>
+                    <a:p>
+                      <a:r>
+                        <a:rPr lang="en-IN" dirty="0"/>
+                        <a:t>0.599</a:t>
+                      </a:r>
+                    </a:p>
+                  </a:txBody>
+                  <a:tcPr/>
+                </a:tc>
+                <a:tc>
+                  <a:txBody>
+                    <a:bodyPr/>
+                    <a:lstStyle/>
+                    <a:p>
+                      <a:r>
+                        <a:rPr lang="en-IN" dirty="0"/>
+                        <a:t>0.562</a:t>
+                      </a:r>
+                    </a:p>
+                  </a:txBody>
+                  <a:tcPr/>
+                </a:tc>
+                <a:extLst>
+                  <a:ext uri="{0D108BD9-81ED-4DB2-BD59-A6C34878D82A}">
+                    <a16:rowId xmlns:a16="http://schemas.microsoft.com/office/drawing/2014/main" val="1487062952"/>
+                  </a:ext>
+                </a:extLst>
+              </a:tr>
+              <a:tr h="382784">
+                <a:tc>
+                  <a:txBody>
+                    <a:bodyPr/>
+                    <a:lstStyle/>
+                    <a:p>
+                      <a:r>
+                        <a:rPr lang="en-IN" dirty="0"/>
+                        <a:t>Distance Covered</a:t>
+                      </a:r>
+                    </a:p>
+                  </a:txBody>
+                  <a:tcPr/>
+                </a:tc>
+                <a:tc>
+                  <a:txBody>
+                    <a:bodyPr/>
+                    <a:lstStyle/>
+                    <a:p>
+                      <a:r>
+                        <a:rPr lang="en-IN" dirty="0"/>
+                        <a:t>742.25</a:t>
+                      </a:r>
+                    </a:p>
+                  </a:txBody>
+                  <a:tcPr/>
+                </a:tc>
+                <a:tc>
+                  <a:txBody>
+                    <a:bodyPr/>
+                    <a:lstStyle/>
+                    <a:p>
+                      <a:r>
+                        <a:rPr lang="en-IN" dirty="0"/>
+                        <a:t>742.25</a:t>
+                      </a:r>
+                    </a:p>
+                  </a:txBody>
+                  <a:tcPr/>
+                </a:tc>
+                <a:tc>
+                  <a:txBody>
+                    <a:bodyPr/>
+                    <a:lstStyle/>
+                    <a:p>
+                      <a:r>
+                        <a:rPr lang="en-IN" dirty="0"/>
+                        <a:t>742.25</a:t>
+                      </a:r>
+                    </a:p>
+                  </a:txBody>
+                  <a:tcPr/>
+                </a:tc>
+                <a:extLst>
+                  <a:ext uri="{0D108BD9-81ED-4DB2-BD59-A6C34878D82A}">
+                    <a16:rowId xmlns:a16="http://schemas.microsoft.com/office/drawing/2014/main" val="2187619363"/>
+                  </a:ext>
+                </a:extLst>
+              </a:tr>
+              <a:tr h="382784">
+                <a:tc>
+                  <a:txBody>
+                    <a:bodyPr/>
+                    <a:lstStyle/>
+                    <a:p>
+                      <a:r>
+                        <a:rPr lang="en-IN" dirty="0"/>
+                        <a:t>Computed Nodes</a:t>
+                      </a:r>
+                    </a:p>
+                  </a:txBody>
+                  <a:tcPr/>
+                </a:tc>
+                <a:tc>
+                  <a:txBody>
+                    <a:bodyPr/>
+                    <a:lstStyle/>
+                    <a:p>
+                      <a:r>
+                        <a:rPr lang="en-IN" dirty="0"/>
+                        <a:t>31</a:t>
+                      </a:r>
+                    </a:p>
+                  </a:txBody>
+                  <a:tcPr/>
+                </a:tc>
+                <a:tc>
+                  <a:txBody>
+                    <a:bodyPr/>
+                    <a:lstStyle/>
+                    <a:p>
+                      <a:r>
+                        <a:rPr lang="en-IN" dirty="0"/>
+                        <a:t>31</a:t>
+                      </a:r>
+                    </a:p>
+                  </a:txBody>
+                  <a:tcPr/>
+                </a:tc>
+                <a:tc>
+                  <a:txBody>
+                    <a:bodyPr/>
+                    <a:lstStyle/>
+                    <a:p>
+                      <a:r>
+                        <a:rPr lang="en-IN" dirty="0"/>
+                        <a:t>31</a:t>
+                      </a:r>
+                    </a:p>
+                  </a:txBody>
+                  <a:tcPr/>
+                </a:tc>
+                <a:extLst>
+                  <a:ext uri="{0D108BD9-81ED-4DB2-BD59-A6C34878D82A}">
+                    <a16:rowId xmlns:a16="http://schemas.microsoft.com/office/drawing/2014/main" val="1582060065"/>
+                  </a:ext>
+                </a:extLst>
+              </a:tr>
+              <a:tr h="382784">
+                <a:tc gridSpan="4">
+                  <a:txBody>
+                    <a:bodyPr/>
+                    <a:lstStyle/>
+                    <a:p>
+                      <a:pPr marL="0" marR="0" lvl="0" indent="0" algn="ctr" defTabSz="457200" rtl="0" eaLnBrk="1" fontAlgn="auto" latinLnBrk="0" hangingPunct="1">
+                        <a:lnSpc>
+                          <a:spcPct val="100000"/>
+                        </a:lnSpc>
+                        <a:spcBef>
+                          <a:spcPts val="0"/>
+                        </a:spcBef>
+                        <a:spcAft>
+                          <a:spcPts val="0"/>
+                        </a:spcAft>
+                        <a:buClrTx/>
+                        <a:buSzTx/>
+                        <a:buFontTx/>
+                        <a:buNone/>
+                        <a:tabLst/>
+                        <a:defRPr/>
+                      </a:pPr>
+                      <a:r>
+                        <a:rPr lang="en-IN" dirty="0"/>
+                        <a:t>PATHFINDING ON A 50 X 50 GRID</a:t>
+                      </a:r>
+                    </a:p>
+                  </a:txBody>
+                  <a:tcPr/>
+                </a:tc>
+                <a:tc hMerge="1">
+                  <a:txBody>
+                    <a:bodyPr/>
+                    <a:lstStyle/>
+                    <a:p>
+                      <a:endParaRPr lang="en-IN" dirty="0"/>
+                    </a:p>
+                  </a:txBody>
+                  <a:tcPr/>
+                </a:tc>
+                <a:tc hMerge="1">
+                  <a:txBody>
+                    <a:bodyPr/>
+                    <a:lstStyle/>
+                    <a:p>
+                      <a:endParaRPr lang="en-IN" dirty="0"/>
+                    </a:p>
+                  </a:txBody>
+                  <a:tcPr/>
+                </a:tc>
+                <a:tc hMerge="1">
+                  <a:txBody>
+                    <a:bodyPr/>
+                    <a:lstStyle/>
+                    <a:p>
+                      <a:endParaRPr lang="en-IN" dirty="0"/>
+                    </a:p>
+                  </a:txBody>
+                  <a:tcPr/>
+                </a:tc>
+                <a:extLst>
+                  <a:ext uri="{0D108BD9-81ED-4DB2-BD59-A6C34878D82A}">
+                    <a16:rowId xmlns:a16="http://schemas.microsoft.com/office/drawing/2014/main" val="814396625"/>
+                  </a:ext>
+                </a:extLst>
+              </a:tr>
+              <a:tr h="382784">
+                <a:tc>
+                  <a:txBody>
+                    <a:bodyPr/>
+                    <a:lstStyle/>
+                    <a:p>
+                      <a:r>
+                        <a:rPr lang="en-IN" dirty="0"/>
+                        <a:t>Execution Time (sec)</a:t>
+                      </a:r>
+                    </a:p>
+                  </a:txBody>
+                  <a:tcPr/>
+                </a:tc>
+                <a:tc>
+                  <a:txBody>
+                    <a:bodyPr/>
+                    <a:lstStyle/>
+                    <a:p>
+                      <a:r>
+                        <a:rPr lang="en-IN" dirty="0"/>
+                        <a:t>3.422</a:t>
+                      </a:r>
+                    </a:p>
+                  </a:txBody>
+                  <a:tcPr/>
+                </a:tc>
+                <a:tc>
+                  <a:txBody>
+                    <a:bodyPr/>
+                    <a:lstStyle/>
+                    <a:p>
+                      <a:r>
+                        <a:rPr lang="en-IN" dirty="0"/>
+                        <a:t>2.578</a:t>
+                      </a:r>
+                    </a:p>
+                  </a:txBody>
+                  <a:tcPr/>
+                </a:tc>
+                <a:tc>
+                  <a:txBody>
+                    <a:bodyPr/>
+                    <a:lstStyle/>
+                    <a:p>
+                      <a:r>
+                        <a:rPr lang="en-IN" dirty="0"/>
+                        <a:t>2.199</a:t>
+                      </a:r>
+                    </a:p>
+                  </a:txBody>
+                  <a:tcPr/>
+                </a:tc>
+                <a:extLst>
+                  <a:ext uri="{0D108BD9-81ED-4DB2-BD59-A6C34878D82A}">
+                    <a16:rowId xmlns:a16="http://schemas.microsoft.com/office/drawing/2014/main" val="3078871489"/>
+                  </a:ext>
+                </a:extLst>
+              </a:tr>
+              <a:tr h="382784">
+                <a:tc>
+                  <a:txBody>
+                    <a:bodyPr/>
+                    <a:lstStyle/>
+                    <a:p>
+                      <a:r>
+                        <a:rPr lang="en-IN" dirty="0"/>
+                        <a:t>Distance Covered</a:t>
+                      </a:r>
+                    </a:p>
+                  </a:txBody>
+                  <a:tcPr/>
+                </a:tc>
+                <a:tc>
+                  <a:txBody>
+                    <a:bodyPr/>
+                    <a:lstStyle/>
+                    <a:p>
+                      <a:r>
+                        <a:rPr lang="en-IN" dirty="0"/>
+                        <a:t>790.54</a:t>
+                      </a:r>
+                    </a:p>
+                  </a:txBody>
+                  <a:tcPr/>
+                </a:tc>
+                <a:tc>
+                  <a:txBody>
+                    <a:bodyPr/>
+                    <a:lstStyle/>
+                    <a:p>
+                      <a:r>
+                        <a:rPr lang="en-IN" dirty="0"/>
+                        <a:t>770.54</a:t>
+                      </a:r>
+                    </a:p>
+                  </a:txBody>
+                  <a:tcPr/>
+                </a:tc>
+                <a:tc>
+                  <a:txBody>
+                    <a:bodyPr/>
+                    <a:lstStyle/>
+                    <a:p>
+                      <a:r>
+                        <a:rPr lang="en-IN" dirty="0"/>
+                        <a:t>790.54</a:t>
+                      </a:r>
+                    </a:p>
+                  </a:txBody>
+                  <a:tcPr/>
+                </a:tc>
+                <a:extLst>
+                  <a:ext uri="{0D108BD9-81ED-4DB2-BD59-A6C34878D82A}">
+                    <a16:rowId xmlns:a16="http://schemas.microsoft.com/office/drawing/2014/main" val="1414975713"/>
+                  </a:ext>
+                </a:extLst>
+              </a:tr>
+              <a:tr h="382784">
+                <a:tc>
+                  <a:txBody>
+                    <a:bodyPr/>
+                    <a:lstStyle/>
+                    <a:p>
+                      <a:r>
+                        <a:rPr lang="en-IN" dirty="0"/>
+                        <a:t>Computed Nodes</a:t>
+                      </a:r>
+                    </a:p>
+                  </a:txBody>
+                  <a:tcPr/>
+                </a:tc>
+                <a:tc>
+                  <a:txBody>
+                    <a:bodyPr/>
+                    <a:lstStyle/>
+                    <a:p>
+                      <a:r>
+                        <a:rPr lang="en-IN" dirty="0"/>
+                        <a:t>97</a:t>
+                      </a:r>
+                    </a:p>
+                  </a:txBody>
+                  <a:tcPr/>
+                </a:tc>
+                <a:tc>
+                  <a:txBody>
+                    <a:bodyPr/>
+                    <a:lstStyle/>
+                    <a:p>
+                      <a:r>
+                        <a:rPr lang="en-IN" dirty="0"/>
+                        <a:t>74</a:t>
+                      </a:r>
+                    </a:p>
+                  </a:txBody>
+                  <a:tcPr/>
+                </a:tc>
+                <a:tc>
+                  <a:txBody>
+                    <a:bodyPr/>
+                    <a:lstStyle/>
+                    <a:p>
+                      <a:r>
+                        <a:rPr lang="en-IN" dirty="0"/>
+                        <a:t>64</a:t>
+                      </a:r>
+                    </a:p>
+                  </a:txBody>
+                  <a:tcPr/>
+                </a:tc>
+                <a:extLst>
+                  <a:ext uri="{0D108BD9-81ED-4DB2-BD59-A6C34878D82A}">
+                    <a16:rowId xmlns:a16="http://schemas.microsoft.com/office/drawing/2014/main" val="1331215865"/>
+                  </a:ext>
+                </a:extLst>
+              </a:tr>
+              <a:tr h="382784">
+                <a:tc gridSpan="4">
+                  <a:txBody>
+                    <a:bodyPr/>
+                    <a:lstStyle/>
+                    <a:p>
+                      <a:pPr algn="ctr"/>
+                      <a:r>
+                        <a:rPr lang="en-IN" dirty="0"/>
+                        <a:t>PATHFINDING ON A 100 X 100 GRID</a:t>
+                      </a:r>
+                    </a:p>
+                  </a:txBody>
+                  <a:tcPr/>
+                </a:tc>
+                <a:tc hMerge="1">
+                  <a:txBody>
+                    <a:bodyPr/>
+                    <a:lstStyle/>
+                    <a:p>
+                      <a:endParaRPr lang="en-IN" dirty="0"/>
+                    </a:p>
+                  </a:txBody>
+                  <a:tcPr/>
+                </a:tc>
+                <a:tc hMerge="1">
+                  <a:txBody>
+                    <a:bodyPr/>
+                    <a:lstStyle/>
+                    <a:p>
+                      <a:endParaRPr lang="en-IN" dirty="0"/>
+                    </a:p>
+                  </a:txBody>
+                  <a:tcPr/>
+                </a:tc>
+                <a:tc hMerge="1">
+                  <a:txBody>
+                    <a:bodyPr/>
+                    <a:lstStyle/>
+                    <a:p>
+                      <a:endParaRPr lang="en-IN" dirty="0"/>
+                    </a:p>
+                  </a:txBody>
+                  <a:tcPr/>
+                </a:tc>
+                <a:extLst>
+                  <a:ext uri="{0D108BD9-81ED-4DB2-BD59-A6C34878D82A}">
+                    <a16:rowId xmlns:a16="http://schemas.microsoft.com/office/drawing/2014/main" val="4019761984"/>
+                  </a:ext>
+                </a:extLst>
+              </a:tr>
+              <a:tr h="382784">
+                <a:tc>
+                  <a:txBody>
+                    <a:bodyPr/>
+                    <a:lstStyle/>
+                    <a:p>
+                      <a:r>
+                        <a:rPr lang="en-IN" dirty="0"/>
+                        <a:t>Execution Time (sec)</a:t>
+                      </a:r>
+                    </a:p>
+                  </a:txBody>
+                  <a:tcPr/>
+                </a:tc>
+                <a:tc>
+                  <a:txBody>
+                    <a:bodyPr/>
+                    <a:lstStyle/>
+                    <a:p>
+                      <a:r>
+                        <a:rPr lang="en-IN" dirty="0"/>
+                        <a:t>17.468</a:t>
+                      </a:r>
+                    </a:p>
+                  </a:txBody>
+                  <a:tcPr/>
+                </a:tc>
+                <a:tc>
+                  <a:txBody>
+                    <a:bodyPr/>
+                    <a:lstStyle/>
+                    <a:p>
+                      <a:r>
+                        <a:rPr lang="en-IN" dirty="0"/>
+                        <a:t>17.851</a:t>
+                      </a:r>
+                    </a:p>
+                  </a:txBody>
+                  <a:tcPr/>
+                </a:tc>
+                <a:tc>
+                  <a:txBody>
+                    <a:bodyPr/>
+                    <a:lstStyle/>
+                    <a:p>
+                      <a:r>
+                        <a:rPr lang="en-IN" dirty="0"/>
+                        <a:t>15.568</a:t>
+                      </a:r>
+                    </a:p>
+                  </a:txBody>
+                  <a:tcPr/>
+                </a:tc>
+                <a:extLst>
+                  <a:ext uri="{0D108BD9-81ED-4DB2-BD59-A6C34878D82A}">
+                    <a16:rowId xmlns:a16="http://schemas.microsoft.com/office/drawing/2014/main" val="2498875365"/>
+                  </a:ext>
+                </a:extLst>
+              </a:tr>
+              <a:tr h="382784">
+                <a:tc>
+                  <a:txBody>
+                    <a:bodyPr/>
+                    <a:lstStyle/>
+                    <a:p>
+                      <a:r>
+                        <a:rPr lang="en-IN" dirty="0"/>
+                        <a:t>Distance Covered</a:t>
+                      </a:r>
+                    </a:p>
+                  </a:txBody>
+                  <a:tcPr/>
+                </a:tc>
+                <a:tc>
+                  <a:txBody>
+                    <a:bodyPr/>
+                    <a:lstStyle/>
+                    <a:p>
+                      <a:r>
+                        <a:rPr lang="en-IN" dirty="0"/>
+                        <a:t>779.32</a:t>
+                      </a:r>
+                    </a:p>
+                  </a:txBody>
+                  <a:tcPr/>
+                </a:tc>
+                <a:tc>
+                  <a:txBody>
+                    <a:bodyPr/>
+                    <a:lstStyle/>
+                    <a:p>
+                      <a:r>
+                        <a:rPr lang="en-IN" dirty="0"/>
+                        <a:t>800.53</a:t>
+                      </a:r>
+                    </a:p>
+                  </a:txBody>
+                  <a:tcPr/>
+                </a:tc>
+                <a:tc>
+                  <a:txBody>
+                    <a:bodyPr/>
+                    <a:lstStyle/>
+                    <a:p>
+                      <a:r>
+                        <a:rPr lang="en-IN" dirty="0"/>
+                        <a:t>836.39</a:t>
+                      </a:r>
+                    </a:p>
+                  </a:txBody>
+                  <a:tcPr/>
+                </a:tc>
+                <a:extLst>
+                  <a:ext uri="{0D108BD9-81ED-4DB2-BD59-A6C34878D82A}">
+                    <a16:rowId xmlns:a16="http://schemas.microsoft.com/office/drawing/2014/main" val="3588671958"/>
+                  </a:ext>
+                </a:extLst>
+              </a:tr>
+              <a:tr h="382784">
+                <a:tc>
+                  <a:txBody>
+                    <a:bodyPr/>
+                    <a:lstStyle/>
+                    <a:p>
+                      <a:r>
+                        <a:rPr lang="en-IN" dirty="0"/>
+                        <a:t>Computed Nodes</a:t>
+                      </a:r>
+                    </a:p>
+                  </a:txBody>
+                  <a:tcPr/>
+                </a:tc>
+                <a:tc>
+                  <a:txBody>
+                    <a:bodyPr/>
+                    <a:lstStyle/>
+                    <a:p>
+                      <a:r>
+                        <a:rPr lang="en-IN" dirty="0"/>
+                        <a:t>154</a:t>
+                      </a:r>
+                    </a:p>
+                  </a:txBody>
+                  <a:tcPr/>
+                </a:tc>
+                <a:tc>
+                  <a:txBody>
+                    <a:bodyPr/>
+                    <a:lstStyle/>
+                    <a:p>
+                      <a:r>
+                        <a:rPr lang="en-IN" dirty="0"/>
+                        <a:t>154</a:t>
+                      </a:r>
+                    </a:p>
+                  </a:txBody>
+                  <a:tcPr/>
+                </a:tc>
+                <a:tc>
+                  <a:txBody>
+                    <a:bodyPr/>
+                    <a:lstStyle/>
+                    <a:p>
+                      <a:r>
+                        <a:rPr lang="en-IN" dirty="0"/>
+                        <a:t>139</a:t>
+                      </a:r>
+                    </a:p>
+                  </a:txBody>
+                  <a:tcPr/>
+                </a:tc>
+                <a:extLst>
+                  <a:ext uri="{0D108BD9-81ED-4DB2-BD59-A6C34878D82A}">
+                    <a16:rowId xmlns:a16="http://schemas.microsoft.com/office/drawing/2014/main" val="2862615829"/>
+                  </a:ext>
+                </a:extLst>
+              </a:tr>
+            </a:tbl>
+          </a:graphicData>
+        </a:graphic>
+      </p:graphicFrame>
     </p:spTree>
     <p:extLst>
       <p:ext uri="{BB962C8B-B14F-4D97-AF65-F5344CB8AC3E}">
-        <p14:creationId xmlns:p14="http://schemas.microsoft.com/office/powerpoint/2010/main" val="631316082"/>
+        <p14:creationId xmlns:p14="http://schemas.microsoft.com/office/powerpoint/2010/main" val="1393427956"/>
       </p:ext>
     </p:extLst>
   </p:cSld>
@@ -7716,7 +8854,7 @@
           <p:cNvPr id="2" name="Title 1">
             <a:extLst>
               <a:ext uri="{FF2B5EF4-FFF2-40B4-BE49-F238E27FC236}">
-                <a16:creationId xmlns:a16="http://schemas.microsoft.com/office/drawing/2014/main" id="{9B5A7AF8-E953-43B0-AA95-F5FBBC4DFE2B}"/>
+                <a16:creationId xmlns:a16="http://schemas.microsoft.com/office/drawing/2014/main" id="{3A02D35B-0B2D-4FA8-B6D0-911D989A88E3}"/>
               </a:ext>
             </a:extLst>
           </p:cNvPr>
@@ -7734,7 +8872,7 @@
           <a:p>
             <a:r>
               <a:rPr lang="en-IN" dirty="0"/>
-              <a:t>Some other A* variants</a:t>
+              <a:t>Optimization of A* search algorithm</a:t>
             </a:r>
           </a:p>
         </p:txBody>
@@ -7744,7 +8882,7 @@
           <p:cNvPr id="3" name="Content Placeholder 2">
             <a:extLst>
               <a:ext uri="{FF2B5EF4-FFF2-40B4-BE49-F238E27FC236}">
-                <a16:creationId xmlns:a16="http://schemas.microsoft.com/office/drawing/2014/main" id="{7520C7A2-3CF7-4AA0-9FBC-A69FFB9762E6}"/>
+                <a16:creationId xmlns:a16="http://schemas.microsoft.com/office/drawing/2014/main" id="{6A422F8A-26B9-4310-A4B1-3E1237C8D50A}"/>
               </a:ext>
             </a:extLst>
           </p:cNvPr>
@@ -7762,32 +8900,49 @@
           <a:p>
             <a:r>
               <a:rPr lang="en-IN" dirty="0"/>
-              <a:t>A* search algorithm, though popular, is still under research. Some algorithms which have been designed over A* algorithm approach  are:</a:t>
-            </a:r>
-          </a:p>
-          <a:p>
-            <a:pPr lvl="1"/>
+              <a:t>A simple </a:t>
+            </a:r>
+            <a:r>
+              <a:rPr lang="en-IN" dirty="0" err="1"/>
+              <a:t>onList</a:t>
+            </a:r>
             <a:r>
               <a:rPr lang="en-IN" dirty="0"/>
-              <a:t>LPA*</a:t>
-            </a:r>
-          </a:p>
-          <a:p>
-            <a:pPr lvl="1"/>
+              <a:t> flag can be set for each node thereby removing the need to search the Closed Set repeatedly, thus making the algorithm more time efficient.</a:t>
+            </a:r>
+          </a:p>
+          <a:p>
             <a:r>
               <a:rPr lang="en-IN" dirty="0"/>
-              <a:t>HPA*</a:t>
-            </a:r>
-          </a:p>
-          <a:p>
-            <a:pPr lvl="1"/>
+              <a:t>Open Set can be made a priority queue instead of an array, mainly because the size of the Open Set continues to grow over time and so the cost of finding and removing the smallest entry keeps increasing. Priority queue will help do the operations in O(</a:t>
+            </a:r>
+            <a:r>
+              <a:rPr lang="en-IN" dirty="0" err="1"/>
+              <a:t>logn</a:t>
+            </a:r>
             <a:r>
               <a:rPr lang="en-IN" dirty="0"/>
-              <a:t>IDA*</a:t>
-            </a:r>
-          </a:p>
-          <a:p>
-            <a:pPr lvl="1"/>
+              <a:t>) which is better than finding smallest element in array in O(n).</a:t>
+            </a:r>
+          </a:p>
+          <a:p>
+            <a:r>
+              <a:rPr lang="en-IN" dirty="0"/>
+              <a:t>Adding </a:t>
+            </a:r>
+            <a:r>
+              <a:rPr lang="en-IN" dirty="0" err="1"/>
+              <a:t>neighbors</a:t>
+            </a:r>
+            <a:r>
+              <a:rPr lang="en-IN" dirty="0"/>
+              <a:t> with lesser f-cost to a different set from Open Set.</a:t>
+            </a:r>
+          </a:p>
+          <a:p>
+            <a:endParaRPr lang="en-IN" dirty="0"/>
+          </a:p>
+          <a:p>
             <a:endParaRPr lang="en-IN" dirty="0"/>
           </a:p>
         </p:txBody>
@@ -7795,7 +8950,7 @@
     </p:spTree>
     <p:extLst>
       <p:ext uri="{BB962C8B-B14F-4D97-AF65-F5344CB8AC3E}">
-        <p14:creationId xmlns:p14="http://schemas.microsoft.com/office/powerpoint/2010/main" val="3810891444"/>
+        <p14:creationId xmlns:p14="http://schemas.microsoft.com/office/powerpoint/2010/main" val="3803094539"/>
       </p:ext>
     </p:extLst>
   </p:cSld>
@@ -7827,6 +8982,212 @@
           <p:cNvPr id="2" name="Title 1">
             <a:extLst>
               <a:ext uri="{FF2B5EF4-FFF2-40B4-BE49-F238E27FC236}">
+                <a16:creationId xmlns:a16="http://schemas.microsoft.com/office/drawing/2014/main" id="{AE61C297-3047-4C36-B31D-10D43C40E0C6}"/>
+              </a:ext>
+            </a:extLst>
+          </p:cNvPr>
+          <p:cNvSpPr>
+            <a:spLocks noGrp="1"/>
+          </p:cNvSpPr>
+          <p:nvPr>
+            <p:ph type="title"/>
+          </p:nvPr>
+        </p:nvSpPr>
+        <p:spPr/>
+        <p:txBody>
+          <a:bodyPr/>
+          <a:lstStyle/>
+          <a:p>
+            <a:r>
+              <a:rPr lang="en-IN" dirty="0"/>
+              <a:t>THETA* SEARCH ALGORITHM</a:t>
+            </a:r>
+          </a:p>
+        </p:txBody>
+      </p:sp>
+      <p:sp>
+        <p:nvSpPr>
+          <p:cNvPr id="3" name="Content Placeholder 2">
+            <a:extLst>
+              <a:ext uri="{FF2B5EF4-FFF2-40B4-BE49-F238E27FC236}">
+                <a16:creationId xmlns:a16="http://schemas.microsoft.com/office/drawing/2014/main" id="{3A95F479-9644-40F6-875F-4B8836334BED}"/>
+              </a:ext>
+            </a:extLst>
+          </p:cNvPr>
+          <p:cNvSpPr>
+            <a:spLocks noGrp="1"/>
+          </p:cNvSpPr>
+          <p:nvPr>
+            <p:ph idx="1"/>
+          </p:nvPr>
+        </p:nvSpPr>
+        <p:spPr/>
+        <p:txBody>
+          <a:bodyPr/>
+          <a:lstStyle/>
+          <a:p>
+            <a:r>
+              <a:rPr lang="en-IN" dirty="0"/>
+              <a:t>Theta* is an any-angle path planning algorithm that is based on the A* search algorithm.</a:t>
+            </a:r>
+          </a:p>
+          <a:p>
+            <a:r>
+              <a:rPr lang="en-IN" dirty="0"/>
+              <a:t>If there is any line-of-sight between parent node of current node ‘n’ and neighbour node of ‘n’, then ignore ‘n’ and use the path from parent of ‘n’ to neighbour of ‘n’</a:t>
+            </a:r>
+          </a:p>
+          <a:p>
+            <a:endParaRPr lang="en-IN" dirty="0"/>
+          </a:p>
+        </p:txBody>
+      </p:sp>
+    </p:spTree>
+    <p:extLst>
+      <p:ext uri="{BB962C8B-B14F-4D97-AF65-F5344CB8AC3E}">
+        <p14:creationId xmlns:p14="http://schemas.microsoft.com/office/powerpoint/2010/main" val="631316082"/>
+      </p:ext>
+    </p:extLst>
+  </p:cSld>
+  <p:clrMapOvr>
+    <a:masterClrMapping/>
+  </p:clrMapOvr>
+</p:sld>
+</file>
+
+<file path=ppt/slides/slide16.xml><?xml version="1.0" encoding="utf-8"?>
+<p:sld xmlns:a="http://schemas.openxmlformats.org/drawingml/2006/main" xmlns:r="http://schemas.openxmlformats.org/officeDocument/2006/relationships" xmlns:p="http://schemas.openxmlformats.org/presentationml/2006/main">
+  <p:cSld>
+    <p:spTree>
+      <p:nvGrpSpPr>
+        <p:cNvPr id="1" name=""/>
+        <p:cNvGrpSpPr/>
+        <p:nvPr/>
+      </p:nvGrpSpPr>
+      <p:grpSpPr>
+        <a:xfrm>
+          <a:off x="0" y="0"/>
+          <a:ext cx="0" cy="0"/>
+          <a:chOff x="0" y="0"/>
+          <a:chExt cx="0" cy="0"/>
+        </a:xfrm>
+      </p:grpSpPr>
+      <p:sp>
+        <p:nvSpPr>
+          <p:cNvPr id="2" name="Title 1">
+            <a:extLst>
+              <a:ext uri="{FF2B5EF4-FFF2-40B4-BE49-F238E27FC236}">
+                <a16:creationId xmlns:a16="http://schemas.microsoft.com/office/drawing/2014/main" id="{9B5A7AF8-E953-43B0-AA95-F5FBBC4DFE2B}"/>
+              </a:ext>
+            </a:extLst>
+          </p:cNvPr>
+          <p:cNvSpPr>
+            <a:spLocks noGrp="1"/>
+          </p:cNvSpPr>
+          <p:nvPr>
+            <p:ph type="title"/>
+          </p:nvPr>
+        </p:nvSpPr>
+        <p:spPr/>
+        <p:txBody>
+          <a:bodyPr/>
+          <a:lstStyle/>
+          <a:p>
+            <a:r>
+              <a:rPr lang="en-IN" dirty="0"/>
+              <a:t>Some other A* variants</a:t>
+            </a:r>
+          </a:p>
+        </p:txBody>
+      </p:sp>
+      <p:sp>
+        <p:nvSpPr>
+          <p:cNvPr id="3" name="Content Placeholder 2">
+            <a:extLst>
+              <a:ext uri="{FF2B5EF4-FFF2-40B4-BE49-F238E27FC236}">
+                <a16:creationId xmlns:a16="http://schemas.microsoft.com/office/drawing/2014/main" id="{7520C7A2-3CF7-4AA0-9FBC-A69FFB9762E6}"/>
+              </a:ext>
+            </a:extLst>
+          </p:cNvPr>
+          <p:cNvSpPr>
+            <a:spLocks noGrp="1"/>
+          </p:cNvSpPr>
+          <p:nvPr>
+            <p:ph idx="1"/>
+          </p:nvPr>
+        </p:nvSpPr>
+        <p:spPr/>
+        <p:txBody>
+          <a:bodyPr/>
+          <a:lstStyle/>
+          <a:p>
+            <a:r>
+              <a:rPr lang="en-IN" dirty="0"/>
+              <a:t>A* search algorithm, though popular, is still under research. Some algorithms which have been designed over A* algorithm approach  are:</a:t>
+            </a:r>
+          </a:p>
+          <a:p>
+            <a:pPr lvl="1"/>
+            <a:r>
+              <a:rPr lang="en-IN" dirty="0"/>
+              <a:t>LPA*</a:t>
+            </a:r>
+          </a:p>
+          <a:p>
+            <a:pPr lvl="1"/>
+            <a:r>
+              <a:rPr lang="en-IN" dirty="0"/>
+              <a:t>HPA*</a:t>
+            </a:r>
+          </a:p>
+          <a:p>
+            <a:pPr lvl="1"/>
+            <a:r>
+              <a:rPr lang="en-IN" dirty="0"/>
+              <a:t>IDA*</a:t>
+            </a:r>
+          </a:p>
+          <a:p>
+            <a:pPr lvl="1"/>
+            <a:endParaRPr lang="en-IN" dirty="0"/>
+          </a:p>
+        </p:txBody>
+      </p:sp>
+    </p:spTree>
+    <p:extLst>
+      <p:ext uri="{BB962C8B-B14F-4D97-AF65-F5344CB8AC3E}">
+        <p14:creationId xmlns:p14="http://schemas.microsoft.com/office/powerpoint/2010/main" val="3810891444"/>
+      </p:ext>
+    </p:extLst>
+  </p:cSld>
+  <p:clrMapOvr>
+    <a:masterClrMapping/>
+  </p:clrMapOvr>
+</p:sld>
+</file>
+
+<file path=ppt/slides/slide17.xml><?xml version="1.0" encoding="utf-8"?>
+<p:sld xmlns:a="http://schemas.openxmlformats.org/drawingml/2006/main" xmlns:r="http://schemas.openxmlformats.org/officeDocument/2006/relationships" xmlns:p="http://schemas.openxmlformats.org/presentationml/2006/main">
+  <p:cSld>
+    <p:spTree>
+      <p:nvGrpSpPr>
+        <p:cNvPr id="1" name=""/>
+        <p:cNvGrpSpPr/>
+        <p:nvPr/>
+      </p:nvGrpSpPr>
+      <p:grpSpPr>
+        <a:xfrm>
+          <a:off x="0" y="0"/>
+          <a:ext cx="0" cy="0"/>
+          <a:chOff x="0" y="0"/>
+          <a:chExt cx="0" cy="0"/>
+        </a:xfrm>
+      </p:grpSpPr>
+      <p:sp>
+        <p:nvSpPr>
+          <p:cNvPr id="2" name="Title 1">
+            <a:extLst>
+              <a:ext uri="{FF2B5EF4-FFF2-40B4-BE49-F238E27FC236}">
                 <a16:creationId xmlns:a16="http://schemas.microsoft.com/office/drawing/2014/main" id="{F7580B83-711C-4C58-ABB4-EA43CF7C2640}"/>
               </a:ext>
             </a:extLst>
@@ -7941,7 +9302,7 @@
 </p:sld>
 </file>
 
-<file path=ppt/slides/slide16.xml><?xml version="1.0" encoding="utf-8"?>
+<file path=ppt/slides/slide18.xml><?xml version="1.0" encoding="utf-8"?>
 <p:sld xmlns:a="http://schemas.openxmlformats.org/drawingml/2006/main" xmlns:r="http://schemas.openxmlformats.org/officeDocument/2006/relationships" xmlns:p="http://schemas.openxmlformats.org/presentationml/2006/main">
   <p:cSld>
     <p:spTree>
@@ -9026,410 +10387,67 @@
       </p:grpSpPr>
       <p:sp>
         <p:nvSpPr>
-          <p:cNvPr id="8" name="TextBox 7">
+          <p:cNvPr id="2" name="Title 1">
             <a:extLst>
               <a:ext uri="{FF2B5EF4-FFF2-40B4-BE49-F238E27FC236}">
-                <a16:creationId xmlns:a16="http://schemas.microsoft.com/office/drawing/2014/main" id="{CFF7B6AD-5159-491B-9A92-E1BE5F3813A0}"/>
+                <a16:creationId xmlns:a16="http://schemas.microsoft.com/office/drawing/2014/main" id="{ABAC4A79-1152-49CC-A88F-934374DC3AB8}"/>
               </a:ext>
             </a:extLst>
           </p:cNvPr>
-          <p:cNvSpPr txBox="1"/>
-          <p:nvPr/>
-        </p:nvSpPr>
-        <p:spPr>
-          <a:xfrm>
-            <a:off x="848435" y="1497842"/>
-            <a:ext cx="10495129" cy="4247317"/>
-          </a:xfrm>
-          <a:prstGeom prst="rect">
-            <a:avLst/>
-          </a:prstGeom>
-          <a:noFill/>
-          <a:ln w="9525" cap="flat" cmpd="sng" algn="ctr">
-            <a:solidFill>
-              <a:schemeClr val="accent1"/>
-            </a:solidFill>
-            <a:prstDash val="solid"/>
-            <a:round/>
-            <a:headEnd type="none" w="med" len="med"/>
-            <a:tailEnd type="none" w="med" len="med"/>
-          </a:ln>
-        </p:spPr>
-        <p:style>
-          <a:lnRef idx="0">
-            <a:scrgbClr r="0" g="0" b="0"/>
-          </a:lnRef>
-          <a:fillRef idx="0">
-            <a:scrgbClr r="0" g="0" b="0"/>
-          </a:fillRef>
-          <a:effectRef idx="0">
-            <a:scrgbClr r="0" g="0" b="0"/>
-          </a:effectRef>
-          <a:fontRef idx="minor">
-            <a:schemeClr val="accent1"/>
-          </a:fontRef>
-        </p:style>
-        <p:txBody>
-          <a:bodyPr wrap="square" rtlCol="0">
-            <a:spAutoFit/>
-          </a:bodyPr>
+          <p:cNvSpPr>
+            <a:spLocks noGrp="1"/>
+          </p:cNvSpPr>
+          <p:nvPr>
+            <p:ph type="title"/>
+          </p:nvPr>
+        </p:nvSpPr>
+        <p:spPr/>
+        <p:txBody>
+          <a:bodyPr/>
           <a:lstStyle/>
           <a:p>
-            <a:pPr lvl="0" defTabSz="914400" eaLnBrk="0" fontAlgn="base" hangingPunct="0">
-              <a:spcBef>
-                <a:spcPct val="0"/>
-              </a:spcBef>
-              <a:spcAft>
-                <a:spcPct val="0"/>
-              </a:spcAft>
+            <a:r>
+              <a:rPr lang="en-IN" dirty="0"/>
+              <a:t>Heuristics</a:t>
+            </a:r>
+          </a:p>
+        </p:txBody>
+      </p:sp>
+      <p:sp>
+        <p:nvSpPr>
+          <p:cNvPr id="3" name="Content Placeholder 2">
+            <a:extLst>
+              <a:ext uri="{FF2B5EF4-FFF2-40B4-BE49-F238E27FC236}">
+                <a16:creationId xmlns:a16="http://schemas.microsoft.com/office/drawing/2014/main" id="{CB2B75C9-AD8F-40EA-B04D-8B7A3D3207EA}"/>
+              </a:ext>
+            </a:extLst>
+          </p:cNvPr>
+          <p:cNvSpPr>
+            <a:spLocks noGrp="1"/>
+          </p:cNvSpPr>
+          <p:nvPr>
+            <p:ph idx="1"/>
+          </p:nvPr>
+        </p:nvSpPr>
+        <p:spPr/>
+        <p:txBody>
+          <a:bodyPr/>
+          <a:lstStyle/>
+          <a:p>
+            <a:pPr marL="0" indent="0">
+              <a:buNone/>
             </a:pPr>
             <a:r>
-              <a:rPr lang="en-US" altLang="en-US" dirty="0">
-                <a:latin typeface="+mj-lt"/>
-              </a:rPr>
-              <a:t>1. Assign dis[v] for all nodes = INT_MAX (distance from </a:t>
-            </a:r>
-            <a:r>
-              <a:rPr lang="en-US" altLang="en-US" i="1" dirty="0">
-                <a:latin typeface="+mj-lt"/>
-              </a:rPr>
-              <a:t>root </a:t>
-            </a:r>
-            <a:r>
-              <a:rPr lang="en-US" altLang="en-US" dirty="0">
-                <a:latin typeface="+mj-lt"/>
-              </a:rPr>
-              <a:t>node + heuristics of every node).</a:t>
-            </a:r>
-            <a:br>
-              <a:rPr lang="en-US" altLang="en-US" dirty="0">
-                <a:latin typeface="+mj-lt"/>
-              </a:rPr>
-            </a:br>
-            <a:r>
-              <a:rPr lang="en-US" altLang="en-US" dirty="0">
-                <a:latin typeface="+mj-lt"/>
-              </a:rPr>
-              <a:t>2. Assign dis[root] = 0 + heuristic(root, goal) (distance from </a:t>
-            </a:r>
-            <a:r>
-              <a:rPr lang="en-US" altLang="en-US" i="1" dirty="0">
-                <a:latin typeface="+mj-lt"/>
-              </a:rPr>
-              <a:t>root </a:t>
-            </a:r>
-            <a:r>
-              <a:rPr lang="en-US" altLang="en-US" dirty="0">
-                <a:latin typeface="+mj-lt"/>
-              </a:rPr>
-              <a:t>node to itself + heuristics).</a:t>
-            </a:r>
-            <a:br>
-              <a:rPr lang="en-US" altLang="en-US" dirty="0">
-                <a:latin typeface="+mj-lt"/>
-              </a:rPr>
-            </a:br>
-            <a:r>
-              <a:rPr lang="en-US" altLang="en-US" dirty="0">
-                <a:latin typeface="+mj-lt"/>
-              </a:rPr>
-              <a:t>2. Add </a:t>
-            </a:r>
-            <a:r>
-              <a:rPr lang="en-US" altLang="en-US" i="1" dirty="0">
-                <a:latin typeface="+mj-lt"/>
-              </a:rPr>
-              <a:t>root</a:t>
-            </a:r>
-            <a:r>
-              <a:rPr lang="en-US" altLang="en-US" dirty="0">
-                <a:latin typeface="+mj-lt"/>
-              </a:rPr>
-              <a:t> node to priority queue.</a:t>
-            </a:r>
-            <a:br>
-              <a:rPr lang="en-US" altLang="en-US" dirty="0">
-                <a:latin typeface="+mj-lt"/>
-              </a:rPr>
-            </a:br>
-            <a:r>
-              <a:rPr lang="en-US" altLang="en-US" dirty="0">
-                <a:latin typeface="+mj-lt"/>
-              </a:rPr>
-              <a:t>3. Loop on the queue as long as it's not empty.</a:t>
-            </a:r>
-            <a:br>
-              <a:rPr lang="en-US" altLang="en-US" dirty="0">
-                <a:latin typeface="+mj-lt"/>
-              </a:rPr>
-            </a:br>
-            <a:r>
-              <a:rPr lang="en-US" altLang="en-US" dirty="0">
-                <a:latin typeface="+mj-lt"/>
-              </a:rPr>
-              <a:t>1. In every loop, choose the node with the minimum distance from the </a:t>
-            </a:r>
-            <a:r>
-              <a:rPr lang="en-US" altLang="en-US" i="1" dirty="0">
-                <a:latin typeface="+mj-lt"/>
-              </a:rPr>
-              <a:t>root </a:t>
-            </a:r>
-            <a:r>
-              <a:rPr lang="en-US" altLang="en-US" dirty="0">
-                <a:latin typeface="+mj-lt"/>
-              </a:rPr>
-              <a:t>node in the queue + heuristic (</a:t>
-            </a:r>
-            <a:r>
-              <a:rPr lang="en-US" altLang="en-US" i="1" dirty="0">
-                <a:latin typeface="+mj-lt"/>
-              </a:rPr>
-              <a:t>root </a:t>
-            </a:r>
-            <a:r>
-              <a:rPr lang="en-US" altLang="en-US" dirty="0">
-                <a:latin typeface="+mj-lt"/>
-              </a:rPr>
-              <a:t>node will be selected first).</a:t>
-            </a:r>
-            <a:br>
-              <a:rPr lang="en-US" altLang="en-US" dirty="0">
-                <a:latin typeface="+mj-lt"/>
-              </a:rPr>
-            </a:br>
-            <a:r>
-              <a:rPr lang="en-US" altLang="en-US" dirty="0">
-                <a:latin typeface="+mj-lt"/>
-              </a:rPr>
-              <a:t>2. Remove the </a:t>
-            </a:r>
-            <a:r>
-              <a:rPr lang="en-US" altLang="en-US" i="1" dirty="0">
-                <a:latin typeface="+mj-lt"/>
-              </a:rPr>
-              <a:t>current </a:t>
-            </a:r>
-            <a:r>
-              <a:rPr lang="en-US" altLang="en-US" dirty="0">
-                <a:latin typeface="+mj-lt"/>
-              </a:rPr>
-              <a:t>chosen node from the queue (vis[</a:t>
-            </a:r>
-            <a:r>
-              <a:rPr lang="en-US" altLang="en-US" i="1" dirty="0">
-                <a:latin typeface="+mj-lt"/>
-              </a:rPr>
-              <a:t>current</a:t>
-            </a:r>
-            <a:r>
-              <a:rPr lang="en-US" altLang="en-US" dirty="0">
-                <a:latin typeface="+mj-lt"/>
-              </a:rPr>
-              <a:t>] = true). </a:t>
-            </a:r>
-            <a:br>
-              <a:rPr lang="en-US" altLang="en-US" dirty="0">
-                <a:latin typeface="+mj-lt"/>
-              </a:rPr>
-            </a:br>
-            <a:r>
-              <a:rPr lang="en-US" altLang="en-US" dirty="0">
-                <a:latin typeface="+mj-lt"/>
-              </a:rPr>
-              <a:t>3. If the </a:t>
-            </a:r>
-            <a:r>
-              <a:rPr lang="en-US" altLang="en-US" i="1" dirty="0">
-                <a:latin typeface="+mj-lt"/>
-              </a:rPr>
-              <a:t>current </a:t>
-            </a:r>
-            <a:r>
-              <a:rPr lang="en-US" altLang="en-US" dirty="0">
-                <a:latin typeface="+mj-lt"/>
-              </a:rPr>
-              <a:t>node is the </a:t>
-            </a:r>
-            <a:r>
-              <a:rPr lang="en-US" altLang="en-US" i="1" dirty="0">
-                <a:latin typeface="+mj-lt"/>
-              </a:rPr>
-              <a:t>goal </a:t>
-            </a:r>
-            <a:r>
-              <a:rPr lang="en-US" altLang="en-US" dirty="0">
-                <a:latin typeface="+mj-lt"/>
-              </a:rPr>
-              <a:t>node, then return it.</a:t>
-            </a:r>
-            <a:br>
-              <a:rPr lang="en-US" altLang="en-US" dirty="0">
-                <a:latin typeface="+mj-lt"/>
-              </a:rPr>
-            </a:br>
-            <a:r>
-              <a:rPr lang="en-US" altLang="en-US" dirty="0">
-                <a:latin typeface="+mj-lt"/>
-              </a:rPr>
-              <a:t>4. For every </a:t>
-            </a:r>
-            <a:r>
-              <a:rPr lang="en-US" altLang="en-US" i="1" dirty="0">
-                <a:latin typeface="+mj-lt"/>
-              </a:rPr>
-              <a:t>child </a:t>
-            </a:r>
-            <a:r>
-              <a:rPr lang="en-US" altLang="en-US" dirty="0">
-                <a:latin typeface="+mj-lt"/>
-              </a:rPr>
-              <a:t>of the </a:t>
-            </a:r>
-            <a:r>
-              <a:rPr lang="en-US" altLang="en-US" i="1" dirty="0">
-                <a:latin typeface="+mj-lt"/>
-              </a:rPr>
-              <a:t>current </a:t>
-            </a:r>
-            <a:r>
-              <a:rPr lang="en-US" altLang="en-US" dirty="0">
-                <a:latin typeface="+mj-lt"/>
-              </a:rPr>
-              <a:t>node, do the following:</a:t>
-            </a:r>
-            <a:br>
-              <a:rPr lang="en-US" altLang="en-US" dirty="0">
-                <a:latin typeface="+mj-lt"/>
-              </a:rPr>
-            </a:br>
-            <a:r>
-              <a:rPr lang="en-US" altLang="en-US" dirty="0">
-                <a:latin typeface="+mj-lt"/>
-              </a:rPr>
-              <a:t>1. Assign temp = distance(root, </a:t>
-            </a:r>
-            <a:r>
-              <a:rPr lang="en-US" altLang="en-US" i="1" dirty="0">
-                <a:latin typeface="+mj-lt"/>
-              </a:rPr>
-              <a:t>current)</a:t>
-            </a:r>
-            <a:r>
-              <a:rPr lang="en-US" altLang="en-US" dirty="0">
-                <a:latin typeface="+mj-lt"/>
-              </a:rPr>
-              <a:t> + distance(current, child) + heuristic(child, goal).</a:t>
-            </a:r>
-            <a:br>
-              <a:rPr lang="en-US" altLang="en-US" dirty="0">
-                <a:latin typeface="+mj-lt"/>
-              </a:rPr>
-            </a:br>
-            <a:r>
-              <a:rPr lang="en-US" altLang="en-US" dirty="0">
-                <a:latin typeface="+mj-lt"/>
-              </a:rPr>
-              <a:t>2. If temp &lt; dis[child], then, assign </a:t>
-            </a:r>
-            <a:r>
-              <a:rPr lang="en-US" altLang="en-US" dirty="0" err="1">
-                <a:latin typeface="+mj-lt"/>
-              </a:rPr>
-              <a:t>dist</a:t>
-            </a:r>
-            <a:r>
-              <a:rPr lang="en-US" altLang="en-US" dirty="0">
-                <a:latin typeface="+mj-lt"/>
-              </a:rPr>
-              <a:t>[</a:t>
-            </a:r>
-            <a:r>
-              <a:rPr lang="en-US" altLang="en-US" i="1" dirty="0">
-                <a:latin typeface="+mj-lt"/>
-              </a:rPr>
-              <a:t>child</a:t>
-            </a:r>
-            <a:r>
-              <a:rPr lang="en-US" altLang="en-US" dirty="0">
-                <a:latin typeface="+mj-lt"/>
-              </a:rPr>
-              <a:t>] = temp. This denotes a shorter path to </a:t>
-            </a:r>
-            <a:r>
-              <a:rPr lang="en-US" altLang="en-US" i="1" dirty="0">
-                <a:latin typeface="+mj-lt"/>
-              </a:rPr>
-              <a:t>child </a:t>
-            </a:r>
-            <a:r>
-              <a:rPr lang="en-US" altLang="en-US" dirty="0">
-                <a:latin typeface="+mj-lt"/>
-              </a:rPr>
-              <a:t>node has been found.</a:t>
-            </a:r>
-            <a:br>
-              <a:rPr lang="en-US" altLang="en-US" dirty="0">
-                <a:latin typeface="+mj-lt"/>
-              </a:rPr>
-            </a:br>
-            <a:r>
-              <a:rPr lang="en-US" altLang="en-US" dirty="0">
-                <a:latin typeface="+mj-lt"/>
-              </a:rPr>
-              <a:t>3. And, add </a:t>
-            </a:r>
-            <a:r>
-              <a:rPr lang="en-US" altLang="en-US" i="1" dirty="0">
-                <a:latin typeface="+mj-lt"/>
-              </a:rPr>
-              <a:t>child </a:t>
-            </a:r>
-            <a:r>
-              <a:rPr lang="en-US" altLang="en-US" dirty="0">
-                <a:latin typeface="+mj-lt"/>
-              </a:rPr>
-              <a:t>node to the queue if not already in the queue (thus, it's now marked as not visited again).</a:t>
-            </a:r>
-            <a:br>
-              <a:rPr lang="en-US" altLang="en-US" dirty="0">
-                <a:latin typeface="+mj-lt"/>
-              </a:rPr>
-            </a:br>
-            <a:r>
-              <a:rPr lang="en-US" altLang="en-US" dirty="0">
-                <a:latin typeface="+mj-lt"/>
-              </a:rPr>
-              <a:t>4. If queue is empty, then </a:t>
-            </a:r>
-            <a:r>
-              <a:rPr lang="en-US" altLang="en-US" i="1" dirty="0">
-                <a:latin typeface="+mj-lt"/>
-              </a:rPr>
-              <a:t>goal </a:t>
-            </a:r>
-            <a:r>
-              <a:rPr lang="en-US" altLang="en-US" dirty="0">
-                <a:latin typeface="+mj-lt"/>
-              </a:rPr>
-              <a:t>node was not found!</a:t>
-            </a:r>
-            <a:r>
-              <a:rPr lang="en-US" altLang="en-US" sz="1600" dirty="0">
-                <a:latin typeface="+mj-lt"/>
-              </a:rPr>
-              <a:t> </a:t>
-            </a:r>
-            <a:endParaRPr lang="en-US" altLang="en-US" sz="2800" dirty="0">
-              <a:latin typeface="+mj-lt"/>
-            </a:endParaRPr>
+              <a:rPr lang="en-IN" dirty="0"/>
+              <a:t>Estimated heuristic cost is considered admissible, if it does not overestimate the cost to reach the goal. Selection of heuristic function is an important part of ensuring the best A* performance. Ideally H is equal to the cost necessary to reach the goal node. In this case A* would always follow perfect path, and would not waste time traversing unnecessary nodes. If overestimated value of H is chosen, the goal node is found faster, but at a cost of optimality. In some cases that may lead to situations where the algorithm fails to find path at all, despite the fact, that path exists. If underestimated value of H is chosen, A* will always find the best possible path. The smaller H is chosen, the longer it will take for algorithm to find path. In the worst-case scenario, H = 0, A* provides the same performance as Dijkstra's algorithm. </a:t>
+            </a:r>
           </a:p>
         </p:txBody>
       </p:sp>
     </p:spTree>
     <p:extLst>
       <p:ext uri="{BB962C8B-B14F-4D97-AF65-F5344CB8AC3E}">
-        <p14:creationId xmlns:p14="http://schemas.microsoft.com/office/powerpoint/2010/main" val="3650991031"/>
+        <p14:creationId xmlns:p14="http://schemas.microsoft.com/office/powerpoint/2010/main" val="3236785145"/>
       </p:ext>
     </p:extLst>
   </p:cSld>

--- a/PathfindingAlgos.pptx
+++ b/PathfindingAlgos.pptx
@@ -12,12 +12,12 @@
     <p:sldId id="259" r:id="rId6"/>
     <p:sldId id="261" r:id="rId7"/>
     <p:sldId id="262" r:id="rId8"/>
-    <p:sldId id="266" r:id="rId9"/>
-    <p:sldId id="273" r:id="rId10"/>
-    <p:sldId id="268" r:id="rId11"/>
-    <p:sldId id="265" r:id="rId12"/>
-    <p:sldId id="264" r:id="rId13"/>
-    <p:sldId id="272" r:id="rId14"/>
+    <p:sldId id="273" r:id="rId9"/>
+    <p:sldId id="266" r:id="rId10"/>
+    <p:sldId id="272" r:id="rId11"/>
+    <p:sldId id="268" r:id="rId12"/>
+    <p:sldId id="265" r:id="rId13"/>
+    <p:sldId id="264" r:id="rId14"/>
     <p:sldId id="267" r:id="rId15"/>
     <p:sldId id="263" r:id="rId16"/>
     <p:sldId id="271" r:id="rId17"/>
@@ -5495,1520 +5495,6 @@
       </p:grpSpPr>
       <p:sp>
         <p:nvSpPr>
-          <p:cNvPr id="8" name="TextBox 7">
-            <a:extLst>
-              <a:ext uri="{FF2B5EF4-FFF2-40B4-BE49-F238E27FC236}">
-                <a16:creationId xmlns:a16="http://schemas.microsoft.com/office/drawing/2014/main" id="{CFF7B6AD-5159-491B-9A92-E1BE5F3813A0}"/>
-              </a:ext>
-            </a:extLst>
-          </p:cNvPr>
-          <p:cNvSpPr txBox="1"/>
-          <p:nvPr/>
-        </p:nvSpPr>
-        <p:spPr>
-          <a:xfrm>
-            <a:off x="848435" y="1497842"/>
-            <a:ext cx="10495129" cy="4247317"/>
-          </a:xfrm>
-          <a:prstGeom prst="rect">
-            <a:avLst/>
-          </a:prstGeom>
-          <a:noFill/>
-          <a:ln w="9525" cap="flat" cmpd="sng" algn="ctr">
-            <a:solidFill>
-              <a:schemeClr val="accent1"/>
-            </a:solidFill>
-            <a:prstDash val="solid"/>
-            <a:round/>
-            <a:headEnd type="none" w="med" len="med"/>
-            <a:tailEnd type="none" w="med" len="med"/>
-          </a:ln>
-        </p:spPr>
-        <p:style>
-          <a:lnRef idx="0">
-            <a:scrgbClr r="0" g="0" b="0"/>
-          </a:lnRef>
-          <a:fillRef idx="0">
-            <a:scrgbClr r="0" g="0" b="0"/>
-          </a:fillRef>
-          <a:effectRef idx="0">
-            <a:scrgbClr r="0" g="0" b="0"/>
-          </a:effectRef>
-          <a:fontRef idx="minor">
-            <a:schemeClr val="accent1"/>
-          </a:fontRef>
-        </p:style>
-        <p:txBody>
-          <a:bodyPr wrap="square" rtlCol="0">
-            <a:spAutoFit/>
-          </a:bodyPr>
-          <a:lstStyle/>
-          <a:p>
-            <a:pPr lvl="0" defTabSz="914400" eaLnBrk="0" fontAlgn="base" hangingPunct="0">
-              <a:spcBef>
-                <a:spcPct val="0"/>
-              </a:spcBef>
-              <a:spcAft>
-                <a:spcPct val="0"/>
-              </a:spcAft>
-            </a:pPr>
-            <a:r>
-              <a:rPr lang="en-US" altLang="en-US" dirty="0">
-                <a:latin typeface="+mj-lt"/>
-              </a:rPr>
-              <a:t>1. Assign dis[v] for all nodes = INT_MAX (distance from </a:t>
-            </a:r>
-            <a:r>
-              <a:rPr lang="en-US" altLang="en-US" i="1" dirty="0">
-                <a:latin typeface="+mj-lt"/>
-              </a:rPr>
-              <a:t>root </a:t>
-            </a:r>
-            <a:r>
-              <a:rPr lang="en-US" altLang="en-US" dirty="0">
-                <a:latin typeface="+mj-lt"/>
-              </a:rPr>
-              <a:t>node + heuristics of every node).</a:t>
-            </a:r>
-            <a:br>
-              <a:rPr lang="en-US" altLang="en-US" dirty="0">
-                <a:latin typeface="+mj-lt"/>
-              </a:rPr>
-            </a:br>
-            <a:r>
-              <a:rPr lang="en-US" altLang="en-US" dirty="0">
-                <a:latin typeface="+mj-lt"/>
-              </a:rPr>
-              <a:t>2. Assign dis[root] = 0 + heuristic(root, goal) (distance from </a:t>
-            </a:r>
-            <a:r>
-              <a:rPr lang="en-US" altLang="en-US" i="1" dirty="0">
-                <a:latin typeface="+mj-lt"/>
-              </a:rPr>
-              <a:t>root </a:t>
-            </a:r>
-            <a:r>
-              <a:rPr lang="en-US" altLang="en-US" dirty="0">
-                <a:latin typeface="+mj-lt"/>
-              </a:rPr>
-              <a:t>node to itself + heuristics).</a:t>
-            </a:r>
-            <a:br>
-              <a:rPr lang="en-US" altLang="en-US" dirty="0">
-                <a:latin typeface="+mj-lt"/>
-              </a:rPr>
-            </a:br>
-            <a:r>
-              <a:rPr lang="en-US" altLang="en-US" dirty="0">
-                <a:latin typeface="+mj-lt"/>
-              </a:rPr>
-              <a:t>2. Add </a:t>
-            </a:r>
-            <a:r>
-              <a:rPr lang="en-US" altLang="en-US" i="1" dirty="0">
-                <a:latin typeface="+mj-lt"/>
-              </a:rPr>
-              <a:t>root</a:t>
-            </a:r>
-            <a:r>
-              <a:rPr lang="en-US" altLang="en-US" dirty="0">
-                <a:latin typeface="+mj-lt"/>
-              </a:rPr>
-              <a:t> node to priority queue.</a:t>
-            </a:r>
-            <a:br>
-              <a:rPr lang="en-US" altLang="en-US" dirty="0">
-                <a:latin typeface="+mj-lt"/>
-              </a:rPr>
-            </a:br>
-            <a:r>
-              <a:rPr lang="en-US" altLang="en-US" dirty="0">
-                <a:latin typeface="+mj-lt"/>
-              </a:rPr>
-              <a:t>3. Loop on the queue as long as it's not empty.</a:t>
-            </a:r>
-            <a:br>
-              <a:rPr lang="en-US" altLang="en-US" dirty="0">
-                <a:latin typeface="+mj-lt"/>
-              </a:rPr>
-            </a:br>
-            <a:r>
-              <a:rPr lang="en-US" altLang="en-US" dirty="0">
-                <a:latin typeface="+mj-lt"/>
-              </a:rPr>
-              <a:t>   1. In every loop, choose the node with the minimum distance from the </a:t>
-            </a:r>
-            <a:r>
-              <a:rPr lang="en-US" altLang="en-US" i="1" dirty="0">
-                <a:latin typeface="+mj-lt"/>
-              </a:rPr>
-              <a:t>root </a:t>
-            </a:r>
-            <a:r>
-              <a:rPr lang="en-US" altLang="en-US" dirty="0">
-                <a:latin typeface="+mj-lt"/>
-              </a:rPr>
-              <a:t>node in the queue + heuristic (</a:t>
-            </a:r>
-            <a:r>
-              <a:rPr lang="en-US" altLang="en-US" i="1" dirty="0">
-                <a:latin typeface="+mj-lt"/>
-              </a:rPr>
-              <a:t>root </a:t>
-            </a:r>
-            <a:r>
-              <a:rPr lang="en-US" altLang="en-US" dirty="0">
-                <a:latin typeface="+mj-lt"/>
-              </a:rPr>
-              <a:t>node will be selected first).</a:t>
-            </a:r>
-            <a:br>
-              <a:rPr lang="en-US" altLang="en-US" dirty="0">
-                <a:latin typeface="+mj-lt"/>
-              </a:rPr>
-            </a:br>
-            <a:r>
-              <a:rPr lang="en-US" altLang="en-US" dirty="0">
-                <a:latin typeface="+mj-lt"/>
-              </a:rPr>
-              <a:t>   2. Remove the </a:t>
-            </a:r>
-            <a:r>
-              <a:rPr lang="en-US" altLang="en-US" i="1" dirty="0">
-                <a:latin typeface="+mj-lt"/>
-              </a:rPr>
-              <a:t>current </a:t>
-            </a:r>
-            <a:r>
-              <a:rPr lang="en-US" altLang="en-US" dirty="0">
-                <a:latin typeface="+mj-lt"/>
-              </a:rPr>
-              <a:t>chosen node from the queue (vis[</a:t>
-            </a:r>
-            <a:r>
-              <a:rPr lang="en-US" altLang="en-US" i="1" dirty="0">
-                <a:latin typeface="+mj-lt"/>
-              </a:rPr>
-              <a:t>current</a:t>
-            </a:r>
-            <a:r>
-              <a:rPr lang="en-US" altLang="en-US" dirty="0">
-                <a:latin typeface="+mj-lt"/>
-              </a:rPr>
-              <a:t>] = true). </a:t>
-            </a:r>
-            <a:br>
-              <a:rPr lang="en-US" altLang="en-US" dirty="0">
-                <a:latin typeface="+mj-lt"/>
-              </a:rPr>
-            </a:br>
-            <a:r>
-              <a:rPr lang="en-US" altLang="en-US" dirty="0">
-                <a:latin typeface="+mj-lt"/>
-              </a:rPr>
-              <a:t>   3. If the </a:t>
-            </a:r>
-            <a:r>
-              <a:rPr lang="en-US" altLang="en-US" i="1" dirty="0">
-                <a:latin typeface="+mj-lt"/>
-              </a:rPr>
-              <a:t>current </a:t>
-            </a:r>
-            <a:r>
-              <a:rPr lang="en-US" altLang="en-US" dirty="0">
-                <a:latin typeface="+mj-lt"/>
-              </a:rPr>
-              <a:t>node is the </a:t>
-            </a:r>
-            <a:r>
-              <a:rPr lang="en-US" altLang="en-US" i="1" dirty="0">
-                <a:latin typeface="+mj-lt"/>
-              </a:rPr>
-              <a:t>goal </a:t>
-            </a:r>
-            <a:r>
-              <a:rPr lang="en-US" altLang="en-US" dirty="0">
-                <a:latin typeface="+mj-lt"/>
-              </a:rPr>
-              <a:t>node, then return it.</a:t>
-            </a:r>
-            <a:br>
-              <a:rPr lang="en-US" altLang="en-US" dirty="0">
-                <a:latin typeface="+mj-lt"/>
-              </a:rPr>
-            </a:br>
-            <a:r>
-              <a:rPr lang="en-US" altLang="en-US" dirty="0">
-                <a:latin typeface="+mj-lt"/>
-              </a:rPr>
-              <a:t>   4. For every </a:t>
-            </a:r>
-            <a:r>
-              <a:rPr lang="en-US" altLang="en-US" i="1" dirty="0">
-                <a:latin typeface="+mj-lt"/>
-              </a:rPr>
-              <a:t>child </a:t>
-            </a:r>
-            <a:r>
-              <a:rPr lang="en-US" altLang="en-US" dirty="0">
-                <a:latin typeface="+mj-lt"/>
-              </a:rPr>
-              <a:t>of the </a:t>
-            </a:r>
-            <a:r>
-              <a:rPr lang="en-US" altLang="en-US" i="1" dirty="0">
-                <a:latin typeface="+mj-lt"/>
-              </a:rPr>
-              <a:t>current </a:t>
-            </a:r>
-            <a:r>
-              <a:rPr lang="en-US" altLang="en-US" dirty="0">
-                <a:latin typeface="+mj-lt"/>
-              </a:rPr>
-              <a:t>node, do the following:</a:t>
-            </a:r>
-          </a:p>
-          <a:p>
-            <a:pPr lvl="0" defTabSz="914400" eaLnBrk="0" fontAlgn="base" hangingPunct="0">
-              <a:spcBef>
-                <a:spcPct val="0"/>
-              </a:spcBef>
-              <a:spcAft>
-                <a:spcPct val="0"/>
-              </a:spcAft>
-            </a:pPr>
-            <a:r>
-              <a:rPr lang="en-US" altLang="en-US" dirty="0">
-                <a:latin typeface="+mj-lt"/>
-              </a:rPr>
-              <a:t>      1. Assign temp = distance(root, </a:t>
-            </a:r>
-            <a:r>
-              <a:rPr lang="en-US" altLang="en-US" i="1" dirty="0">
-                <a:latin typeface="+mj-lt"/>
-              </a:rPr>
-              <a:t>current)</a:t>
-            </a:r>
-            <a:r>
-              <a:rPr lang="en-US" altLang="en-US" dirty="0">
-                <a:latin typeface="+mj-lt"/>
-              </a:rPr>
-              <a:t> + distance(current, child) + heuristic(child, goal).</a:t>
-            </a:r>
-            <a:br>
-              <a:rPr lang="en-US" altLang="en-US" dirty="0">
-                <a:latin typeface="+mj-lt"/>
-              </a:rPr>
-            </a:br>
-            <a:r>
-              <a:rPr lang="en-US" altLang="en-US" dirty="0">
-                <a:latin typeface="+mj-lt"/>
-              </a:rPr>
-              <a:t>      2. If temp &lt; dis[child], then, assign </a:t>
-            </a:r>
-            <a:r>
-              <a:rPr lang="en-US" altLang="en-US" dirty="0" err="1">
-                <a:latin typeface="+mj-lt"/>
-              </a:rPr>
-              <a:t>dist</a:t>
-            </a:r>
-            <a:r>
-              <a:rPr lang="en-US" altLang="en-US" dirty="0">
-                <a:latin typeface="+mj-lt"/>
-              </a:rPr>
-              <a:t>[</a:t>
-            </a:r>
-            <a:r>
-              <a:rPr lang="en-US" altLang="en-US" i="1" dirty="0">
-                <a:latin typeface="+mj-lt"/>
-              </a:rPr>
-              <a:t>child</a:t>
-            </a:r>
-            <a:r>
-              <a:rPr lang="en-US" altLang="en-US" dirty="0">
-                <a:latin typeface="+mj-lt"/>
-              </a:rPr>
-              <a:t>] = temp. This denotes a shorter path to </a:t>
-            </a:r>
-            <a:r>
-              <a:rPr lang="en-US" altLang="en-US" i="1" dirty="0">
-                <a:latin typeface="+mj-lt"/>
-              </a:rPr>
-              <a:t>child </a:t>
-            </a:r>
-            <a:r>
-              <a:rPr lang="en-US" altLang="en-US" dirty="0">
-                <a:latin typeface="+mj-lt"/>
-              </a:rPr>
-              <a:t>node has been found.</a:t>
-            </a:r>
-            <a:br>
-              <a:rPr lang="en-US" altLang="en-US" dirty="0">
-                <a:latin typeface="+mj-lt"/>
-              </a:rPr>
-            </a:br>
-            <a:r>
-              <a:rPr lang="en-US" altLang="en-US" dirty="0">
-                <a:latin typeface="+mj-lt"/>
-              </a:rPr>
-              <a:t>      3. And, add </a:t>
-            </a:r>
-            <a:r>
-              <a:rPr lang="en-US" altLang="en-US" i="1" dirty="0">
-                <a:latin typeface="+mj-lt"/>
-              </a:rPr>
-              <a:t>child </a:t>
-            </a:r>
-            <a:r>
-              <a:rPr lang="en-US" altLang="en-US" dirty="0">
-                <a:latin typeface="+mj-lt"/>
-              </a:rPr>
-              <a:t>node to the queue if not already in the queue (thus, it's now marked as not visited again).</a:t>
-            </a:r>
-            <a:br>
-              <a:rPr lang="en-US" altLang="en-US" dirty="0">
-                <a:latin typeface="+mj-lt"/>
-              </a:rPr>
-            </a:br>
-            <a:r>
-              <a:rPr lang="en-US" altLang="en-US" dirty="0">
-                <a:latin typeface="+mj-lt"/>
-              </a:rPr>
-              <a:t>4. If queue is empty, then </a:t>
-            </a:r>
-            <a:r>
-              <a:rPr lang="en-US" altLang="en-US" i="1" dirty="0">
-                <a:latin typeface="+mj-lt"/>
-              </a:rPr>
-              <a:t>goal </a:t>
-            </a:r>
-            <a:r>
-              <a:rPr lang="en-US" altLang="en-US" dirty="0">
-                <a:latin typeface="+mj-lt"/>
-              </a:rPr>
-              <a:t>node was not found!</a:t>
-            </a:r>
-            <a:r>
-              <a:rPr lang="en-US" altLang="en-US" sz="1600" dirty="0">
-                <a:latin typeface="+mj-lt"/>
-              </a:rPr>
-              <a:t> </a:t>
-            </a:r>
-            <a:endParaRPr lang="en-US" altLang="en-US" sz="2800" dirty="0">
-              <a:latin typeface="+mj-lt"/>
-            </a:endParaRPr>
-          </a:p>
-        </p:txBody>
-      </p:sp>
-    </p:spTree>
-    <p:extLst>
-      <p:ext uri="{BB962C8B-B14F-4D97-AF65-F5344CB8AC3E}">
-        <p14:creationId xmlns:p14="http://schemas.microsoft.com/office/powerpoint/2010/main" val="3650991031"/>
-      </p:ext>
-    </p:extLst>
-  </p:cSld>
-  <p:clrMapOvr>
-    <a:masterClrMapping/>
-  </p:clrMapOvr>
-</p:sld>
-</file>
-
-<file path=ppt/slides/slide11.xml><?xml version="1.0" encoding="utf-8"?>
-<p:sld xmlns:a="http://schemas.openxmlformats.org/drawingml/2006/main" xmlns:r="http://schemas.openxmlformats.org/officeDocument/2006/relationships" xmlns:p="http://schemas.openxmlformats.org/presentationml/2006/main">
-  <p:cSld>
-    <p:spTree>
-      <p:nvGrpSpPr>
-        <p:cNvPr id="1" name=""/>
-        <p:cNvGrpSpPr/>
-        <p:nvPr/>
-      </p:nvGrpSpPr>
-      <p:grpSpPr>
-        <a:xfrm>
-          <a:off x="0" y="0"/>
-          <a:ext cx="0" cy="0"/>
-          <a:chOff x="0" y="0"/>
-          <a:chExt cx="0" cy="0"/>
-        </a:xfrm>
-      </p:grpSpPr>
-      <p:sp>
-        <p:nvSpPr>
-          <p:cNvPr id="2" name="Title 1">
-            <a:extLst>
-              <a:ext uri="{FF2B5EF4-FFF2-40B4-BE49-F238E27FC236}">
-                <a16:creationId xmlns:a16="http://schemas.microsoft.com/office/drawing/2014/main" id="{5EF492F5-3D88-42FE-86A7-1D8E46B5225C}"/>
-              </a:ext>
-            </a:extLst>
-          </p:cNvPr>
-          <p:cNvSpPr>
-            <a:spLocks noGrp="1"/>
-          </p:cNvSpPr>
-          <p:nvPr>
-            <p:ph type="title"/>
-          </p:nvPr>
-        </p:nvSpPr>
-        <p:spPr/>
-        <p:txBody>
-          <a:bodyPr/>
-          <a:lstStyle/>
-          <a:p>
-            <a:r>
-              <a:rPr lang="en-IN" dirty="0"/>
-              <a:t>A* vs Dijkstra vs Greedy Best-first Search</a:t>
-            </a:r>
-          </a:p>
-        </p:txBody>
-      </p:sp>
-      <p:sp>
-        <p:nvSpPr>
-          <p:cNvPr id="3" name="Content Placeholder 2">
-            <a:extLst>
-              <a:ext uri="{FF2B5EF4-FFF2-40B4-BE49-F238E27FC236}">
-                <a16:creationId xmlns:a16="http://schemas.microsoft.com/office/drawing/2014/main" id="{99F1C0FD-FB60-4757-A98B-10C491BC7783}"/>
-              </a:ext>
-            </a:extLst>
-          </p:cNvPr>
-          <p:cNvSpPr>
-            <a:spLocks noGrp="1"/>
-          </p:cNvSpPr>
-          <p:nvPr>
-            <p:ph idx="1"/>
-          </p:nvPr>
-        </p:nvSpPr>
-        <p:spPr>
-          <a:xfrm>
-            <a:off x="810000" y="2474078"/>
-            <a:ext cx="3156940" cy="3636511"/>
-          </a:xfrm>
-        </p:spPr>
-        <p:style>
-          <a:lnRef idx="1">
-            <a:schemeClr val="accent1"/>
-          </a:lnRef>
-          <a:fillRef idx="3">
-            <a:schemeClr val="accent1"/>
-          </a:fillRef>
-          <a:effectRef idx="2">
-            <a:schemeClr val="accent1"/>
-          </a:effectRef>
-          <a:fontRef idx="minor">
-            <a:schemeClr val="lt1"/>
-          </a:fontRef>
-        </p:style>
-        <p:txBody>
-          <a:bodyPr/>
-          <a:lstStyle/>
-          <a:p>
-            <a:pPr marL="0" indent="0">
-              <a:buNone/>
-            </a:pPr>
-            <a:r>
-              <a:rPr lang="en-IN" b="1" dirty="0"/>
-              <a:t>A* SEARCH ALGORITHM</a:t>
-            </a:r>
-          </a:p>
-          <a:p>
-            <a:r>
-              <a:rPr lang="en-IN" dirty="0">
-                <a:solidFill>
-                  <a:schemeClr val="bg1"/>
-                </a:solidFill>
-              </a:rPr>
-              <a:t>OPTIMAL</a:t>
-            </a:r>
-          </a:p>
-          <a:p>
-            <a:r>
-              <a:rPr lang="en-IN" dirty="0">
-                <a:solidFill>
-                  <a:schemeClr val="bg1"/>
-                </a:solidFill>
-              </a:rPr>
-              <a:t>FAST</a:t>
-            </a:r>
-          </a:p>
-          <a:p>
-            <a:r>
-              <a:rPr lang="en-IN" dirty="0">
-                <a:solidFill>
-                  <a:schemeClr val="bg1"/>
-                </a:solidFill>
-              </a:rPr>
-              <a:t>SPACE EFFICIENT</a:t>
-            </a:r>
-          </a:p>
-          <a:p>
-            <a:endParaRPr lang="en-IN" dirty="0"/>
-          </a:p>
-        </p:txBody>
-      </p:sp>
-      <p:sp>
-        <p:nvSpPr>
-          <p:cNvPr id="4" name="Content Placeholder 2">
-            <a:extLst>
-              <a:ext uri="{FF2B5EF4-FFF2-40B4-BE49-F238E27FC236}">
-                <a16:creationId xmlns:a16="http://schemas.microsoft.com/office/drawing/2014/main" id="{E54F1A16-5CE1-40D1-A115-6FE5D2493DD7}"/>
-              </a:ext>
-            </a:extLst>
-          </p:cNvPr>
-          <p:cNvSpPr txBox="1">
-            <a:spLocks/>
-          </p:cNvSpPr>
-          <p:nvPr/>
-        </p:nvSpPr>
-        <p:spPr>
-          <a:xfrm>
-            <a:off x="4315199" y="2493958"/>
-            <a:ext cx="3156940" cy="3636511"/>
-          </a:xfrm>
-          <a:prstGeom prst="rect">
-            <a:avLst/>
-          </a:prstGeom>
-        </p:spPr>
-        <p:style>
-          <a:lnRef idx="1">
-            <a:schemeClr val="accent1"/>
-          </a:lnRef>
-          <a:fillRef idx="3">
-            <a:schemeClr val="accent1"/>
-          </a:fillRef>
-          <a:effectRef idx="2">
-            <a:schemeClr val="accent1"/>
-          </a:effectRef>
-          <a:fontRef idx="minor">
-            <a:schemeClr val="lt1"/>
-          </a:fontRef>
-        </p:style>
-        <p:txBody>
-          <a:bodyPr vert="horz" lIns="91440" tIns="45720" rIns="91440" bIns="45720" rtlCol="0" anchor="ctr">
-            <a:normAutofit/>
-          </a:bodyPr>
-          <a:lstStyle>
-            <a:lvl1pPr marL="342900" indent="-342900" algn="l" defTabSz="457200" rtl="0" eaLnBrk="1" latinLnBrk="0" hangingPunct="1">
-              <a:spcBef>
-                <a:spcPct val="20000"/>
-              </a:spcBef>
-              <a:spcAft>
-                <a:spcPts val="600"/>
-              </a:spcAft>
-              <a:buClr>
-                <a:schemeClr val="accent1"/>
-              </a:buClr>
-              <a:buFont typeface="Wingdings 2" charset="2"/>
-              <a:buChar char=""/>
-              <a:defRPr sz="1800" kern="1200">
-                <a:solidFill>
-                  <a:schemeClr val="lt1"/>
-                </a:solidFill>
-                <a:latin typeface="+mn-lt"/>
-                <a:ea typeface="+mn-ea"/>
-                <a:cs typeface="+mn-cs"/>
-              </a:defRPr>
-            </a:lvl1pPr>
-            <a:lvl2pPr marL="742950" indent="-285750" algn="l" defTabSz="457200" rtl="0" eaLnBrk="1" latinLnBrk="0" hangingPunct="1">
-              <a:spcBef>
-                <a:spcPct val="20000"/>
-              </a:spcBef>
-              <a:spcAft>
-                <a:spcPts val="600"/>
-              </a:spcAft>
-              <a:buClr>
-                <a:schemeClr val="accent1"/>
-              </a:buClr>
-              <a:buFont typeface="Wingdings 2" charset="2"/>
-              <a:buChar char=""/>
-              <a:defRPr sz="1600" kern="1200">
-                <a:solidFill>
-                  <a:schemeClr val="lt1"/>
-                </a:solidFill>
-                <a:latin typeface="+mn-lt"/>
-                <a:ea typeface="+mn-ea"/>
-                <a:cs typeface="+mn-cs"/>
-              </a:defRPr>
-            </a:lvl2pPr>
-            <a:lvl3pPr marL="1143000" indent="-228600" algn="l" defTabSz="457200" rtl="0" eaLnBrk="1" latinLnBrk="0" hangingPunct="1">
-              <a:spcBef>
-                <a:spcPct val="20000"/>
-              </a:spcBef>
-              <a:spcAft>
-                <a:spcPts val="600"/>
-              </a:spcAft>
-              <a:buClr>
-                <a:schemeClr val="accent1"/>
-              </a:buClr>
-              <a:buFont typeface="Wingdings 2" charset="2"/>
-              <a:buChar char=""/>
-              <a:defRPr sz="1400" kern="1200">
-                <a:solidFill>
-                  <a:schemeClr val="lt1"/>
-                </a:solidFill>
-                <a:latin typeface="+mn-lt"/>
-                <a:ea typeface="+mn-ea"/>
-                <a:cs typeface="+mn-cs"/>
-              </a:defRPr>
-            </a:lvl3pPr>
-            <a:lvl4pPr marL="1600200" indent="-228600" algn="l" defTabSz="457200" rtl="0" eaLnBrk="1" latinLnBrk="0" hangingPunct="1">
-              <a:spcBef>
-                <a:spcPct val="20000"/>
-              </a:spcBef>
-              <a:spcAft>
-                <a:spcPts val="600"/>
-              </a:spcAft>
-              <a:buClr>
-                <a:schemeClr val="accent1"/>
-              </a:buClr>
-              <a:buFont typeface="Wingdings 2" charset="2"/>
-              <a:buChar char=""/>
-              <a:defRPr sz="1200" kern="1200">
-                <a:solidFill>
-                  <a:schemeClr val="lt1"/>
-                </a:solidFill>
-                <a:latin typeface="+mn-lt"/>
-                <a:ea typeface="+mn-ea"/>
-                <a:cs typeface="+mn-cs"/>
-              </a:defRPr>
-            </a:lvl4pPr>
-            <a:lvl5pPr marL="2057400" indent="-228600" algn="l" defTabSz="457200" rtl="0" eaLnBrk="1" latinLnBrk="0" hangingPunct="1">
-              <a:spcBef>
-                <a:spcPct val="20000"/>
-              </a:spcBef>
-              <a:spcAft>
-                <a:spcPts val="600"/>
-              </a:spcAft>
-              <a:buClr>
-                <a:schemeClr val="accent1"/>
-              </a:buClr>
-              <a:buFont typeface="Wingdings 2" charset="2"/>
-              <a:buChar char=""/>
-              <a:defRPr sz="1200" kern="1200">
-                <a:solidFill>
-                  <a:schemeClr val="lt1"/>
-                </a:solidFill>
-                <a:latin typeface="+mn-lt"/>
-                <a:ea typeface="+mn-ea"/>
-                <a:cs typeface="+mn-cs"/>
-              </a:defRPr>
-            </a:lvl5pPr>
-            <a:lvl6pPr marL="2400000" indent="-228600" algn="l" defTabSz="457200" rtl="0" eaLnBrk="1" latinLnBrk="0" hangingPunct="1">
-              <a:spcBef>
-                <a:spcPct val="20000"/>
-              </a:spcBef>
-              <a:spcAft>
-                <a:spcPts val="600"/>
-              </a:spcAft>
-              <a:buClr>
-                <a:schemeClr val="accent1"/>
-              </a:buClr>
-              <a:buFont typeface="Wingdings 2" charset="2"/>
-              <a:buChar char=""/>
-              <a:defRPr sz="1200" kern="1200">
-                <a:solidFill>
-                  <a:schemeClr val="lt1"/>
-                </a:solidFill>
-                <a:latin typeface="+mn-lt"/>
-                <a:ea typeface="+mn-ea"/>
-                <a:cs typeface="+mn-cs"/>
-              </a:defRPr>
-            </a:lvl6pPr>
-            <a:lvl7pPr marL="2800000" indent="-228600" algn="l" defTabSz="457200" rtl="0" eaLnBrk="1" latinLnBrk="0" hangingPunct="1">
-              <a:spcBef>
-                <a:spcPct val="20000"/>
-              </a:spcBef>
-              <a:spcAft>
-                <a:spcPts val="600"/>
-              </a:spcAft>
-              <a:buClr>
-                <a:schemeClr val="accent1"/>
-              </a:buClr>
-              <a:buFont typeface="Wingdings 2" charset="2"/>
-              <a:buChar char=""/>
-              <a:defRPr sz="1200" kern="1200">
-                <a:solidFill>
-                  <a:schemeClr val="lt1"/>
-                </a:solidFill>
-                <a:latin typeface="+mn-lt"/>
-                <a:ea typeface="+mn-ea"/>
-                <a:cs typeface="+mn-cs"/>
-              </a:defRPr>
-            </a:lvl7pPr>
-            <a:lvl8pPr marL="3200000" indent="-228600" algn="l" defTabSz="457200" rtl="0" eaLnBrk="1" latinLnBrk="0" hangingPunct="1">
-              <a:spcBef>
-                <a:spcPct val="20000"/>
-              </a:spcBef>
-              <a:spcAft>
-                <a:spcPts val="600"/>
-              </a:spcAft>
-              <a:buClr>
-                <a:schemeClr val="accent1"/>
-              </a:buClr>
-              <a:buFont typeface="Wingdings 2" charset="2"/>
-              <a:buChar char=""/>
-              <a:defRPr sz="1200" kern="1200">
-                <a:solidFill>
-                  <a:schemeClr val="lt1"/>
-                </a:solidFill>
-                <a:latin typeface="+mn-lt"/>
-                <a:ea typeface="+mn-ea"/>
-                <a:cs typeface="+mn-cs"/>
-              </a:defRPr>
-            </a:lvl8pPr>
-            <a:lvl9pPr marL="3600000" indent="-228600" algn="l" defTabSz="457200" rtl="0" eaLnBrk="1" latinLnBrk="0" hangingPunct="1">
-              <a:spcBef>
-                <a:spcPct val="20000"/>
-              </a:spcBef>
-              <a:spcAft>
-                <a:spcPts val="600"/>
-              </a:spcAft>
-              <a:buClr>
-                <a:schemeClr val="accent1"/>
-              </a:buClr>
-              <a:buFont typeface="Wingdings 2" charset="2"/>
-              <a:buChar char=""/>
-              <a:defRPr sz="1200" kern="1200">
-                <a:solidFill>
-                  <a:schemeClr val="lt1"/>
-                </a:solidFill>
-                <a:latin typeface="+mn-lt"/>
-                <a:ea typeface="+mn-ea"/>
-                <a:cs typeface="+mn-cs"/>
-              </a:defRPr>
-            </a:lvl9pPr>
-          </a:lstStyle>
-          <a:p>
-            <a:pPr marL="0" indent="0">
-              <a:buNone/>
-            </a:pPr>
-            <a:r>
-              <a:rPr lang="en-IN" b="1" dirty="0"/>
-              <a:t>DIJKSTRA’S ALGORITHM</a:t>
-            </a:r>
-          </a:p>
-          <a:p>
-            <a:r>
-              <a:rPr lang="en-IN" dirty="0">
-                <a:solidFill>
-                  <a:schemeClr val="bg1"/>
-                </a:solidFill>
-              </a:rPr>
-              <a:t>OPTIMAL</a:t>
-            </a:r>
-          </a:p>
-          <a:p>
-            <a:r>
-              <a:rPr lang="en-IN" dirty="0">
-                <a:solidFill>
-                  <a:schemeClr val="bg1"/>
-                </a:solidFill>
-              </a:rPr>
-              <a:t>FAST</a:t>
-            </a:r>
-          </a:p>
-          <a:p>
-            <a:r>
-              <a:rPr lang="en-IN" dirty="0">
-                <a:solidFill>
-                  <a:schemeClr val="bg1"/>
-                </a:solidFill>
-              </a:rPr>
-              <a:t>SPACE EFFICIENT</a:t>
-            </a:r>
-          </a:p>
-          <a:p>
-            <a:endParaRPr lang="en-IN" dirty="0"/>
-          </a:p>
-        </p:txBody>
-      </p:sp>
-      <p:sp>
-        <p:nvSpPr>
-          <p:cNvPr id="5" name="Content Placeholder 2">
-            <a:extLst>
-              <a:ext uri="{FF2B5EF4-FFF2-40B4-BE49-F238E27FC236}">
-                <a16:creationId xmlns:a16="http://schemas.microsoft.com/office/drawing/2014/main" id="{8EDFADFF-F75D-4667-82C3-A04E19B8B1C3}"/>
-              </a:ext>
-            </a:extLst>
-          </p:cNvPr>
-          <p:cNvSpPr txBox="1">
-            <a:spLocks/>
-          </p:cNvSpPr>
-          <p:nvPr/>
-        </p:nvSpPr>
-        <p:spPr>
-          <a:xfrm>
-            <a:off x="7827038" y="2493958"/>
-            <a:ext cx="3156940" cy="3636511"/>
-          </a:xfrm>
-          <a:prstGeom prst="rect">
-            <a:avLst/>
-          </a:prstGeom>
-        </p:spPr>
-        <p:style>
-          <a:lnRef idx="1">
-            <a:schemeClr val="accent1"/>
-          </a:lnRef>
-          <a:fillRef idx="3">
-            <a:schemeClr val="accent1"/>
-          </a:fillRef>
-          <a:effectRef idx="2">
-            <a:schemeClr val="accent1"/>
-          </a:effectRef>
-          <a:fontRef idx="minor">
-            <a:schemeClr val="lt1"/>
-          </a:fontRef>
-        </p:style>
-        <p:txBody>
-          <a:bodyPr vert="horz" lIns="91440" tIns="45720" rIns="91440" bIns="45720" rtlCol="0" anchor="ctr">
-            <a:normAutofit/>
-          </a:bodyPr>
-          <a:lstStyle>
-            <a:lvl1pPr marL="342900" indent="-342900" algn="l" defTabSz="457200" rtl="0" eaLnBrk="1" latinLnBrk="0" hangingPunct="1">
-              <a:spcBef>
-                <a:spcPct val="20000"/>
-              </a:spcBef>
-              <a:spcAft>
-                <a:spcPts val="600"/>
-              </a:spcAft>
-              <a:buClr>
-                <a:schemeClr val="accent1"/>
-              </a:buClr>
-              <a:buFont typeface="Wingdings 2" charset="2"/>
-              <a:buChar char=""/>
-              <a:defRPr sz="1800" kern="1200">
-                <a:solidFill>
-                  <a:schemeClr val="lt1"/>
-                </a:solidFill>
-                <a:latin typeface="+mn-lt"/>
-                <a:ea typeface="+mn-ea"/>
-                <a:cs typeface="+mn-cs"/>
-              </a:defRPr>
-            </a:lvl1pPr>
-            <a:lvl2pPr marL="742950" indent="-285750" algn="l" defTabSz="457200" rtl="0" eaLnBrk="1" latinLnBrk="0" hangingPunct="1">
-              <a:spcBef>
-                <a:spcPct val="20000"/>
-              </a:spcBef>
-              <a:spcAft>
-                <a:spcPts val="600"/>
-              </a:spcAft>
-              <a:buClr>
-                <a:schemeClr val="accent1"/>
-              </a:buClr>
-              <a:buFont typeface="Wingdings 2" charset="2"/>
-              <a:buChar char=""/>
-              <a:defRPr sz="1600" kern="1200">
-                <a:solidFill>
-                  <a:schemeClr val="lt1"/>
-                </a:solidFill>
-                <a:latin typeface="+mn-lt"/>
-                <a:ea typeface="+mn-ea"/>
-                <a:cs typeface="+mn-cs"/>
-              </a:defRPr>
-            </a:lvl2pPr>
-            <a:lvl3pPr marL="1143000" indent="-228600" algn="l" defTabSz="457200" rtl="0" eaLnBrk="1" latinLnBrk="0" hangingPunct="1">
-              <a:spcBef>
-                <a:spcPct val="20000"/>
-              </a:spcBef>
-              <a:spcAft>
-                <a:spcPts val="600"/>
-              </a:spcAft>
-              <a:buClr>
-                <a:schemeClr val="accent1"/>
-              </a:buClr>
-              <a:buFont typeface="Wingdings 2" charset="2"/>
-              <a:buChar char=""/>
-              <a:defRPr sz="1400" kern="1200">
-                <a:solidFill>
-                  <a:schemeClr val="lt1"/>
-                </a:solidFill>
-                <a:latin typeface="+mn-lt"/>
-                <a:ea typeface="+mn-ea"/>
-                <a:cs typeface="+mn-cs"/>
-              </a:defRPr>
-            </a:lvl3pPr>
-            <a:lvl4pPr marL="1600200" indent="-228600" algn="l" defTabSz="457200" rtl="0" eaLnBrk="1" latinLnBrk="0" hangingPunct="1">
-              <a:spcBef>
-                <a:spcPct val="20000"/>
-              </a:spcBef>
-              <a:spcAft>
-                <a:spcPts val="600"/>
-              </a:spcAft>
-              <a:buClr>
-                <a:schemeClr val="accent1"/>
-              </a:buClr>
-              <a:buFont typeface="Wingdings 2" charset="2"/>
-              <a:buChar char=""/>
-              <a:defRPr sz="1200" kern="1200">
-                <a:solidFill>
-                  <a:schemeClr val="lt1"/>
-                </a:solidFill>
-                <a:latin typeface="+mn-lt"/>
-                <a:ea typeface="+mn-ea"/>
-                <a:cs typeface="+mn-cs"/>
-              </a:defRPr>
-            </a:lvl4pPr>
-            <a:lvl5pPr marL="2057400" indent="-228600" algn="l" defTabSz="457200" rtl="0" eaLnBrk="1" latinLnBrk="0" hangingPunct="1">
-              <a:spcBef>
-                <a:spcPct val="20000"/>
-              </a:spcBef>
-              <a:spcAft>
-                <a:spcPts val="600"/>
-              </a:spcAft>
-              <a:buClr>
-                <a:schemeClr val="accent1"/>
-              </a:buClr>
-              <a:buFont typeface="Wingdings 2" charset="2"/>
-              <a:buChar char=""/>
-              <a:defRPr sz="1200" kern="1200">
-                <a:solidFill>
-                  <a:schemeClr val="lt1"/>
-                </a:solidFill>
-                <a:latin typeface="+mn-lt"/>
-                <a:ea typeface="+mn-ea"/>
-                <a:cs typeface="+mn-cs"/>
-              </a:defRPr>
-            </a:lvl5pPr>
-            <a:lvl6pPr marL="2400000" indent="-228600" algn="l" defTabSz="457200" rtl="0" eaLnBrk="1" latinLnBrk="0" hangingPunct="1">
-              <a:spcBef>
-                <a:spcPct val="20000"/>
-              </a:spcBef>
-              <a:spcAft>
-                <a:spcPts val="600"/>
-              </a:spcAft>
-              <a:buClr>
-                <a:schemeClr val="accent1"/>
-              </a:buClr>
-              <a:buFont typeface="Wingdings 2" charset="2"/>
-              <a:buChar char=""/>
-              <a:defRPr sz="1200" kern="1200">
-                <a:solidFill>
-                  <a:schemeClr val="lt1"/>
-                </a:solidFill>
-                <a:latin typeface="+mn-lt"/>
-                <a:ea typeface="+mn-ea"/>
-                <a:cs typeface="+mn-cs"/>
-              </a:defRPr>
-            </a:lvl6pPr>
-            <a:lvl7pPr marL="2800000" indent="-228600" algn="l" defTabSz="457200" rtl="0" eaLnBrk="1" latinLnBrk="0" hangingPunct="1">
-              <a:spcBef>
-                <a:spcPct val="20000"/>
-              </a:spcBef>
-              <a:spcAft>
-                <a:spcPts val="600"/>
-              </a:spcAft>
-              <a:buClr>
-                <a:schemeClr val="accent1"/>
-              </a:buClr>
-              <a:buFont typeface="Wingdings 2" charset="2"/>
-              <a:buChar char=""/>
-              <a:defRPr sz="1200" kern="1200">
-                <a:solidFill>
-                  <a:schemeClr val="lt1"/>
-                </a:solidFill>
-                <a:latin typeface="+mn-lt"/>
-                <a:ea typeface="+mn-ea"/>
-                <a:cs typeface="+mn-cs"/>
-              </a:defRPr>
-            </a:lvl7pPr>
-            <a:lvl8pPr marL="3200000" indent="-228600" algn="l" defTabSz="457200" rtl="0" eaLnBrk="1" latinLnBrk="0" hangingPunct="1">
-              <a:spcBef>
-                <a:spcPct val="20000"/>
-              </a:spcBef>
-              <a:spcAft>
-                <a:spcPts val="600"/>
-              </a:spcAft>
-              <a:buClr>
-                <a:schemeClr val="accent1"/>
-              </a:buClr>
-              <a:buFont typeface="Wingdings 2" charset="2"/>
-              <a:buChar char=""/>
-              <a:defRPr sz="1200" kern="1200">
-                <a:solidFill>
-                  <a:schemeClr val="lt1"/>
-                </a:solidFill>
-                <a:latin typeface="+mn-lt"/>
-                <a:ea typeface="+mn-ea"/>
-                <a:cs typeface="+mn-cs"/>
-              </a:defRPr>
-            </a:lvl8pPr>
-            <a:lvl9pPr marL="3600000" indent="-228600" algn="l" defTabSz="457200" rtl="0" eaLnBrk="1" latinLnBrk="0" hangingPunct="1">
-              <a:spcBef>
-                <a:spcPct val="20000"/>
-              </a:spcBef>
-              <a:spcAft>
-                <a:spcPts val="600"/>
-              </a:spcAft>
-              <a:buClr>
-                <a:schemeClr val="accent1"/>
-              </a:buClr>
-              <a:buFont typeface="Wingdings 2" charset="2"/>
-              <a:buChar char=""/>
-              <a:defRPr sz="1200" kern="1200">
-                <a:solidFill>
-                  <a:schemeClr val="lt1"/>
-                </a:solidFill>
-                <a:latin typeface="+mn-lt"/>
-                <a:ea typeface="+mn-ea"/>
-                <a:cs typeface="+mn-cs"/>
-              </a:defRPr>
-            </a:lvl9pPr>
-          </a:lstStyle>
-          <a:p>
-            <a:pPr marL="0" indent="0">
-              <a:buNone/>
-            </a:pPr>
-            <a:r>
-              <a:rPr lang="en-IN" b="1" dirty="0"/>
-              <a:t>GREEDY BEST-FIRST SEARCH</a:t>
-            </a:r>
-          </a:p>
-          <a:p>
-            <a:r>
-              <a:rPr lang="en-IN" dirty="0">
-                <a:solidFill>
-                  <a:schemeClr val="bg1"/>
-                </a:solidFill>
-              </a:rPr>
-              <a:t>OPTIMAL</a:t>
-            </a:r>
-          </a:p>
-          <a:p>
-            <a:r>
-              <a:rPr lang="en-IN" dirty="0">
-                <a:solidFill>
-                  <a:schemeClr val="bg1"/>
-                </a:solidFill>
-              </a:rPr>
-              <a:t>FAST</a:t>
-            </a:r>
-          </a:p>
-          <a:p>
-            <a:r>
-              <a:rPr lang="en-IN" dirty="0">
-                <a:solidFill>
-                  <a:schemeClr val="bg1"/>
-                </a:solidFill>
-              </a:rPr>
-              <a:t>SPACE EFFICIENT</a:t>
-            </a:r>
-          </a:p>
-          <a:p>
-            <a:endParaRPr lang="en-IN" dirty="0"/>
-          </a:p>
-        </p:txBody>
-      </p:sp>
-      <p:pic>
-        <p:nvPicPr>
-          <p:cNvPr id="1028" name="Picture 4" descr="Image result for CORRECT CLIP ART">
-            <a:extLst>
-              <a:ext uri="{FF2B5EF4-FFF2-40B4-BE49-F238E27FC236}">
-                <a16:creationId xmlns:a16="http://schemas.microsoft.com/office/drawing/2014/main" id="{4D77B8DD-28F7-4839-AC9F-E56D94712A8A}"/>
-              </a:ext>
-            </a:extLst>
-          </p:cNvPr>
-          <p:cNvPicPr>
-            <a:picLocks noChangeAspect="1" noChangeArrowheads="1"/>
-          </p:cNvPicPr>
-          <p:nvPr/>
-        </p:nvPicPr>
-        <p:blipFill>
-          <a:blip r:embed="rId2">
-            <a:extLst>
-              <a:ext uri="{BEBA8EAE-BF5A-486C-A8C5-ECC9F3942E4B}">
-                <a14:imgProps xmlns:a14="http://schemas.microsoft.com/office/drawing/2010/main">
-                  <a14:imgLayer r:embed="rId3">
-                    <a14:imgEffect>
-                      <a14:backgroundRemoval t="21908" b="78092" l="54000" r="90000"/>
-                    </a14:imgEffect>
-                  </a14:imgLayer>
-                </a14:imgProps>
-              </a:ext>
-              <a:ext uri="{28A0092B-C50C-407E-A947-70E740481C1C}">
-                <a14:useLocalDpi xmlns:a14="http://schemas.microsoft.com/office/drawing/2010/main" val="0"/>
-              </a:ext>
-            </a:extLst>
-          </a:blip>
-          <a:srcRect/>
-          <a:stretch>
-            <a:fillRect/>
-          </a:stretch>
-        </p:blipFill>
-        <p:spPr bwMode="auto">
-          <a:xfrm>
-            <a:off x="2531164" y="4365222"/>
-            <a:ext cx="1114571" cy="700941"/>
-          </a:xfrm>
-          <a:prstGeom prst="rect">
-            <a:avLst/>
-          </a:prstGeom>
-          <a:noFill/>
-          <a:extLst>
-            <a:ext uri="{909E8E84-426E-40DD-AFC4-6F175D3DCCD1}">
-              <a14:hiddenFill xmlns:a14="http://schemas.microsoft.com/office/drawing/2010/main">
-                <a:solidFill>
-                  <a:srgbClr val="FFFFFF"/>
-                </a:solidFill>
-              </a14:hiddenFill>
-            </a:ext>
-          </a:extLst>
-        </p:spPr>
-      </p:pic>
-      <p:pic>
-        <p:nvPicPr>
-          <p:cNvPr id="8" name="Picture 4" descr="Image result for CORRECT CLIP ART">
-            <a:extLst>
-              <a:ext uri="{FF2B5EF4-FFF2-40B4-BE49-F238E27FC236}">
-                <a16:creationId xmlns:a16="http://schemas.microsoft.com/office/drawing/2014/main" id="{1710ED58-D3C4-4075-BF06-FAC52A97FFD7}"/>
-              </a:ext>
-            </a:extLst>
-          </p:cNvPr>
-          <p:cNvPicPr>
-            <a:picLocks noChangeAspect="1" noChangeArrowheads="1"/>
-          </p:cNvPicPr>
-          <p:nvPr/>
-        </p:nvPicPr>
-        <p:blipFill>
-          <a:blip r:embed="rId2">
-            <a:extLst>
-              <a:ext uri="{BEBA8EAE-BF5A-486C-A8C5-ECC9F3942E4B}">
-                <a14:imgProps xmlns:a14="http://schemas.microsoft.com/office/drawing/2010/main">
-                  <a14:imgLayer r:embed="rId3">
-                    <a14:imgEffect>
-                      <a14:backgroundRemoval t="21908" b="78092" l="54000" r="90000"/>
-                    </a14:imgEffect>
-                  </a14:imgLayer>
-                </a14:imgProps>
-              </a:ext>
-              <a:ext uri="{28A0092B-C50C-407E-A947-70E740481C1C}">
-                <a14:useLocalDpi xmlns:a14="http://schemas.microsoft.com/office/drawing/2010/main" val="0"/>
-              </a:ext>
-            </a:extLst>
-          </a:blip>
-          <a:srcRect/>
-          <a:stretch>
-            <a:fillRect/>
-          </a:stretch>
-        </p:blipFill>
-        <p:spPr bwMode="auto">
-          <a:xfrm>
-            <a:off x="8739808" y="3591392"/>
-            <a:ext cx="1114571" cy="700941"/>
-          </a:xfrm>
-          <a:prstGeom prst="rect">
-            <a:avLst/>
-          </a:prstGeom>
-          <a:noFill/>
-          <a:extLst>
-            <a:ext uri="{909E8E84-426E-40DD-AFC4-6F175D3DCCD1}">
-              <a14:hiddenFill xmlns:a14="http://schemas.microsoft.com/office/drawing/2010/main">
-                <a:solidFill>
-                  <a:srgbClr val="FFFFFF"/>
-                </a:solidFill>
-              </a14:hiddenFill>
-            </a:ext>
-          </a:extLst>
-        </p:spPr>
-      </p:pic>
-      <p:pic>
-        <p:nvPicPr>
-          <p:cNvPr id="9" name="Picture 4" descr="Image result for CORRECT CLIP ART">
-            <a:extLst>
-              <a:ext uri="{FF2B5EF4-FFF2-40B4-BE49-F238E27FC236}">
-                <a16:creationId xmlns:a16="http://schemas.microsoft.com/office/drawing/2014/main" id="{372D4E93-0323-409E-B114-5B54530C4A49}"/>
-              </a:ext>
-            </a:extLst>
-          </p:cNvPr>
-          <p:cNvPicPr>
-            <a:picLocks noChangeAspect="1" noChangeArrowheads="1"/>
-          </p:cNvPicPr>
-          <p:nvPr/>
-        </p:nvPicPr>
-        <p:blipFill>
-          <a:blip r:embed="rId2">
-            <a:extLst>
-              <a:ext uri="{BEBA8EAE-BF5A-486C-A8C5-ECC9F3942E4B}">
-                <a14:imgProps xmlns:a14="http://schemas.microsoft.com/office/drawing/2010/main">
-                  <a14:imgLayer r:embed="rId3">
-                    <a14:imgEffect>
-                      <a14:backgroundRemoval t="21908" b="78092" l="54000" r="90000"/>
-                    </a14:imgEffect>
-                  </a14:imgLayer>
-                </a14:imgProps>
-              </a:ext>
-              <a:ext uri="{28A0092B-C50C-407E-A947-70E740481C1C}">
-                <a14:useLocalDpi xmlns:a14="http://schemas.microsoft.com/office/drawing/2010/main" val="0"/>
-              </a:ext>
-            </a:extLst>
-          </a:blip>
-          <a:srcRect/>
-          <a:stretch>
-            <a:fillRect/>
-          </a:stretch>
-        </p:blipFill>
-        <p:spPr bwMode="auto">
-          <a:xfrm>
-            <a:off x="4779098" y="3961742"/>
-            <a:ext cx="1114571" cy="700941"/>
-          </a:xfrm>
-          <a:prstGeom prst="rect">
-            <a:avLst/>
-          </a:prstGeom>
-          <a:noFill/>
-          <a:extLst>
-            <a:ext uri="{909E8E84-426E-40DD-AFC4-6F175D3DCCD1}">
-              <a14:hiddenFill xmlns:a14="http://schemas.microsoft.com/office/drawing/2010/main">
-                <a:solidFill>
-                  <a:srgbClr val="FFFFFF"/>
-                </a:solidFill>
-              </a14:hiddenFill>
-            </a:ext>
-          </a:extLst>
-        </p:spPr>
-      </p:pic>
-      <p:pic>
-        <p:nvPicPr>
-          <p:cNvPr id="1030" name="Picture 6" descr="Image result for CORRECT CLIP ART">
-            <a:extLst>
-              <a:ext uri="{FF2B5EF4-FFF2-40B4-BE49-F238E27FC236}">
-                <a16:creationId xmlns:a16="http://schemas.microsoft.com/office/drawing/2014/main" id="{0C4062EC-36AF-4BBE-9F1E-C23DBDA34C78}"/>
-              </a:ext>
-            </a:extLst>
-          </p:cNvPr>
-          <p:cNvPicPr>
-            <a:picLocks noChangeAspect="1" noChangeArrowheads="1"/>
-          </p:cNvPicPr>
-          <p:nvPr/>
-        </p:nvPicPr>
-        <p:blipFill rotWithShape="1">
-          <a:blip r:embed="rId4">
-            <a:extLst>
-              <a:ext uri="{BEBA8EAE-BF5A-486C-A8C5-ECC9F3942E4B}">
-                <a14:imgProps xmlns:a14="http://schemas.microsoft.com/office/drawing/2010/main">
-                  <a14:imgLayer r:embed="rId3">
-                    <a14:imgEffect>
-                      <a14:backgroundRemoval t="21983" b="75356" l="9745" r="48825"/>
-                    </a14:imgEffect>
-                  </a14:imgLayer>
-                </a14:imgProps>
-              </a:ext>
-              <a:ext uri="{28A0092B-C50C-407E-A947-70E740481C1C}">
-                <a14:useLocalDpi xmlns:a14="http://schemas.microsoft.com/office/drawing/2010/main" val="0"/>
-              </a:ext>
-            </a:extLst>
-          </a:blip>
-          <a:srcRect l="4860" t="15312" r="46290" b="17972"/>
-          <a:stretch/>
-        </p:blipFill>
-        <p:spPr bwMode="auto">
-          <a:xfrm>
-            <a:off x="2337621" y="3591392"/>
-            <a:ext cx="660120" cy="566970"/>
-          </a:xfrm>
-          <a:prstGeom prst="rect">
-            <a:avLst/>
-          </a:prstGeom>
-          <a:noFill/>
-          <a:extLst>
-            <a:ext uri="{909E8E84-426E-40DD-AFC4-6F175D3DCCD1}">
-              <a14:hiddenFill xmlns:a14="http://schemas.microsoft.com/office/drawing/2010/main">
-                <a:solidFill>
-                  <a:srgbClr val="FFFFFF"/>
-                </a:solidFill>
-              </a14:hiddenFill>
-            </a:ext>
-          </a:extLst>
-        </p:spPr>
-      </p:pic>
-      <p:pic>
-        <p:nvPicPr>
-          <p:cNvPr id="11" name="Picture 6" descr="Image result for CORRECT CLIP ART">
-            <a:extLst>
-              <a:ext uri="{FF2B5EF4-FFF2-40B4-BE49-F238E27FC236}">
-                <a16:creationId xmlns:a16="http://schemas.microsoft.com/office/drawing/2014/main" id="{F3CE6637-1F10-4AFE-A447-26E4741AF283}"/>
-              </a:ext>
-            </a:extLst>
-          </p:cNvPr>
-          <p:cNvPicPr>
-            <a:picLocks noChangeAspect="1" noChangeArrowheads="1"/>
-          </p:cNvPicPr>
-          <p:nvPr/>
-        </p:nvPicPr>
-        <p:blipFill rotWithShape="1">
-          <a:blip r:embed="rId4">
-            <a:extLst>
-              <a:ext uri="{BEBA8EAE-BF5A-486C-A8C5-ECC9F3942E4B}">
-                <a14:imgProps xmlns:a14="http://schemas.microsoft.com/office/drawing/2010/main">
-                  <a14:imgLayer r:embed="rId3">
-                    <a14:imgEffect>
-                      <a14:backgroundRemoval t="21983" b="75356" l="9745" r="48825"/>
-                    </a14:imgEffect>
-                  </a14:imgLayer>
-                </a14:imgProps>
-              </a:ext>
-              <a:ext uri="{28A0092B-C50C-407E-A947-70E740481C1C}">
-                <a14:useLocalDpi xmlns:a14="http://schemas.microsoft.com/office/drawing/2010/main" val="0"/>
-              </a:ext>
-            </a:extLst>
-          </a:blip>
-          <a:srcRect l="4860" t="15312" r="46290" b="17972"/>
-          <a:stretch/>
-        </p:blipFill>
-        <p:spPr bwMode="auto">
-          <a:xfrm>
-            <a:off x="1747895" y="3916068"/>
-            <a:ext cx="660120" cy="566970"/>
-          </a:xfrm>
-          <a:prstGeom prst="rect">
-            <a:avLst/>
-          </a:prstGeom>
-          <a:noFill/>
-          <a:extLst>
-            <a:ext uri="{909E8E84-426E-40DD-AFC4-6F175D3DCCD1}">
-              <a14:hiddenFill xmlns:a14="http://schemas.microsoft.com/office/drawing/2010/main">
-                <a:solidFill>
-                  <a:srgbClr val="FFFFFF"/>
-                </a:solidFill>
-              </a14:hiddenFill>
-            </a:ext>
-          </a:extLst>
-        </p:spPr>
-      </p:pic>
-      <p:pic>
-        <p:nvPicPr>
-          <p:cNvPr id="12" name="Picture 6" descr="Image result for CORRECT CLIP ART">
-            <a:extLst>
-              <a:ext uri="{FF2B5EF4-FFF2-40B4-BE49-F238E27FC236}">
-                <a16:creationId xmlns:a16="http://schemas.microsoft.com/office/drawing/2014/main" id="{017B8594-D5F2-4047-8C8C-A1006B54E4FB}"/>
-              </a:ext>
-            </a:extLst>
-          </p:cNvPr>
-          <p:cNvPicPr>
-            <a:picLocks noChangeAspect="1" noChangeArrowheads="1"/>
-          </p:cNvPicPr>
-          <p:nvPr/>
-        </p:nvPicPr>
-        <p:blipFill rotWithShape="1">
-          <a:blip r:embed="rId4">
-            <a:extLst>
-              <a:ext uri="{BEBA8EAE-BF5A-486C-A8C5-ECC9F3942E4B}">
-                <a14:imgProps xmlns:a14="http://schemas.microsoft.com/office/drawing/2010/main">
-                  <a14:imgLayer r:embed="rId3">
-                    <a14:imgEffect>
-                      <a14:backgroundRemoval t="21983" b="75356" l="9745" r="48825"/>
-                    </a14:imgEffect>
-                  </a14:imgLayer>
-                </a14:imgProps>
-              </a:ext>
-              <a:ext uri="{28A0092B-C50C-407E-A947-70E740481C1C}">
-                <a14:useLocalDpi xmlns:a14="http://schemas.microsoft.com/office/drawing/2010/main" val="0"/>
-              </a:ext>
-            </a:extLst>
-          </a:blip>
-          <a:srcRect l="4860" t="15312" r="46290" b="17972"/>
-          <a:stretch/>
-        </p:blipFill>
-        <p:spPr bwMode="auto">
-          <a:xfrm>
-            <a:off x="5741059" y="3591392"/>
-            <a:ext cx="660120" cy="566970"/>
-          </a:xfrm>
-          <a:prstGeom prst="rect">
-            <a:avLst/>
-          </a:prstGeom>
-          <a:noFill/>
-          <a:extLst>
-            <a:ext uri="{909E8E84-426E-40DD-AFC4-6F175D3DCCD1}">
-              <a14:hiddenFill xmlns:a14="http://schemas.microsoft.com/office/drawing/2010/main">
-                <a:solidFill>
-                  <a:srgbClr val="FFFFFF"/>
-                </a:solidFill>
-              </a14:hiddenFill>
-            </a:ext>
-          </a:extLst>
-        </p:spPr>
-      </p:pic>
-      <p:pic>
-        <p:nvPicPr>
-          <p:cNvPr id="13" name="Picture 6" descr="Image result for CORRECT CLIP ART">
-            <a:extLst>
-              <a:ext uri="{FF2B5EF4-FFF2-40B4-BE49-F238E27FC236}">
-                <a16:creationId xmlns:a16="http://schemas.microsoft.com/office/drawing/2014/main" id="{B24F3754-8516-4D6A-951E-C175DC641EE4}"/>
-              </a:ext>
-            </a:extLst>
-          </p:cNvPr>
-          <p:cNvPicPr>
-            <a:picLocks noChangeAspect="1" noChangeArrowheads="1"/>
-          </p:cNvPicPr>
-          <p:nvPr/>
-        </p:nvPicPr>
-        <p:blipFill rotWithShape="1">
-          <a:blip r:embed="rId4">
-            <a:extLst>
-              <a:ext uri="{BEBA8EAE-BF5A-486C-A8C5-ECC9F3942E4B}">
-                <a14:imgProps xmlns:a14="http://schemas.microsoft.com/office/drawing/2010/main">
-                  <a14:imgLayer r:embed="rId3">
-                    <a14:imgEffect>
-                      <a14:backgroundRemoval t="21983" b="75356" l="9745" r="48825"/>
-                    </a14:imgEffect>
-                  </a14:imgLayer>
-                </a14:imgProps>
-              </a:ext>
-              <a:ext uri="{28A0092B-C50C-407E-A947-70E740481C1C}">
-                <a14:useLocalDpi xmlns:a14="http://schemas.microsoft.com/office/drawing/2010/main" val="0"/>
-              </a:ext>
-            </a:extLst>
-          </a:blip>
-          <a:srcRect l="4860" t="15312" r="46290" b="17972"/>
-          <a:stretch/>
-        </p:blipFill>
-        <p:spPr bwMode="auto">
-          <a:xfrm>
-            <a:off x="8778674" y="4038006"/>
-            <a:ext cx="660120" cy="566970"/>
-          </a:xfrm>
-          <a:prstGeom prst="rect">
-            <a:avLst/>
-          </a:prstGeom>
-          <a:noFill/>
-          <a:extLst>
-            <a:ext uri="{909E8E84-426E-40DD-AFC4-6F175D3DCCD1}">
-              <a14:hiddenFill xmlns:a14="http://schemas.microsoft.com/office/drawing/2010/main">
-                <a:solidFill>
-                  <a:srgbClr val="FFFFFF"/>
-                </a:solidFill>
-              </a14:hiddenFill>
-            </a:ext>
-          </a:extLst>
-        </p:spPr>
-      </p:pic>
-    </p:spTree>
-    <p:extLst>
-      <p:ext uri="{BB962C8B-B14F-4D97-AF65-F5344CB8AC3E}">
-        <p14:creationId xmlns:p14="http://schemas.microsoft.com/office/powerpoint/2010/main" val="375145620"/>
-      </p:ext>
-    </p:extLst>
-  </p:cSld>
-  <p:clrMapOvr>
-    <a:masterClrMapping/>
-  </p:clrMapOvr>
-</p:sld>
-</file>
-
-<file path=ppt/slides/slide12.xml><?xml version="1.0" encoding="utf-8"?>
-<p:sld xmlns:a="http://schemas.openxmlformats.org/drawingml/2006/main" xmlns:r="http://schemas.openxmlformats.org/officeDocument/2006/relationships" xmlns:p="http://schemas.openxmlformats.org/presentationml/2006/main">
-  <p:cSld>
-    <p:spTree>
-      <p:nvGrpSpPr>
-        <p:cNvPr id="1" name=""/>
-        <p:cNvGrpSpPr/>
-        <p:nvPr/>
-      </p:nvGrpSpPr>
-      <p:grpSpPr>
-        <a:xfrm>
-          <a:off x="0" y="0"/>
-          <a:ext cx="0" cy="0"/>
-          <a:chOff x="0" y="0"/>
-          <a:chExt cx="0" cy="0"/>
-        </a:xfrm>
-      </p:grpSpPr>
-      <p:sp>
-        <p:nvSpPr>
           <p:cNvPr id="2" name="Title 1">
             <a:extLst>
               <a:ext uri="{FF2B5EF4-FFF2-40B4-BE49-F238E27FC236}">
@@ -7033,9 +5519,10 @@
           <a:bodyPr/>
           <a:lstStyle/>
           <a:p>
+            <a:pPr algn="ctr"/>
             <a:r>
               <a:rPr lang="en-IN" dirty="0"/>
-              <a:t>A* vs Dijkstra vs Greedy Best-first Search</a:t>
+              <a:t>Comparing Heuristics </a:t>
             </a:r>
           </a:p>
         </p:txBody>
@@ -7054,932 +5541,7 @@
           </p:cNvGraphicFramePr>
           <p:nvPr>
             <p:ph idx="1"/>
-            <p:extLst>
-              <p:ext uri="{D42A27DB-BD31-4B8C-83A1-F6EECF244321}">
-                <p14:modId xmlns:p14="http://schemas.microsoft.com/office/powerpoint/2010/main" val="4267138266"/>
-              </p:ext>
-            </p:extLst>
-          </p:nvPr>
-        </p:nvGraphicFramePr>
-        <p:xfrm>
-          <a:off x="0" y="1881809"/>
-          <a:ext cx="12192000" cy="4976192"/>
-        </p:xfrm>
-        <a:graphic>
-          <a:graphicData uri="http://schemas.openxmlformats.org/drawingml/2006/table">
-            <a:tbl>
-              <a:tblPr firstRow="1" firstCol="1" bandRow="1">
-                <a:tableStyleId>{5C22544A-7EE6-4342-B048-85BDC9FD1C3A}</a:tableStyleId>
-              </a:tblPr>
-              <a:tblGrid>
-                <a:gridCol w="3048000">
-                  <a:extLst>
-                    <a:ext uri="{9D8B030D-6E8A-4147-A177-3AD203B41FA5}">
-                      <a16:colId xmlns:a16="http://schemas.microsoft.com/office/drawing/2014/main" val="2037090125"/>
-                    </a:ext>
-                  </a:extLst>
-                </a:gridCol>
-                <a:gridCol w="3048000">
-                  <a:extLst>
-                    <a:ext uri="{9D8B030D-6E8A-4147-A177-3AD203B41FA5}">
-                      <a16:colId xmlns:a16="http://schemas.microsoft.com/office/drawing/2014/main" val="1560284061"/>
-                    </a:ext>
-                  </a:extLst>
-                </a:gridCol>
-                <a:gridCol w="3048000">
-                  <a:extLst>
-                    <a:ext uri="{9D8B030D-6E8A-4147-A177-3AD203B41FA5}">
-                      <a16:colId xmlns:a16="http://schemas.microsoft.com/office/drawing/2014/main" val="2065418497"/>
-                    </a:ext>
-                  </a:extLst>
-                </a:gridCol>
-                <a:gridCol w="3048000">
-                  <a:extLst>
-                    <a:ext uri="{9D8B030D-6E8A-4147-A177-3AD203B41FA5}">
-                      <a16:colId xmlns:a16="http://schemas.microsoft.com/office/drawing/2014/main" val="1309849566"/>
-                    </a:ext>
-                  </a:extLst>
-                </a:gridCol>
-              </a:tblGrid>
-              <a:tr h="382784">
-                <a:tc>
-                  <a:txBody>
-                    <a:bodyPr/>
-                    <a:lstStyle/>
-                    <a:p>
-                      <a:r>
-                        <a:rPr lang="en-IN" dirty="0"/>
-                        <a:t>Parameter</a:t>
-                      </a:r>
-                    </a:p>
-                  </a:txBody>
-                  <a:tcPr/>
-                </a:tc>
-                <a:tc>
-                  <a:txBody>
-                    <a:bodyPr/>
-                    <a:lstStyle/>
-                    <a:p>
-                      <a:r>
-                        <a:rPr lang="en-IN" dirty="0"/>
-                        <a:t>A* Search Algorithm</a:t>
-                      </a:r>
-                    </a:p>
-                  </a:txBody>
-                  <a:tcPr/>
-                </a:tc>
-                <a:tc>
-                  <a:txBody>
-                    <a:bodyPr/>
-                    <a:lstStyle/>
-                    <a:p>
-                      <a:r>
-                        <a:rPr lang="en-IN" dirty="0"/>
-                        <a:t>Dijkstra’s Algorithm</a:t>
-                      </a:r>
-                    </a:p>
-                  </a:txBody>
-                  <a:tcPr/>
-                </a:tc>
-                <a:tc>
-                  <a:txBody>
-                    <a:bodyPr/>
-                    <a:lstStyle/>
-                    <a:p>
-                      <a:r>
-                        <a:rPr lang="en-IN" dirty="0"/>
-                        <a:t>Greedy Best-first Search</a:t>
-                      </a:r>
-                    </a:p>
-                  </a:txBody>
-                  <a:tcPr/>
-                </a:tc>
-                <a:extLst>
-                  <a:ext uri="{0D108BD9-81ED-4DB2-BD59-A6C34878D82A}">
-                    <a16:rowId xmlns:a16="http://schemas.microsoft.com/office/drawing/2014/main" val="2119799607"/>
-                  </a:ext>
-                </a:extLst>
-              </a:tr>
-              <a:tr h="382784">
-                <a:tc gridSpan="4">
-                  <a:txBody>
-                    <a:bodyPr/>
-                    <a:lstStyle/>
-                    <a:p>
-                      <a:pPr marL="0" marR="0" lvl="0" indent="0" algn="ctr" defTabSz="457200" rtl="0" eaLnBrk="1" fontAlgn="auto" latinLnBrk="0" hangingPunct="1">
-                        <a:lnSpc>
-                          <a:spcPct val="100000"/>
-                        </a:lnSpc>
-                        <a:spcBef>
-                          <a:spcPts val="0"/>
-                        </a:spcBef>
-                        <a:spcAft>
-                          <a:spcPts val="0"/>
-                        </a:spcAft>
-                        <a:buClrTx/>
-                        <a:buSzTx/>
-                        <a:buFontTx/>
-                        <a:buNone/>
-                        <a:tabLst/>
-                        <a:defRPr/>
-                      </a:pPr>
-                      <a:r>
-                        <a:rPr lang="en-IN" dirty="0"/>
-                        <a:t>PATHFINDING ON A 25 X 25 GRID</a:t>
-                      </a:r>
-                    </a:p>
-                  </a:txBody>
-                  <a:tcPr/>
-                </a:tc>
-                <a:tc hMerge="1">
-                  <a:txBody>
-                    <a:bodyPr/>
-                    <a:lstStyle/>
-                    <a:p>
-                      <a:endParaRPr lang="en-IN" dirty="0"/>
-                    </a:p>
-                  </a:txBody>
-                  <a:tcPr/>
-                </a:tc>
-                <a:tc hMerge="1">
-                  <a:txBody>
-                    <a:bodyPr/>
-                    <a:lstStyle/>
-                    <a:p>
-                      <a:endParaRPr lang="en-IN" dirty="0"/>
-                    </a:p>
-                  </a:txBody>
-                  <a:tcPr/>
-                </a:tc>
-                <a:tc hMerge="1">
-                  <a:txBody>
-                    <a:bodyPr/>
-                    <a:lstStyle/>
-                    <a:p>
-                      <a:endParaRPr lang="en-IN" dirty="0"/>
-                    </a:p>
-                  </a:txBody>
-                  <a:tcPr/>
-                </a:tc>
-                <a:extLst>
-                  <a:ext uri="{0D108BD9-81ED-4DB2-BD59-A6C34878D82A}">
-                    <a16:rowId xmlns:a16="http://schemas.microsoft.com/office/drawing/2014/main" val="1306394127"/>
-                  </a:ext>
-                </a:extLst>
-              </a:tr>
-              <a:tr h="382784">
-                <a:tc>
-                  <a:txBody>
-                    <a:bodyPr/>
-                    <a:lstStyle/>
-                    <a:p>
-                      <a:pPr marL="0" marR="0" lvl="0" indent="0" algn="l" defTabSz="457200" rtl="0" eaLnBrk="1" fontAlgn="auto" latinLnBrk="0" hangingPunct="1">
-                        <a:lnSpc>
-                          <a:spcPct val="100000"/>
-                        </a:lnSpc>
-                        <a:spcBef>
-                          <a:spcPts val="0"/>
-                        </a:spcBef>
-                        <a:spcAft>
-                          <a:spcPts val="0"/>
-                        </a:spcAft>
-                        <a:buClrTx/>
-                        <a:buSzTx/>
-                        <a:buFontTx/>
-                        <a:buNone/>
-                        <a:tabLst/>
-                        <a:defRPr/>
-                      </a:pPr>
-                      <a:r>
-                        <a:rPr lang="en-IN" dirty="0"/>
-                        <a:t>Execution Time (sec)</a:t>
-                      </a:r>
-                    </a:p>
-                  </a:txBody>
-                  <a:tcPr/>
-                </a:tc>
-                <a:tc>
-                  <a:txBody>
-                    <a:bodyPr/>
-                    <a:lstStyle/>
-                    <a:p>
-                      <a:r>
-                        <a:rPr lang="en-IN" dirty="0"/>
-                        <a:t>0.676</a:t>
-                      </a:r>
-                    </a:p>
-                  </a:txBody>
-                  <a:tcPr/>
-                </a:tc>
-                <a:tc>
-                  <a:txBody>
-                    <a:bodyPr/>
-                    <a:lstStyle/>
-                    <a:p>
-                      <a:r>
-                        <a:rPr lang="en-IN" dirty="0"/>
-                        <a:t>7.825</a:t>
-                      </a:r>
-                    </a:p>
-                  </a:txBody>
-                  <a:tcPr/>
-                </a:tc>
-                <a:tc>
-                  <a:txBody>
-                    <a:bodyPr/>
-                    <a:lstStyle/>
-                    <a:p>
-                      <a:r>
-                        <a:rPr lang="en-IN" dirty="0"/>
-                        <a:t>0.577</a:t>
-                      </a:r>
-                    </a:p>
-                  </a:txBody>
-                  <a:tcPr/>
-                </a:tc>
-                <a:extLst>
-                  <a:ext uri="{0D108BD9-81ED-4DB2-BD59-A6C34878D82A}">
-                    <a16:rowId xmlns:a16="http://schemas.microsoft.com/office/drawing/2014/main" val="1487062952"/>
-                  </a:ext>
-                </a:extLst>
-              </a:tr>
-              <a:tr h="382784">
-                <a:tc>
-                  <a:txBody>
-                    <a:bodyPr/>
-                    <a:lstStyle/>
-                    <a:p>
-                      <a:r>
-                        <a:rPr lang="en-IN" dirty="0"/>
-                        <a:t>Distance Covered</a:t>
-                      </a:r>
-                    </a:p>
-                  </a:txBody>
-                  <a:tcPr/>
-                </a:tc>
-                <a:tc>
-                  <a:txBody>
-                    <a:bodyPr/>
-                    <a:lstStyle/>
-                    <a:p>
-                      <a:r>
-                        <a:rPr lang="en-IN" dirty="0"/>
-                        <a:t>758.82</a:t>
-                      </a:r>
-                    </a:p>
-                  </a:txBody>
-                  <a:tcPr/>
-                </a:tc>
-                <a:tc>
-                  <a:txBody>
-                    <a:bodyPr/>
-                    <a:lstStyle/>
-                    <a:p>
-                      <a:r>
-                        <a:rPr lang="en-IN" dirty="0"/>
-                        <a:t>758.82</a:t>
-                      </a:r>
-                    </a:p>
-                  </a:txBody>
-                  <a:tcPr/>
-                </a:tc>
-                <a:tc>
-                  <a:txBody>
-                    <a:bodyPr/>
-                    <a:lstStyle/>
-                    <a:p>
-                      <a:r>
-                        <a:rPr lang="en-IN" dirty="0"/>
-                        <a:t>758.82</a:t>
-                      </a:r>
-                    </a:p>
-                  </a:txBody>
-                  <a:tcPr/>
-                </a:tc>
-                <a:extLst>
-                  <a:ext uri="{0D108BD9-81ED-4DB2-BD59-A6C34878D82A}">
-                    <a16:rowId xmlns:a16="http://schemas.microsoft.com/office/drawing/2014/main" val="2187619363"/>
-                  </a:ext>
-                </a:extLst>
-              </a:tr>
-              <a:tr h="382784">
-                <a:tc>
-                  <a:txBody>
-                    <a:bodyPr/>
-                    <a:lstStyle/>
-                    <a:p>
-                      <a:r>
-                        <a:rPr lang="en-IN" dirty="0"/>
-                        <a:t>Computed Nodes</a:t>
-                      </a:r>
-                    </a:p>
-                  </a:txBody>
-                  <a:tcPr/>
-                </a:tc>
-                <a:tc>
-                  <a:txBody>
-                    <a:bodyPr/>
-                    <a:lstStyle/>
-                    <a:p>
-                      <a:r>
-                        <a:rPr lang="en-IN" dirty="0"/>
-                        <a:t>35</a:t>
-                      </a:r>
-                    </a:p>
-                  </a:txBody>
-                  <a:tcPr/>
-                </a:tc>
-                <a:tc>
-                  <a:txBody>
-                    <a:bodyPr/>
-                    <a:lstStyle/>
-                    <a:p>
-                      <a:r>
-                        <a:rPr lang="en-IN" dirty="0"/>
-                        <a:t>441</a:t>
-                      </a:r>
-                    </a:p>
-                  </a:txBody>
-                  <a:tcPr/>
-                </a:tc>
-                <a:tc>
-                  <a:txBody>
-                    <a:bodyPr/>
-                    <a:lstStyle/>
-                    <a:p>
-                      <a:r>
-                        <a:rPr lang="en-IN" dirty="0"/>
-                        <a:t>29</a:t>
-                      </a:r>
-                    </a:p>
-                  </a:txBody>
-                  <a:tcPr/>
-                </a:tc>
-                <a:extLst>
-                  <a:ext uri="{0D108BD9-81ED-4DB2-BD59-A6C34878D82A}">
-                    <a16:rowId xmlns:a16="http://schemas.microsoft.com/office/drawing/2014/main" val="1582060065"/>
-                  </a:ext>
-                </a:extLst>
-              </a:tr>
-              <a:tr h="382784">
-                <a:tc gridSpan="4">
-                  <a:txBody>
-                    <a:bodyPr/>
-                    <a:lstStyle/>
-                    <a:p>
-                      <a:pPr marL="0" marR="0" lvl="0" indent="0" algn="ctr" defTabSz="457200" rtl="0" eaLnBrk="1" fontAlgn="auto" latinLnBrk="0" hangingPunct="1">
-                        <a:lnSpc>
-                          <a:spcPct val="100000"/>
-                        </a:lnSpc>
-                        <a:spcBef>
-                          <a:spcPts val="0"/>
-                        </a:spcBef>
-                        <a:spcAft>
-                          <a:spcPts val="0"/>
-                        </a:spcAft>
-                        <a:buClrTx/>
-                        <a:buSzTx/>
-                        <a:buFontTx/>
-                        <a:buNone/>
-                        <a:tabLst/>
-                        <a:defRPr/>
-                      </a:pPr>
-                      <a:r>
-                        <a:rPr lang="en-IN" dirty="0"/>
-                        <a:t>PATHFINDING ON A 50 X 50 GRID</a:t>
-                      </a:r>
-                    </a:p>
-                  </a:txBody>
-                  <a:tcPr/>
-                </a:tc>
-                <a:tc hMerge="1">
-                  <a:txBody>
-                    <a:bodyPr/>
-                    <a:lstStyle/>
-                    <a:p>
-                      <a:endParaRPr lang="en-IN" dirty="0"/>
-                    </a:p>
-                  </a:txBody>
-                  <a:tcPr/>
-                </a:tc>
-                <a:tc hMerge="1">
-                  <a:txBody>
-                    <a:bodyPr/>
-                    <a:lstStyle/>
-                    <a:p>
-                      <a:endParaRPr lang="en-IN" dirty="0"/>
-                    </a:p>
-                  </a:txBody>
-                  <a:tcPr/>
-                </a:tc>
-                <a:tc hMerge="1">
-                  <a:txBody>
-                    <a:bodyPr/>
-                    <a:lstStyle/>
-                    <a:p>
-                      <a:endParaRPr lang="en-IN" dirty="0"/>
-                    </a:p>
-                  </a:txBody>
-                  <a:tcPr/>
-                </a:tc>
-                <a:extLst>
-                  <a:ext uri="{0D108BD9-81ED-4DB2-BD59-A6C34878D82A}">
-                    <a16:rowId xmlns:a16="http://schemas.microsoft.com/office/drawing/2014/main" val="814396625"/>
-                  </a:ext>
-                </a:extLst>
-              </a:tr>
-              <a:tr h="382784">
-                <a:tc>
-                  <a:txBody>
-                    <a:bodyPr/>
-                    <a:lstStyle/>
-                    <a:p>
-                      <a:r>
-                        <a:rPr lang="en-IN" dirty="0"/>
-                        <a:t>Execution Time (sec)</a:t>
-                      </a:r>
-                    </a:p>
-                  </a:txBody>
-                  <a:tcPr/>
-                </a:tc>
-                <a:tc>
-                  <a:txBody>
-                    <a:bodyPr/>
-                    <a:lstStyle/>
-                    <a:p>
-                      <a:r>
-                        <a:rPr lang="en-IN" dirty="0"/>
-                        <a:t>3.136</a:t>
-                      </a:r>
-                    </a:p>
-                  </a:txBody>
-                  <a:tcPr/>
-                </a:tc>
-                <a:tc>
-                  <a:txBody>
-                    <a:bodyPr/>
-                    <a:lstStyle/>
-                    <a:p>
-                      <a:r>
-                        <a:rPr lang="en-IN" dirty="0"/>
-                        <a:t>67.749</a:t>
-                      </a:r>
-                    </a:p>
-                  </a:txBody>
-                  <a:tcPr/>
-                </a:tc>
-                <a:tc>
-                  <a:txBody>
-                    <a:bodyPr/>
-                    <a:lstStyle/>
-                    <a:p>
-                      <a:r>
-                        <a:rPr lang="en-IN" dirty="0"/>
-                        <a:t>2.807</a:t>
-                      </a:r>
-                    </a:p>
-                  </a:txBody>
-                  <a:tcPr/>
-                </a:tc>
-                <a:extLst>
-                  <a:ext uri="{0D108BD9-81ED-4DB2-BD59-A6C34878D82A}">
-                    <a16:rowId xmlns:a16="http://schemas.microsoft.com/office/drawing/2014/main" val="3078871489"/>
-                  </a:ext>
-                </a:extLst>
-              </a:tr>
-              <a:tr h="382784">
-                <a:tc>
-                  <a:txBody>
-                    <a:bodyPr/>
-                    <a:lstStyle/>
-                    <a:p>
-                      <a:r>
-                        <a:rPr lang="en-IN" dirty="0"/>
-                        <a:t>Distance Covered</a:t>
-                      </a:r>
-                    </a:p>
-                  </a:txBody>
-                  <a:tcPr/>
-                </a:tc>
-                <a:tc>
-                  <a:txBody>
-                    <a:bodyPr/>
-                    <a:lstStyle/>
-                    <a:p>
-                      <a:r>
-                        <a:rPr lang="en-IN" dirty="0"/>
-                        <a:t>762.25</a:t>
-                      </a:r>
-                    </a:p>
-                  </a:txBody>
-                  <a:tcPr/>
-                </a:tc>
-                <a:tc>
-                  <a:txBody>
-                    <a:bodyPr/>
-                    <a:lstStyle/>
-                    <a:p>
-                      <a:r>
-                        <a:rPr lang="en-IN" dirty="0"/>
-                        <a:t>750.53</a:t>
-                      </a:r>
-                    </a:p>
-                  </a:txBody>
-                  <a:tcPr/>
-                </a:tc>
-                <a:tc>
-                  <a:txBody>
-                    <a:bodyPr/>
-                    <a:lstStyle/>
-                    <a:p>
-                      <a:r>
-                        <a:rPr lang="en-IN" dirty="0"/>
-                        <a:t>788.11</a:t>
-                      </a:r>
-                    </a:p>
-                  </a:txBody>
-                  <a:tcPr/>
-                </a:tc>
-                <a:extLst>
-                  <a:ext uri="{0D108BD9-81ED-4DB2-BD59-A6C34878D82A}">
-                    <a16:rowId xmlns:a16="http://schemas.microsoft.com/office/drawing/2014/main" val="1414975713"/>
-                  </a:ext>
-                </a:extLst>
-              </a:tr>
-              <a:tr h="382784">
-                <a:tc>
-                  <a:txBody>
-                    <a:bodyPr/>
-                    <a:lstStyle/>
-                    <a:p>
-                      <a:r>
-                        <a:rPr lang="en-IN" dirty="0"/>
-                        <a:t>Computed Nodes</a:t>
-                      </a:r>
-                    </a:p>
-                  </a:txBody>
-                  <a:tcPr/>
-                </a:tc>
-                <a:tc>
-                  <a:txBody>
-                    <a:bodyPr/>
-                    <a:lstStyle/>
-                    <a:p>
-                      <a:r>
-                        <a:rPr lang="en-IN" dirty="0"/>
-                        <a:t>72</a:t>
-                      </a:r>
-                    </a:p>
-                  </a:txBody>
-                  <a:tcPr/>
-                </a:tc>
-                <a:tc>
-                  <a:txBody>
-                    <a:bodyPr/>
-                    <a:lstStyle/>
-                    <a:p>
-                      <a:r>
-                        <a:rPr lang="en-IN" dirty="0"/>
-                        <a:t>1752</a:t>
-                      </a:r>
-                    </a:p>
-                  </a:txBody>
-                  <a:tcPr/>
-                </a:tc>
-                <a:tc>
-                  <a:txBody>
-                    <a:bodyPr/>
-                    <a:lstStyle/>
-                    <a:p>
-                      <a:r>
-                        <a:rPr lang="en-IN" dirty="0"/>
-                        <a:t>64</a:t>
-                      </a:r>
-                    </a:p>
-                  </a:txBody>
-                  <a:tcPr/>
-                </a:tc>
-                <a:extLst>
-                  <a:ext uri="{0D108BD9-81ED-4DB2-BD59-A6C34878D82A}">
-                    <a16:rowId xmlns:a16="http://schemas.microsoft.com/office/drawing/2014/main" val="1331215865"/>
-                  </a:ext>
-                </a:extLst>
-              </a:tr>
-              <a:tr h="382784">
-                <a:tc gridSpan="4">
-                  <a:txBody>
-                    <a:bodyPr/>
-                    <a:lstStyle/>
-                    <a:p>
-                      <a:pPr algn="ctr"/>
-                      <a:r>
-                        <a:rPr lang="en-IN" dirty="0"/>
-                        <a:t>PATHFINDING ON A 100 X 100 GRID</a:t>
-                      </a:r>
-                    </a:p>
-                  </a:txBody>
-                  <a:tcPr/>
-                </a:tc>
-                <a:tc hMerge="1">
-                  <a:txBody>
-                    <a:bodyPr/>
-                    <a:lstStyle/>
-                    <a:p>
-                      <a:endParaRPr lang="en-IN" dirty="0"/>
-                    </a:p>
-                  </a:txBody>
-                  <a:tcPr/>
-                </a:tc>
-                <a:tc hMerge="1">
-                  <a:txBody>
-                    <a:bodyPr/>
-                    <a:lstStyle/>
-                    <a:p>
-                      <a:endParaRPr lang="en-IN" dirty="0"/>
-                    </a:p>
-                  </a:txBody>
-                  <a:tcPr/>
-                </a:tc>
-                <a:tc hMerge="1">
-                  <a:txBody>
-                    <a:bodyPr/>
-                    <a:lstStyle/>
-                    <a:p>
-                      <a:endParaRPr lang="en-IN" dirty="0"/>
-                    </a:p>
-                  </a:txBody>
-                  <a:tcPr/>
-                </a:tc>
-                <a:extLst>
-                  <a:ext uri="{0D108BD9-81ED-4DB2-BD59-A6C34878D82A}">
-                    <a16:rowId xmlns:a16="http://schemas.microsoft.com/office/drawing/2014/main" val="4019761984"/>
-                  </a:ext>
-                </a:extLst>
-              </a:tr>
-              <a:tr h="382784">
-                <a:tc>
-                  <a:txBody>
-                    <a:bodyPr/>
-                    <a:lstStyle/>
-                    <a:p>
-                      <a:r>
-                        <a:rPr lang="en-IN" dirty="0"/>
-                        <a:t>Execution Time (sec)</a:t>
-                      </a:r>
-                    </a:p>
-                  </a:txBody>
-                  <a:tcPr/>
-                </a:tc>
-                <a:tc>
-                  <a:txBody>
-                    <a:bodyPr/>
-                    <a:lstStyle/>
-                    <a:p>
-                      <a:r>
-                        <a:rPr lang="en-IN" dirty="0"/>
-                        <a:t>17.162</a:t>
-                      </a:r>
-                    </a:p>
-                  </a:txBody>
-                  <a:tcPr/>
-                </a:tc>
-                <a:tc>
-                  <a:txBody>
-                    <a:bodyPr/>
-                    <a:lstStyle/>
-                    <a:p>
-                      <a:r>
-                        <a:rPr lang="en-IN" dirty="0"/>
-                        <a:t>937.54</a:t>
-                      </a:r>
-                    </a:p>
-                  </a:txBody>
-                  <a:tcPr/>
-                </a:tc>
-                <a:tc>
-                  <a:txBody>
-                    <a:bodyPr/>
-                    <a:lstStyle/>
-                    <a:p>
-                      <a:r>
-                        <a:rPr lang="en-IN" dirty="0"/>
-                        <a:t>16.223</a:t>
-                      </a:r>
-                    </a:p>
-                  </a:txBody>
-                  <a:tcPr/>
-                </a:tc>
-                <a:extLst>
-                  <a:ext uri="{0D108BD9-81ED-4DB2-BD59-A6C34878D82A}">
-                    <a16:rowId xmlns:a16="http://schemas.microsoft.com/office/drawing/2014/main" val="2498875365"/>
-                  </a:ext>
-                </a:extLst>
-              </a:tr>
-              <a:tr h="382784">
-                <a:tc>
-                  <a:txBody>
-                    <a:bodyPr/>
-                    <a:lstStyle/>
-                    <a:p>
-                      <a:r>
-                        <a:rPr lang="en-IN" dirty="0"/>
-                        <a:t>Distance Covered</a:t>
-                      </a:r>
-                    </a:p>
-                  </a:txBody>
-                  <a:tcPr/>
-                </a:tc>
-                <a:tc>
-                  <a:txBody>
-                    <a:bodyPr/>
-                    <a:lstStyle/>
-                    <a:p>
-                      <a:r>
-                        <a:rPr lang="en-IN" dirty="0"/>
-                        <a:t>749.32</a:t>
-                      </a:r>
-                    </a:p>
-                  </a:txBody>
-                  <a:tcPr/>
-                </a:tc>
-                <a:tc>
-                  <a:txBody>
-                    <a:bodyPr/>
-                    <a:lstStyle/>
-                    <a:p>
-                      <a:r>
-                        <a:rPr lang="en-IN" dirty="0"/>
-                        <a:t>738.11</a:t>
-                      </a:r>
-                    </a:p>
-                  </a:txBody>
-                  <a:tcPr/>
-                </a:tc>
-                <a:tc>
-                  <a:txBody>
-                    <a:bodyPr/>
-                    <a:lstStyle/>
-                    <a:p>
-                      <a:r>
-                        <a:rPr lang="en-IN" dirty="0"/>
-                        <a:t>783.96</a:t>
-                      </a:r>
-                    </a:p>
-                  </a:txBody>
-                  <a:tcPr/>
-                </a:tc>
-                <a:extLst>
-                  <a:ext uri="{0D108BD9-81ED-4DB2-BD59-A6C34878D82A}">
-                    <a16:rowId xmlns:a16="http://schemas.microsoft.com/office/drawing/2014/main" val="3588671958"/>
-                  </a:ext>
-                </a:extLst>
-              </a:tr>
-              <a:tr h="382784">
-                <a:tc>
-                  <a:txBody>
-                    <a:bodyPr/>
-                    <a:lstStyle/>
-                    <a:p>
-                      <a:r>
-                        <a:rPr lang="en-IN" dirty="0"/>
-                        <a:t>Computed Nodes</a:t>
-                      </a:r>
-                    </a:p>
-                  </a:txBody>
-                  <a:tcPr/>
-                </a:tc>
-                <a:tc>
-                  <a:txBody>
-                    <a:bodyPr/>
-                    <a:lstStyle/>
-                    <a:p>
-                      <a:r>
-                        <a:rPr lang="en-IN" dirty="0"/>
-                        <a:t>132</a:t>
-                      </a:r>
-                    </a:p>
-                  </a:txBody>
-                  <a:tcPr/>
-                </a:tc>
-                <a:tc>
-                  <a:txBody>
-                    <a:bodyPr/>
-                    <a:lstStyle/>
-                    <a:p>
-                      <a:r>
-                        <a:rPr lang="en-IN" dirty="0"/>
-                        <a:t>7064</a:t>
-                      </a:r>
-                    </a:p>
-                  </a:txBody>
-                  <a:tcPr/>
-                </a:tc>
-                <a:tc>
-                  <a:txBody>
-                    <a:bodyPr/>
-                    <a:lstStyle/>
-                    <a:p>
-                      <a:r>
-                        <a:rPr lang="en-IN" dirty="0"/>
-                        <a:t>125</a:t>
-                      </a:r>
-                    </a:p>
-                  </a:txBody>
-                  <a:tcPr/>
-                </a:tc>
-                <a:extLst>
-                  <a:ext uri="{0D108BD9-81ED-4DB2-BD59-A6C34878D82A}">
-                    <a16:rowId xmlns:a16="http://schemas.microsoft.com/office/drawing/2014/main" val="2862615829"/>
-                  </a:ext>
-                </a:extLst>
-              </a:tr>
-            </a:tbl>
-          </a:graphicData>
-        </a:graphic>
-      </p:graphicFrame>
-    </p:spTree>
-    <p:extLst>
-      <p:ext uri="{BB962C8B-B14F-4D97-AF65-F5344CB8AC3E}">
-        <p14:creationId xmlns:p14="http://schemas.microsoft.com/office/powerpoint/2010/main" val="124686715"/>
-      </p:ext>
-    </p:extLst>
-  </p:cSld>
-  <p:clrMapOvr>
-    <a:masterClrMapping/>
-  </p:clrMapOvr>
-</p:sld>
-</file>
-
-<file path=ppt/slides/slide13.xml><?xml version="1.0" encoding="utf-8"?>
-<p:sld xmlns:a="http://schemas.openxmlformats.org/drawingml/2006/main" xmlns:r="http://schemas.openxmlformats.org/officeDocument/2006/relationships" xmlns:p="http://schemas.openxmlformats.org/presentationml/2006/main">
-  <p:cSld>
-    <p:spTree>
-      <p:nvGrpSpPr>
-        <p:cNvPr id="1" name=""/>
-        <p:cNvGrpSpPr/>
-        <p:nvPr/>
-      </p:nvGrpSpPr>
-      <p:grpSpPr>
-        <a:xfrm>
-          <a:off x="0" y="0"/>
-          <a:ext cx="0" cy="0"/>
-          <a:chOff x="0" y="0"/>
-          <a:chExt cx="0" cy="0"/>
-        </a:xfrm>
-      </p:grpSpPr>
-      <p:sp>
-        <p:nvSpPr>
-          <p:cNvPr id="2" name="Title 1">
-            <a:extLst>
-              <a:ext uri="{FF2B5EF4-FFF2-40B4-BE49-F238E27FC236}">
-                <a16:creationId xmlns:a16="http://schemas.microsoft.com/office/drawing/2014/main" id="{1AFB433C-07EB-424D-8FD7-382644E92520}"/>
-              </a:ext>
-            </a:extLst>
-          </p:cNvPr>
-          <p:cNvSpPr>
-            <a:spLocks noGrp="1"/>
-          </p:cNvSpPr>
-          <p:nvPr>
-            <p:ph type="title"/>
-          </p:nvPr>
-        </p:nvSpPr>
-        <p:spPr>
-          <a:xfrm>
-            <a:off x="809999" y="447188"/>
-            <a:ext cx="10865166" cy="970450"/>
-          </a:xfrm>
-        </p:spPr>
-        <p:txBody>
-          <a:bodyPr/>
-          <a:lstStyle/>
-          <a:p>
-            <a:pPr algn="ctr"/>
-            <a:r>
-              <a:rPr lang="en-IN" dirty="0"/>
-              <a:t>Comparing Heuristics </a:t>
-            </a:r>
-          </a:p>
-        </p:txBody>
-      </p:sp>
-      <p:graphicFrame>
-        <p:nvGraphicFramePr>
-          <p:cNvPr id="5" name="Content Placeholder 4">
-            <a:extLst>
-              <a:ext uri="{FF2B5EF4-FFF2-40B4-BE49-F238E27FC236}">
-                <a16:creationId xmlns:a16="http://schemas.microsoft.com/office/drawing/2014/main" id="{476A8C94-31E6-4A1E-BF08-28C93E213BA0}"/>
-              </a:ext>
-            </a:extLst>
-          </p:cNvPr>
-          <p:cNvGraphicFramePr>
-            <a:graphicFrameLocks noGrp="1"/>
-          </p:cNvGraphicFramePr>
-          <p:nvPr>
-            <p:ph idx="1"/>
-            <p:extLst>
-              <p:ext uri="{D42A27DB-BD31-4B8C-83A1-F6EECF244321}">
-                <p14:modId xmlns:p14="http://schemas.microsoft.com/office/powerpoint/2010/main" val="712550846"/>
-              </p:ext>
-            </p:extLst>
+            <p:extLst/>
           </p:nvPr>
         </p:nvGraphicFramePr>
         <p:xfrm>
@@ -8832,6 +6394,2435 @@
 </p:sld>
 </file>
 
+<file path=ppt/slides/slide11.xml><?xml version="1.0" encoding="utf-8"?>
+<p:sld xmlns:a="http://schemas.openxmlformats.org/drawingml/2006/main" xmlns:r="http://schemas.openxmlformats.org/officeDocument/2006/relationships" xmlns:p="http://schemas.openxmlformats.org/presentationml/2006/main">
+  <p:cSld>
+    <p:spTree>
+      <p:nvGrpSpPr>
+        <p:cNvPr id="1" name=""/>
+        <p:cNvGrpSpPr/>
+        <p:nvPr/>
+      </p:nvGrpSpPr>
+      <p:grpSpPr>
+        <a:xfrm>
+          <a:off x="0" y="0"/>
+          <a:ext cx="0" cy="0"/>
+          <a:chOff x="0" y="0"/>
+          <a:chExt cx="0" cy="0"/>
+        </a:xfrm>
+      </p:grpSpPr>
+      <p:sp>
+        <p:nvSpPr>
+          <p:cNvPr id="8" name="TextBox 7">
+            <a:extLst>
+              <a:ext uri="{FF2B5EF4-FFF2-40B4-BE49-F238E27FC236}">
+                <a16:creationId xmlns:a16="http://schemas.microsoft.com/office/drawing/2014/main" id="{CFF7B6AD-5159-491B-9A92-E1BE5F3813A0}"/>
+              </a:ext>
+            </a:extLst>
+          </p:cNvPr>
+          <p:cNvSpPr txBox="1"/>
+          <p:nvPr/>
+        </p:nvSpPr>
+        <p:spPr>
+          <a:xfrm>
+            <a:off x="848435" y="1497842"/>
+            <a:ext cx="10495129" cy="4247317"/>
+          </a:xfrm>
+          <a:prstGeom prst="rect">
+            <a:avLst/>
+          </a:prstGeom>
+          <a:noFill/>
+          <a:ln w="9525" cap="flat" cmpd="sng" algn="ctr">
+            <a:solidFill>
+              <a:schemeClr val="accent1"/>
+            </a:solidFill>
+            <a:prstDash val="solid"/>
+            <a:round/>
+            <a:headEnd type="none" w="med" len="med"/>
+            <a:tailEnd type="none" w="med" len="med"/>
+          </a:ln>
+        </p:spPr>
+        <p:style>
+          <a:lnRef idx="0">
+            <a:scrgbClr r="0" g="0" b="0"/>
+          </a:lnRef>
+          <a:fillRef idx="0">
+            <a:scrgbClr r="0" g="0" b="0"/>
+          </a:fillRef>
+          <a:effectRef idx="0">
+            <a:scrgbClr r="0" g="0" b="0"/>
+          </a:effectRef>
+          <a:fontRef idx="minor">
+            <a:schemeClr val="accent1"/>
+          </a:fontRef>
+        </p:style>
+        <p:txBody>
+          <a:bodyPr wrap="square" rtlCol="0">
+            <a:spAutoFit/>
+          </a:bodyPr>
+          <a:lstStyle/>
+          <a:p>
+            <a:pPr lvl="0" defTabSz="914400" eaLnBrk="0" fontAlgn="base" hangingPunct="0">
+              <a:spcBef>
+                <a:spcPct val="0"/>
+              </a:spcBef>
+              <a:spcAft>
+                <a:spcPct val="0"/>
+              </a:spcAft>
+            </a:pPr>
+            <a:r>
+              <a:rPr lang="en-US" altLang="en-US" dirty="0">
+                <a:latin typeface="+mj-lt"/>
+              </a:rPr>
+              <a:t>1. Assign dis[v] for all nodes = INT_MAX (distance from </a:t>
+            </a:r>
+            <a:r>
+              <a:rPr lang="en-US" altLang="en-US" i="1" dirty="0">
+                <a:latin typeface="+mj-lt"/>
+              </a:rPr>
+              <a:t>root </a:t>
+            </a:r>
+            <a:r>
+              <a:rPr lang="en-US" altLang="en-US" dirty="0">
+                <a:latin typeface="+mj-lt"/>
+              </a:rPr>
+              <a:t>node + heuristics of every node).</a:t>
+            </a:r>
+            <a:br>
+              <a:rPr lang="en-US" altLang="en-US" dirty="0">
+                <a:latin typeface="+mj-lt"/>
+              </a:rPr>
+            </a:br>
+            <a:r>
+              <a:rPr lang="en-US" altLang="en-US" dirty="0">
+                <a:latin typeface="+mj-lt"/>
+              </a:rPr>
+              <a:t>2. Assign dis[root] = 0 + heuristic(root, goal) (distance from </a:t>
+            </a:r>
+            <a:r>
+              <a:rPr lang="en-US" altLang="en-US" i="1" dirty="0">
+                <a:latin typeface="+mj-lt"/>
+              </a:rPr>
+              <a:t>root </a:t>
+            </a:r>
+            <a:r>
+              <a:rPr lang="en-US" altLang="en-US" dirty="0">
+                <a:latin typeface="+mj-lt"/>
+              </a:rPr>
+              <a:t>node to itself + heuristics).</a:t>
+            </a:r>
+            <a:br>
+              <a:rPr lang="en-US" altLang="en-US" dirty="0">
+                <a:latin typeface="+mj-lt"/>
+              </a:rPr>
+            </a:br>
+            <a:r>
+              <a:rPr lang="en-US" altLang="en-US" dirty="0">
+                <a:latin typeface="+mj-lt"/>
+              </a:rPr>
+              <a:t>2. Add </a:t>
+            </a:r>
+            <a:r>
+              <a:rPr lang="en-US" altLang="en-US" i="1" dirty="0">
+                <a:latin typeface="+mj-lt"/>
+              </a:rPr>
+              <a:t>root</a:t>
+            </a:r>
+            <a:r>
+              <a:rPr lang="en-US" altLang="en-US" dirty="0">
+                <a:latin typeface="+mj-lt"/>
+              </a:rPr>
+              <a:t> node to priority queue.</a:t>
+            </a:r>
+            <a:br>
+              <a:rPr lang="en-US" altLang="en-US" dirty="0">
+                <a:latin typeface="+mj-lt"/>
+              </a:rPr>
+            </a:br>
+            <a:r>
+              <a:rPr lang="en-US" altLang="en-US" dirty="0">
+                <a:latin typeface="+mj-lt"/>
+              </a:rPr>
+              <a:t>3. Loop on the queue as long as it's not empty.</a:t>
+            </a:r>
+            <a:br>
+              <a:rPr lang="en-US" altLang="en-US" dirty="0">
+                <a:latin typeface="+mj-lt"/>
+              </a:rPr>
+            </a:br>
+            <a:r>
+              <a:rPr lang="en-US" altLang="en-US" dirty="0">
+                <a:latin typeface="+mj-lt"/>
+              </a:rPr>
+              <a:t>1. In every loop, choose the node with the minimum distance from the </a:t>
+            </a:r>
+            <a:r>
+              <a:rPr lang="en-US" altLang="en-US" i="1" dirty="0">
+                <a:latin typeface="+mj-lt"/>
+              </a:rPr>
+              <a:t>root </a:t>
+            </a:r>
+            <a:r>
+              <a:rPr lang="en-US" altLang="en-US" dirty="0">
+                <a:latin typeface="+mj-lt"/>
+              </a:rPr>
+              <a:t>node in the queue + heuristic (</a:t>
+            </a:r>
+            <a:r>
+              <a:rPr lang="en-US" altLang="en-US" i="1" dirty="0">
+                <a:latin typeface="+mj-lt"/>
+              </a:rPr>
+              <a:t>root </a:t>
+            </a:r>
+            <a:r>
+              <a:rPr lang="en-US" altLang="en-US" dirty="0">
+                <a:latin typeface="+mj-lt"/>
+              </a:rPr>
+              <a:t>node will be selected first).</a:t>
+            </a:r>
+            <a:br>
+              <a:rPr lang="en-US" altLang="en-US" dirty="0">
+                <a:latin typeface="+mj-lt"/>
+              </a:rPr>
+            </a:br>
+            <a:r>
+              <a:rPr lang="en-US" altLang="en-US" dirty="0">
+                <a:latin typeface="+mj-lt"/>
+              </a:rPr>
+              <a:t>2. Remove the </a:t>
+            </a:r>
+            <a:r>
+              <a:rPr lang="en-US" altLang="en-US" i="1" dirty="0">
+                <a:latin typeface="+mj-lt"/>
+              </a:rPr>
+              <a:t>current </a:t>
+            </a:r>
+            <a:r>
+              <a:rPr lang="en-US" altLang="en-US" dirty="0">
+                <a:latin typeface="+mj-lt"/>
+              </a:rPr>
+              <a:t>chosen node from the queue (vis[</a:t>
+            </a:r>
+            <a:r>
+              <a:rPr lang="en-US" altLang="en-US" i="1" dirty="0">
+                <a:latin typeface="+mj-lt"/>
+              </a:rPr>
+              <a:t>current</a:t>
+            </a:r>
+            <a:r>
+              <a:rPr lang="en-US" altLang="en-US" dirty="0">
+                <a:latin typeface="+mj-lt"/>
+              </a:rPr>
+              <a:t>] = true). </a:t>
+            </a:r>
+            <a:br>
+              <a:rPr lang="en-US" altLang="en-US" dirty="0">
+                <a:latin typeface="+mj-lt"/>
+              </a:rPr>
+            </a:br>
+            <a:r>
+              <a:rPr lang="en-US" altLang="en-US" dirty="0">
+                <a:latin typeface="+mj-lt"/>
+              </a:rPr>
+              <a:t>3. If the </a:t>
+            </a:r>
+            <a:r>
+              <a:rPr lang="en-US" altLang="en-US" i="1" dirty="0">
+                <a:latin typeface="+mj-lt"/>
+              </a:rPr>
+              <a:t>current </a:t>
+            </a:r>
+            <a:r>
+              <a:rPr lang="en-US" altLang="en-US" dirty="0">
+                <a:latin typeface="+mj-lt"/>
+              </a:rPr>
+              <a:t>node is the </a:t>
+            </a:r>
+            <a:r>
+              <a:rPr lang="en-US" altLang="en-US" i="1" dirty="0">
+                <a:latin typeface="+mj-lt"/>
+              </a:rPr>
+              <a:t>goal </a:t>
+            </a:r>
+            <a:r>
+              <a:rPr lang="en-US" altLang="en-US" dirty="0">
+                <a:latin typeface="+mj-lt"/>
+              </a:rPr>
+              <a:t>node, then return it.</a:t>
+            </a:r>
+            <a:br>
+              <a:rPr lang="en-US" altLang="en-US" dirty="0">
+                <a:latin typeface="+mj-lt"/>
+              </a:rPr>
+            </a:br>
+            <a:r>
+              <a:rPr lang="en-US" altLang="en-US" dirty="0">
+                <a:latin typeface="+mj-lt"/>
+              </a:rPr>
+              <a:t>4. For every </a:t>
+            </a:r>
+            <a:r>
+              <a:rPr lang="en-US" altLang="en-US" i="1" dirty="0">
+                <a:latin typeface="+mj-lt"/>
+              </a:rPr>
+              <a:t>child </a:t>
+            </a:r>
+            <a:r>
+              <a:rPr lang="en-US" altLang="en-US" dirty="0">
+                <a:latin typeface="+mj-lt"/>
+              </a:rPr>
+              <a:t>of the </a:t>
+            </a:r>
+            <a:r>
+              <a:rPr lang="en-US" altLang="en-US" i="1" dirty="0">
+                <a:latin typeface="+mj-lt"/>
+              </a:rPr>
+              <a:t>current </a:t>
+            </a:r>
+            <a:r>
+              <a:rPr lang="en-US" altLang="en-US" dirty="0">
+                <a:latin typeface="+mj-lt"/>
+              </a:rPr>
+              <a:t>node, do the following:</a:t>
+            </a:r>
+            <a:br>
+              <a:rPr lang="en-US" altLang="en-US" dirty="0">
+                <a:latin typeface="+mj-lt"/>
+              </a:rPr>
+            </a:br>
+            <a:r>
+              <a:rPr lang="en-US" altLang="en-US" dirty="0">
+                <a:latin typeface="+mj-lt"/>
+              </a:rPr>
+              <a:t>1. Assign temp = distance(root, </a:t>
+            </a:r>
+            <a:r>
+              <a:rPr lang="en-US" altLang="en-US" i="1" dirty="0">
+                <a:latin typeface="+mj-lt"/>
+              </a:rPr>
+              <a:t>current)</a:t>
+            </a:r>
+            <a:r>
+              <a:rPr lang="en-US" altLang="en-US" dirty="0">
+                <a:latin typeface="+mj-lt"/>
+              </a:rPr>
+              <a:t> + distance(current, child) + heuristic(child, goal).</a:t>
+            </a:r>
+            <a:br>
+              <a:rPr lang="en-US" altLang="en-US" dirty="0">
+                <a:latin typeface="+mj-lt"/>
+              </a:rPr>
+            </a:br>
+            <a:r>
+              <a:rPr lang="en-US" altLang="en-US" dirty="0">
+                <a:latin typeface="+mj-lt"/>
+              </a:rPr>
+              <a:t>2. If temp &lt; dis[child], then, assign </a:t>
+            </a:r>
+            <a:r>
+              <a:rPr lang="en-US" altLang="en-US" dirty="0" err="1">
+                <a:latin typeface="+mj-lt"/>
+              </a:rPr>
+              <a:t>dist</a:t>
+            </a:r>
+            <a:r>
+              <a:rPr lang="en-US" altLang="en-US" dirty="0">
+                <a:latin typeface="+mj-lt"/>
+              </a:rPr>
+              <a:t>[</a:t>
+            </a:r>
+            <a:r>
+              <a:rPr lang="en-US" altLang="en-US" i="1" dirty="0">
+                <a:latin typeface="+mj-lt"/>
+              </a:rPr>
+              <a:t>child</a:t>
+            </a:r>
+            <a:r>
+              <a:rPr lang="en-US" altLang="en-US" dirty="0">
+                <a:latin typeface="+mj-lt"/>
+              </a:rPr>
+              <a:t>] = temp. This denotes a shorter path to </a:t>
+            </a:r>
+            <a:r>
+              <a:rPr lang="en-US" altLang="en-US" i="1" dirty="0">
+                <a:latin typeface="+mj-lt"/>
+              </a:rPr>
+              <a:t>child </a:t>
+            </a:r>
+            <a:r>
+              <a:rPr lang="en-US" altLang="en-US" dirty="0">
+                <a:latin typeface="+mj-lt"/>
+              </a:rPr>
+              <a:t>node has been found.</a:t>
+            </a:r>
+            <a:br>
+              <a:rPr lang="en-US" altLang="en-US" dirty="0">
+                <a:latin typeface="+mj-lt"/>
+              </a:rPr>
+            </a:br>
+            <a:r>
+              <a:rPr lang="en-US" altLang="en-US" dirty="0">
+                <a:latin typeface="+mj-lt"/>
+              </a:rPr>
+              <a:t>3. And, add </a:t>
+            </a:r>
+            <a:r>
+              <a:rPr lang="en-US" altLang="en-US" i="1" dirty="0">
+                <a:latin typeface="+mj-lt"/>
+              </a:rPr>
+              <a:t>child </a:t>
+            </a:r>
+            <a:r>
+              <a:rPr lang="en-US" altLang="en-US" dirty="0">
+                <a:latin typeface="+mj-lt"/>
+              </a:rPr>
+              <a:t>node to the queue if not already in the queue (thus, it's now marked as not visited again).</a:t>
+            </a:r>
+            <a:br>
+              <a:rPr lang="en-US" altLang="en-US" dirty="0">
+                <a:latin typeface="+mj-lt"/>
+              </a:rPr>
+            </a:br>
+            <a:r>
+              <a:rPr lang="en-US" altLang="en-US" dirty="0">
+                <a:latin typeface="+mj-lt"/>
+              </a:rPr>
+              <a:t>4. If queue is empty, then </a:t>
+            </a:r>
+            <a:r>
+              <a:rPr lang="en-US" altLang="en-US" i="1" dirty="0">
+                <a:latin typeface="+mj-lt"/>
+              </a:rPr>
+              <a:t>goal </a:t>
+            </a:r>
+            <a:r>
+              <a:rPr lang="en-US" altLang="en-US" dirty="0">
+                <a:latin typeface="+mj-lt"/>
+              </a:rPr>
+              <a:t>node was not found!</a:t>
+            </a:r>
+            <a:r>
+              <a:rPr lang="en-US" altLang="en-US" sz="1600" dirty="0">
+                <a:latin typeface="+mj-lt"/>
+              </a:rPr>
+              <a:t> </a:t>
+            </a:r>
+            <a:endParaRPr lang="en-US" altLang="en-US" sz="2800" dirty="0">
+              <a:latin typeface="+mj-lt"/>
+            </a:endParaRPr>
+          </a:p>
+        </p:txBody>
+      </p:sp>
+    </p:spTree>
+    <p:extLst>
+      <p:ext uri="{BB962C8B-B14F-4D97-AF65-F5344CB8AC3E}">
+        <p14:creationId xmlns:p14="http://schemas.microsoft.com/office/powerpoint/2010/main" val="3650991031"/>
+      </p:ext>
+    </p:extLst>
+  </p:cSld>
+  <p:clrMapOvr>
+    <a:masterClrMapping/>
+  </p:clrMapOvr>
+</p:sld>
+</file>
+
+<file path=ppt/slides/slide12.xml><?xml version="1.0" encoding="utf-8"?>
+<p:sld xmlns:a="http://schemas.openxmlformats.org/drawingml/2006/main" xmlns:r="http://schemas.openxmlformats.org/officeDocument/2006/relationships" xmlns:p="http://schemas.openxmlformats.org/presentationml/2006/main">
+  <p:cSld>
+    <p:spTree>
+      <p:nvGrpSpPr>
+        <p:cNvPr id="1" name=""/>
+        <p:cNvGrpSpPr/>
+        <p:nvPr/>
+      </p:nvGrpSpPr>
+      <p:grpSpPr>
+        <a:xfrm>
+          <a:off x="0" y="0"/>
+          <a:ext cx="0" cy="0"/>
+          <a:chOff x="0" y="0"/>
+          <a:chExt cx="0" cy="0"/>
+        </a:xfrm>
+      </p:grpSpPr>
+      <p:sp>
+        <p:nvSpPr>
+          <p:cNvPr id="2" name="Title 1">
+            <a:extLst>
+              <a:ext uri="{FF2B5EF4-FFF2-40B4-BE49-F238E27FC236}">
+                <a16:creationId xmlns:a16="http://schemas.microsoft.com/office/drawing/2014/main" id="{5EF492F5-3D88-42FE-86A7-1D8E46B5225C}"/>
+              </a:ext>
+            </a:extLst>
+          </p:cNvPr>
+          <p:cNvSpPr>
+            <a:spLocks noGrp="1"/>
+          </p:cNvSpPr>
+          <p:nvPr>
+            <p:ph type="title"/>
+          </p:nvPr>
+        </p:nvSpPr>
+        <p:spPr/>
+        <p:txBody>
+          <a:bodyPr/>
+          <a:lstStyle/>
+          <a:p>
+            <a:r>
+              <a:rPr lang="en-IN" dirty="0"/>
+              <a:t>A* vs Dijkstra vs Greedy Best-first Search</a:t>
+            </a:r>
+          </a:p>
+        </p:txBody>
+      </p:sp>
+      <p:sp>
+        <p:nvSpPr>
+          <p:cNvPr id="3" name="Content Placeholder 2">
+            <a:extLst>
+              <a:ext uri="{FF2B5EF4-FFF2-40B4-BE49-F238E27FC236}">
+                <a16:creationId xmlns:a16="http://schemas.microsoft.com/office/drawing/2014/main" id="{99F1C0FD-FB60-4757-A98B-10C491BC7783}"/>
+              </a:ext>
+            </a:extLst>
+          </p:cNvPr>
+          <p:cNvSpPr>
+            <a:spLocks noGrp="1"/>
+          </p:cNvSpPr>
+          <p:nvPr>
+            <p:ph idx="1"/>
+          </p:nvPr>
+        </p:nvSpPr>
+        <p:spPr>
+          <a:xfrm>
+            <a:off x="810000" y="2474078"/>
+            <a:ext cx="3156940" cy="3636511"/>
+          </a:xfrm>
+        </p:spPr>
+        <p:style>
+          <a:lnRef idx="1">
+            <a:schemeClr val="accent1"/>
+          </a:lnRef>
+          <a:fillRef idx="3">
+            <a:schemeClr val="accent1"/>
+          </a:fillRef>
+          <a:effectRef idx="2">
+            <a:schemeClr val="accent1"/>
+          </a:effectRef>
+          <a:fontRef idx="minor">
+            <a:schemeClr val="lt1"/>
+          </a:fontRef>
+        </p:style>
+        <p:txBody>
+          <a:bodyPr/>
+          <a:lstStyle/>
+          <a:p>
+            <a:pPr marL="0" indent="0">
+              <a:buNone/>
+            </a:pPr>
+            <a:r>
+              <a:rPr lang="en-IN" b="1" dirty="0"/>
+              <a:t>A* SEARCH ALGORITHM</a:t>
+            </a:r>
+          </a:p>
+          <a:p>
+            <a:r>
+              <a:rPr lang="en-IN" dirty="0">
+                <a:solidFill>
+                  <a:schemeClr val="bg1"/>
+                </a:solidFill>
+              </a:rPr>
+              <a:t>OPTIMAL</a:t>
+            </a:r>
+          </a:p>
+          <a:p>
+            <a:r>
+              <a:rPr lang="en-IN" dirty="0">
+                <a:solidFill>
+                  <a:schemeClr val="bg1"/>
+                </a:solidFill>
+              </a:rPr>
+              <a:t>FAST</a:t>
+            </a:r>
+          </a:p>
+          <a:p>
+            <a:r>
+              <a:rPr lang="en-IN" dirty="0">
+                <a:solidFill>
+                  <a:schemeClr val="bg1"/>
+                </a:solidFill>
+              </a:rPr>
+              <a:t>SPACE EFFICIENT</a:t>
+            </a:r>
+          </a:p>
+          <a:p>
+            <a:endParaRPr lang="en-IN" dirty="0"/>
+          </a:p>
+        </p:txBody>
+      </p:sp>
+      <p:sp>
+        <p:nvSpPr>
+          <p:cNvPr id="4" name="Content Placeholder 2">
+            <a:extLst>
+              <a:ext uri="{FF2B5EF4-FFF2-40B4-BE49-F238E27FC236}">
+                <a16:creationId xmlns:a16="http://schemas.microsoft.com/office/drawing/2014/main" id="{E54F1A16-5CE1-40D1-A115-6FE5D2493DD7}"/>
+              </a:ext>
+            </a:extLst>
+          </p:cNvPr>
+          <p:cNvSpPr txBox="1">
+            <a:spLocks/>
+          </p:cNvSpPr>
+          <p:nvPr/>
+        </p:nvSpPr>
+        <p:spPr>
+          <a:xfrm>
+            <a:off x="4315199" y="2493958"/>
+            <a:ext cx="3156940" cy="3636511"/>
+          </a:xfrm>
+          <a:prstGeom prst="rect">
+            <a:avLst/>
+          </a:prstGeom>
+        </p:spPr>
+        <p:style>
+          <a:lnRef idx="1">
+            <a:schemeClr val="accent1"/>
+          </a:lnRef>
+          <a:fillRef idx="3">
+            <a:schemeClr val="accent1"/>
+          </a:fillRef>
+          <a:effectRef idx="2">
+            <a:schemeClr val="accent1"/>
+          </a:effectRef>
+          <a:fontRef idx="minor">
+            <a:schemeClr val="lt1"/>
+          </a:fontRef>
+        </p:style>
+        <p:txBody>
+          <a:bodyPr vert="horz" lIns="91440" tIns="45720" rIns="91440" bIns="45720" rtlCol="0" anchor="ctr">
+            <a:normAutofit/>
+          </a:bodyPr>
+          <a:lstStyle>
+            <a:lvl1pPr marL="342900" indent="-342900" algn="l" defTabSz="457200" rtl="0" eaLnBrk="1" latinLnBrk="0" hangingPunct="1">
+              <a:spcBef>
+                <a:spcPct val="20000"/>
+              </a:spcBef>
+              <a:spcAft>
+                <a:spcPts val="600"/>
+              </a:spcAft>
+              <a:buClr>
+                <a:schemeClr val="accent1"/>
+              </a:buClr>
+              <a:buFont typeface="Wingdings 2" charset="2"/>
+              <a:buChar char=""/>
+              <a:defRPr sz="1800" kern="1200">
+                <a:solidFill>
+                  <a:schemeClr val="lt1"/>
+                </a:solidFill>
+                <a:latin typeface="+mn-lt"/>
+                <a:ea typeface="+mn-ea"/>
+                <a:cs typeface="+mn-cs"/>
+              </a:defRPr>
+            </a:lvl1pPr>
+            <a:lvl2pPr marL="742950" indent="-285750" algn="l" defTabSz="457200" rtl="0" eaLnBrk="1" latinLnBrk="0" hangingPunct="1">
+              <a:spcBef>
+                <a:spcPct val="20000"/>
+              </a:spcBef>
+              <a:spcAft>
+                <a:spcPts val="600"/>
+              </a:spcAft>
+              <a:buClr>
+                <a:schemeClr val="accent1"/>
+              </a:buClr>
+              <a:buFont typeface="Wingdings 2" charset="2"/>
+              <a:buChar char=""/>
+              <a:defRPr sz="1600" kern="1200">
+                <a:solidFill>
+                  <a:schemeClr val="lt1"/>
+                </a:solidFill>
+                <a:latin typeface="+mn-lt"/>
+                <a:ea typeface="+mn-ea"/>
+                <a:cs typeface="+mn-cs"/>
+              </a:defRPr>
+            </a:lvl2pPr>
+            <a:lvl3pPr marL="1143000" indent="-228600" algn="l" defTabSz="457200" rtl="0" eaLnBrk="1" latinLnBrk="0" hangingPunct="1">
+              <a:spcBef>
+                <a:spcPct val="20000"/>
+              </a:spcBef>
+              <a:spcAft>
+                <a:spcPts val="600"/>
+              </a:spcAft>
+              <a:buClr>
+                <a:schemeClr val="accent1"/>
+              </a:buClr>
+              <a:buFont typeface="Wingdings 2" charset="2"/>
+              <a:buChar char=""/>
+              <a:defRPr sz="1400" kern="1200">
+                <a:solidFill>
+                  <a:schemeClr val="lt1"/>
+                </a:solidFill>
+                <a:latin typeface="+mn-lt"/>
+                <a:ea typeface="+mn-ea"/>
+                <a:cs typeface="+mn-cs"/>
+              </a:defRPr>
+            </a:lvl3pPr>
+            <a:lvl4pPr marL="1600200" indent="-228600" algn="l" defTabSz="457200" rtl="0" eaLnBrk="1" latinLnBrk="0" hangingPunct="1">
+              <a:spcBef>
+                <a:spcPct val="20000"/>
+              </a:spcBef>
+              <a:spcAft>
+                <a:spcPts val="600"/>
+              </a:spcAft>
+              <a:buClr>
+                <a:schemeClr val="accent1"/>
+              </a:buClr>
+              <a:buFont typeface="Wingdings 2" charset="2"/>
+              <a:buChar char=""/>
+              <a:defRPr sz="1200" kern="1200">
+                <a:solidFill>
+                  <a:schemeClr val="lt1"/>
+                </a:solidFill>
+                <a:latin typeface="+mn-lt"/>
+                <a:ea typeface="+mn-ea"/>
+                <a:cs typeface="+mn-cs"/>
+              </a:defRPr>
+            </a:lvl4pPr>
+            <a:lvl5pPr marL="2057400" indent="-228600" algn="l" defTabSz="457200" rtl="0" eaLnBrk="1" latinLnBrk="0" hangingPunct="1">
+              <a:spcBef>
+                <a:spcPct val="20000"/>
+              </a:spcBef>
+              <a:spcAft>
+                <a:spcPts val="600"/>
+              </a:spcAft>
+              <a:buClr>
+                <a:schemeClr val="accent1"/>
+              </a:buClr>
+              <a:buFont typeface="Wingdings 2" charset="2"/>
+              <a:buChar char=""/>
+              <a:defRPr sz="1200" kern="1200">
+                <a:solidFill>
+                  <a:schemeClr val="lt1"/>
+                </a:solidFill>
+                <a:latin typeface="+mn-lt"/>
+                <a:ea typeface="+mn-ea"/>
+                <a:cs typeface="+mn-cs"/>
+              </a:defRPr>
+            </a:lvl5pPr>
+            <a:lvl6pPr marL="2400000" indent="-228600" algn="l" defTabSz="457200" rtl="0" eaLnBrk="1" latinLnBrk="0" hangingPunct="1">
+              <a:spcBef>
+                <a:spcPct val="20000"/>
+              </a:spcBef>
+              <a:spcAft>
+                <a:spcPts val="600"/>
+              </a:spcAft>
+              <a:buClr>
+                <a:schemeClr val="accent1"/>
+              </a:buClr>
+              <a:buFont typeface="Wingdings 2" charset="2"/>
+              <a:buChar char=""/>
+              <a:defRPr sz="1200" kern="1200">
+                <a:solidFill>
+                  <a:schemeClr val="lt1"/>
+                </a:solidFill>
+                <a:latin typeface="+mn-lt"/>
+                <a:ea typeface="+mn-ea"/>
+                <a:cs typeface="+mn-cs"/>
+              </a:defRPr>
+            </a:lvl6pPr>
+            <a:lvl7pPr marL="2800000" indent="-228600" algn="l" defTabSz="457200" rtl="0" eaLnBrk="1" latinLnBrk="0" hangingPunct="1">
+              <a:spcBef>
+                <a:spcPct val="20000"/>
+              </a:spcBef>
+              <a:spcAft>
+                <a:spcPts val="600"/>
+              </a:spcAft>
+              <a:buClr>
+                <a:schemeClr val="accent1"/>
+              </a:buClr>
+              <a:buFont typeface="Wingdings 2" charset="2"/>
+              <a:buChar char=""/>
+              <a:defRPr sz="1200" kern="1200">
+                <a:solidFill>
+                  <a:schemeClr val="lt1"/>
+                </a:solidFill>
+                <a:latin typeface="+mn-lt"/>
+                <a:ea typeface="+mn-ea"/>
+                <a:cs typeface="+mn-cs"/>
+              </a:defRPr>
+            </a:lvl7pPr>
+            <a:lvl8pPr marL="3200000" indent="-228600" algn="l" defTabSz="457200" rtl="0" eaLnBrk="1" latinLnBrk="0" hangingPunct="1">
+              <a:spcBef>
+                <a:spcPct val="20000"/>
+              </a:spcBef>
+              <a:spcAft>
+                <a:spcPts val="600"/>
+              </a:spcAft>
+              <a:buClr>
+                <a:schemeClr val="accent1"/>
+              </a:buClr>
+              <a:buFont typeface="Wingdings 2" charset="2"/>
+              <a:buChar char=""/>
+              <a:defRPr sz="1200" kern="1200">
+                <a:solidFill>
+                  <a:schemeClr val="lt1"/>
+                </a:solidFill>
+                <a:latin typeface="+mn-lt"/>
+                <a:ea typeface="+mn-ea"/>
+                <a:cs typeface="+mn-cs"/>
+              </a:defRPr>
+            </a:lvl8pPr>
+            <a:lvl9pPr marL="3600000" indent="-228600" algn="l" defTabSz="457200" rtl="0" eaLnBrk="1" latinLnBrk="0" hangingPunct="1">
+              <a:spcBef>
+                <a:spcPct val="20000"/>
+              </a:spcBef>
+              <a:spcAft>
+                <a:spcPts val="600"/>
+              </a:spcAft>
+              <a:buClr>
+                <a:schemeClr val="accent1"/>
+              </a:buClr>
+              <a:buFont typeface="Wingdings 2" charset="2"/>
+              <a:buChar char=""/>
+              <a:defRPr sz="1200" kern="1200">
+                <a:solidFill>
+                  <a:schemeClr val="lt1"/>
+                </a:solidFill>
+                <a:latin typeface="+mn-lt"/>
+                <a:ea typeface="+mn-ea"/>
+                <a:cs typeface="+mn-cs"/>
+              </a:defRPr>
+            </a:lvl9pPr>
+          </a:lstStyle>
+          <a:p>
+            <a:pPr marL="0" indent="0">
+              <a:buNone/>
+            </a:pPr>
+            <a:r>
+              <a:rPr lang="en-IN" b="1" dirty="0"/>
+              <a:t>DIJKSTRA’S ALGORITHM</a:t>
+            </a:r>
+          </a:p>
+          <a:p>
+            <a:r>
+              <a:rPr lang="en-IN" dirty="0">
+                <a:solidFill>
+                  <a:schemeClr val="bg1"/>
+                </a:solidFill>
+              </a:rPr>
+              <a:t>OPTIMAL</a:t>
+            </a:r>
+          </a:p>
+          <a:p>
+            <a:r>
+              <a:rPr lang="en-IN" dirty="0">
+                <a:solidFill>
+                  <a:schemeClr val="bg1"/>
+                </a:solidFill>
+              </a:rPr>
+              <a:t>FAST</a:t>
+            </a:r>
+          </a:p>
+          <a:p>
+            <a:r>
+              <a:rPr lang="en-IN" dirty="0">
+                <a:solidFill>
+                  <a:schemeClr val="bg1"/>
+                </a:solidFill>
+              </a:rPr>
+              <a:t>SPACE EFFICIENT</a:t>
+            </a:r>
+          </a:p>
+          <a:p>
+            <a:endParaRPr lang="en-IN" dirty="0"/>
+          </a:p>
+        </p:txBody>
+      </p:sp>
+      <p:sp>
+        <p:nvSpPr>
+          <p:cNvPr id="5" name="Content Placeholder 2">
+            <a:extLst>
+              <a:ext uri="{FF2B5EF4-FFF2-40B4-BE49-F238E27FC236}">
+                <a16:creationId xmlns:a16="http://schemas.microsoft.com/office/drawing/2014/main" id="{8EDFADFF-F75D-4667-82C3-A04E19B8B1C3}"/>
+              </a:ext>
+            </a:extLst>
+          </p:cNvPr>
+          <p:cNvSpPr txBox="1">
+            <a:spLocks/>
+          </p:cNvSpPr>
+          <p:nvPr/>
+        </p:nvSpPr>
+        <p:spPr>
+          <a:xfrm>
+            <a:off x="7827038" y="2493958"/>
+            <a:ext cx="3156940" cy="3636511"/>
+          </a:xfrm>
+          <a:prstGeom prst="rect">
+            <a:avLst/>
+          </a:prstGeom>
+        </p:spPr>
+        <p:style>
+          <a:lnRef idx="1">
+            <a:schemeClr val="accent1"/>
+          </a:lnRef>
+          <a:fillRef idx="3">
+            <a:schemeClr val="accent1"/>
+          </a:fillRef>
+          <a:effectRef idx="2">
+            <a:schemeClr val="accent1"/>
+          </a:effectRef>
+          <a:fontRef idx="minor">
+            <a:schemeClr val="lt1"/>
+          </a:fontRef>
+        </p:style>
+        <p:txBody>
+          <a:bodyPr vert="horz" lIns="91440" tIns="45720" rIns="91440" bIns="45720" rtlCol="0" anchor="ctr">
+            <a:normAutofit/>
+          </a:bodyPr>
+          <a:lstStyle>
+            <a:lvl1pPr marL="342900" indent="-342900" algn="l" defTabSz="457200" rtl="0" eaLnBrk="1" latinLnBrk="0" hangingPunct="1">
+              <a:spcBef>
+                <a:spcPct val="20000"/>
+              </a:spcBef>
+              <a:spcAft>
+                <a:spcPts val="600"/>
+              </a:spcAft>
+              <a:buClr>
+                <a:schemeClr val="accent1"/>
+              </a:buClr>
+              <a:buFont typeface="Wingdings 2" charset="2"/>
+              <a:buChar char=""/>
+              <a:defRPr sz="1800" kern="1200">
+                <a:solidFill>
+                  <a:schemeClr val="lt1"/>
+                </a:solidFill>
+                <a:latin typeface="+mn-lt"/>
+                <a:ea typeface="+mn-ea"/>
+                <a:cs typeface="+mn-cs"/>
+              </a:defRPr>
+            </a:lvl1pPr>
+            <a:lvl2pPr marL="742950" indent="-285750" algn="l" defTabSz="457200" rtl="0" eaLnBrk="1" latinLnBrk="0" hangingPunct="1">
+              <a:spcBef>
+                <a:spcPct val="20000"/>
+              </a:spcBef>
+              <a:spcAft>
+                <a:spcPts val="600"/>
+              </a:spcAft>
+              <a:buClr>
+                <a:schemeClr val="accent1"/>
+              </a:buClr>
+              <a:buFont typeface="Wingdings 2" charset="2"/>
+              <a:buChar char=""/>
+              <a:defRPr sz="1600" kern="1200">
+                <a:solidFill>
+                  <a:schemeClr val="lt1"/>
+                </a:solidFill>
+                <a:latin typeface="+mn-lt"/>
+                <a:ea typeface="+mn-ea"/>
+                <a:cs typeface="+mn-cs"/>
+              </a:defRPr>
+            </a:lvl2pPr>
+            <a:lvl3pPr marL="1143000" indent="-228600" algn="l" defTabSz="457200" rtl="0" eaLnBrk="1" latinLnBrk="0" hangingPunct="1">
+              <a:spcBef>
+                <a:spcPct val="20000"/>
+              </a:spcBef>
+              <a:spcAft>
+                <a:spcPts val="600"/>
+              </a:spcAft>
+              <a:buClr>
+                <a:schemeClr val="accent1"/>
+              </a:buClr>
+              <a:buFont typeface="Wingdings 2" charset="2"/>
+              <a:buChar char=""/>
+              <a:defRPr sz="1400" kern="1200">
+                <a:solidFill>
+                  <a:schemeClr val="lt1"/>
+                </a:solidFill>
+                <a:latin typeface="+mn-lt"/>
+                <a:ea typeface="+mn-ea"/>
+                <a:cs typeface="+mn-cs"/>
+              </a:defRPr>
+            </a:lvl3pPr>
+            <a:lvl4pPr marL="1600200" indent="-228600" algn="l" defTabSz="457200" rtl="0" eaLnBrk="1" latinLnBrk="0" hangingPunct="1">
+              <a:spcBef>
+                <a:spcPct val="20000"/>
+              </a:spcBef>
+              <a:spcAft>
+                <a:spcPts val="600"/>
+              </a:spcAft>
+              <a:buClr>
+                <a:schemeClr val="accent1"/>
+              </a:buClr>
+              <a:buFont typeface="Wingdings 2" charset="2"/>
+              <a:buChar char=""/>
+              <a:defRPr sz="1200" kern="1200">
+                <a:solidFill>
+                  <a:schemeClr val="lt1"/>
+                </a:solidFill>
+                <a:latin typeface="+mn-lt"/>
+                <a:ea typeface="+mn-ea"/>
+                <a:cs typeface="+mn-cs"/>
+              </a:defRPr>
+            </a:lvl4pPr>
+            <a:lvl5pPr marL="2057400" indent="-228600" algn="l" defTabSz="457200" rtl="0" eaLnBrk="1" latinLnBrk="0" hangingPunct="1">
+              <a:spcBef>
+                <a:spcPct val="20000"/>
+              </a:spcBef>
+              <a:spcAft>
+                <a:spcPts val="600"/>
+              </a:spcAft>
+              <a:buClr>
+                <a:schemeClr val="accent1"/>
+              </a:buClr>
+              <a:buFont typeface="Wingdings 2" charset="2"/>
+              <a:buChar char=""/>
+              <a:defRPr sz="1200" kern="1200">
+                <a:solidFill>
+                  <a:schemeClr val="lt1"/>
+                </a:solidFill>
+                <a:latin typeface="+mn-lt"/>
+                <a:ea typeface="+mn-ea"/>
+                <a:cs typeface="+mn-cs"/>
+              </a:defRPr>
+            </a:lvl5pPr>
+            <a:lvl6pPr marL="2400000" indent="-228600" algn="l" defTabSz="457200" rtl="0" eaLnBrk="1" latinLnBrk="0" hangingPunct="1">
+              <a:spcBef>
+                <a:spcPct val="20000"/>
+              </a:spcBef>
+              <a:spcAft>
+                <a:spcPts val="600"/>
+              </a:spcAft>
+              <a:buClr>
+                <a:schemeClr val="accent1"/>
+              </a:buClr>
+              <a:buFont typeface="Wingdings 2" charset="2"/>
+              <a:buChar char=""/>
+              <a:defRPr sz="1200" kern="1200">
+                <a:solidFill>
+                  <a:schemeClr val="lt1"/>
+                </a:solidFill>
+                <a:latin typeface="+mn-lt"/>
+                <a:ea typeface="+mn-ea"/>
+                <a:cs typeface="+mn-cs"/>
+              </a:defRPr>
+            </a:lvl6pPr>
+            <a:lvl7pPr marL="2800000" indent="-228600" algn="l" defTabSz="457200" rtl="0" eaLnBrk="1" latinLnBrk="0" hangingPunct="1">
+              <a:spcBef>
+                <a:spcPct val="20000"/>
+              </a:spcBef>
+              <a:spcAft>
+                <a:spcPts val="600"/>
+              </a:spcAft>
+              <a:buClr>
+                <a:schemeClr val="accent1"/>
+              </a:buClr>
+              <a:buFont typeface="Wingdings 2" charset="2"/>
+              <a:buChar char=""/>
+              <a:defRPr sz="1200" kern="1200">
+                <a:solidFill>
+                  <a:schemeClr val="lt1"/>
+                </a:solidFill>
+                <a:latin typeface="+mn-lt"/>
+                <a:ea typeface="+mn-ea"/>
+                <a:cs typeface="+mn-cs"/>
+              </a:defRPr>
+            </a:lvl7pPr>
+            <a:lvl8pPr marL="3200000" indent="-228600" algn="l" defTabSz="457200" rtl="0" eaLnBrk="1" latinLnBrk="0" hangingPunct="1">
+              <a:spcBef>
+                <a:spcPct val="20000"/>
+              </a:spcBef>
+              <a:spcAft>
+                <a:spcPts val="600"/>
+              </a:spcAft>
+              <a:buClr>
+                <a:schemeClr val="accent1"/>
+              </a:buClr>
+              <a:buFont typeface="Wingdings 2" charset="2"/>
+              <a:buChar char=""/>
+              <a:defRPr sz="1200" kern="1200">
+                <a:solidFill>
+                  <a:schemeClr val="lt1"/>
+                </a:solidFill>
+                <a:latin typeface="+mn-lt"/>
+                <a:ea typeface="+mn-ea"/>
+                <a:cs typeface="+mn-cs"/>
+              </a:defRPr>
+            </a:lvl8pPr>
+            <a:lvl9pPr marL="3600000" indent="-228600" algn="l" defTabSz="457200" rtl="0" eaLnBrk="1" latinLnBrk="0" hangingPunct="1">
+              <a:spcBef>
+                <a:spcPct val="20000"/>
+              </a:spcBef>
+              <a:spcAft>
+                <a:spcPts val="600"/>
+              </a:spcAft>
+              <a:buClr>
+                <a:schemeClr val="accent1"/>
+              </a:buClr>
+              <a:buFont typeface="Wingdings 2" charset="2"/>
+              <a:buChar char=""/>
+              <a:defRPr sz="1200" kern="1200">
+                <a:solidFill>
+                  <a:schemeClr val="lt1"/>
+                </a:solidFill>
+                <a:latin typeface="+mn-lt"/>
+                <a:ea typeface="+mn-ea"/>
+                <a:cs typeface="+mn-cs"/>
+              </a:defRPr>
+            </a:lvl9pPr>
+          </a:lstStyle>
+          <a:p>
+            <a:pPr marL="0" indent="0">
+              <a:buNone/>
+            </a:pPr>
+            <a:r>
+              <a:rPr lang="en-IN" b="1" dirty="0"/>
+              <a:t>GREEDY BEST-FIRST SEARCH</a:t>
+            </a:r>
+          </a:p>
+          <a:p>
+            <a:r>
+              <a:rPr lang="en-IN" dirty="0">
+                <a:solidFill>
+                  <a:schemeClr val="bg1"/>
+                </a:solidFill>
+              </a:rPr>
+              <a:t>OPTIMAL</a:t>
+            </a:r>
+          </a:p>
+          <a:p>
+            <a:r>
+              <a:rPr lang="en-IN" dirty="0">
+                <a:solidFill>
+                  <a:schemeClr val="bg1"/>
+                </a:solidFill>
+              </a:rPr>
+              <a:t>FAST</a:t>
+            </a:r>
+          </a:p>
+          <a:p>
+            <a:r>
+              <a:rPr lang="en-IN" dirty="0">
+                <a:solidFill>
+                  <a:schemeClr val="bg1"/>
+                </a:solidFill>
+              </a:rPr>
+              <a:t>SPACE EFFICIENT</a:t>
+            </a:r>
+          </a:p>
+          <a:p>
+            <a:endParaRPr lang="en-IN" dirty="0"/>
+          </a:p>
+        </p:txBody>
+      </p:sp>
+      <p:pic>
+        <p:nvPicPr>
+          <p:cNvPr id="1028" name="Picture 4" descr="Image result for CORRECT CLIP ART">
+            <a:extLst>
+              <a:ext uri="{FF2B5EF4-FFF2-40B4-BE49-F238E27FC236}">
+                <a16:creationId xmlns:a16="http://schemas.microsoft.com/office/drawing/2014/main" id="{4D77B8DD-28F7-4839-AC9F-E56D94712A8A}"/>
+              </a:ext>
+            </a:extLst>
+          </p:cNvPr>
+          <p:cNvPicPr>
+            <a:picLocks noChangeAspect="1" noChangeArrowheads="1"/>
+          </p:cNvPicPr>
+          <p:nvPr/>
+        </p:nvPicPr>
+        <p:blipFill>
+          <a:blip r:embed="rId2">
+            <a:extLst>
+              <a:ext uri="{BEBA8EAE-BF5A-486C-A8C5-ECC9F3942E4B}">
+                <a14:imgProps xmlns:a14="http://schemas.microsoft.com/office/drawing/2010/main">
+                  <a14:imgLayer r:embed="rId3">
+                    <a14:imgEffect>
+                      <a14:backgroundRemoval t="21908" b="78092" l="54000" r="90000"/>
+                    </a14:imgEffect>
+                  </a14:imgLayer>
+                </a14:imgProps>
+              </a:ext>
+              <a:ext uri="{28A0092B-C50C-407E-A947-70E740481C1C}">
+                <a14:useLocalDpi xmlns:a14="http://schemas.microsoft.com/office/drawing/2010/main" val="0"/>
+              </a:ext>
+            </a:extLst>
+          </a:blip>
+          <a:srcRect/>
+          <a:stretch>
+            <a:fillRect/>
+          </a:stretch>
+        </p:blipFill>
+        <p:spPr bwMode="auto">
+          <a:xfrm>
+            <a:off x="2531164" y="4365222"/>
+            <a:ext cx="1114571" cy="700941"/>
+          </a:xfrm>
+          <a:prstGeom prst="rect">
+            <a:avLst/>
+          </a:prstGeom>
+          <a:noFill/>
+          <a:extLst>
+            <a:ext uri="{909E8E84-426E-40DD-AFC4-6F175D3DCCD1}">
+              <a14:hiddenFill xmlns:a14="http://schemas.microsoft.com/office/drawing/2010/main">
+                <a:solidFill>
+                  <a:srgbClr val="FFFFFF"/>
+                </a:solidFill>
+              </a14:hiddenFill>
+            </a:ext>
+          </a:extLst>
+        </p:spPr>
+      </p:pic>
+      <p:pic>
+        <p:nvPicPr>
+          <p:cNvPr id="8" name="Picture 4" descr="Image result for CORRECT CLIP ART">
+            <a:extLst>
+              <a:ext uri="{FF2B5EF4-FFF2-40B4-BE49-F238E27FC236}">
+                <a16:creationId xmlns:a16="http://schemas.microsoft.com/office/drawing/2014/main" id="{1710ED58-D3C4-4075-BF06-FAC52A97FFD7}"/>
+              </a:ext>
+            </a:extLst>
+          </p:cNvPr>
+          <p:cNvPicPr>
+            <a:picLocks noChangeAspect="1" noChangeArrowheads="1"/>
+          </p:cNvPicPr>
+          <p:nvPr/>
+        </p:nvPicPr>
+        <p:blipFill>
+          <a:blip r:embed="rId2">
+            <a:extLst>
+              <a:ext uri="{BEBA8EAE-BF5A-486C-A8C5-ECC9F3942E4B}">
+                <a14:imgProps xmlns:a14="http://schemas.microsoft.com/office/drawing/2010/main">
+                  <a14:imgLayer r:embed="rId3">
+                    <a14:imgEffect>
+                      <a14:backgroundRemoval t="21908" b="78092" l="54000" r="90000"/>
+                    </a14:imgEffect>
+                  </a14:imgLayer>
+                </a14:imgProps>
+              </a:ext>
+              <a:ext uri="{28A0092B-C50C-407E-A947-70E740481C1C}">
+                <a14:useLocalDpi xmlns:a14="http://schemas.microsoft.com/office/drawing/2010/main" val="0"/>
+              </a:ext>
+            </a:extLst>
+          </a:blip>
+          <a:srcRect/>
+          <a:stretch>
+            <a:fillRect/>
+          </a:stretch>
+        </p:blipFill>
+        <p:spPr bwMode="auto">
+          <a:xfrm>
+            <a:off x="8739808" y="3591392"/>
+            <a:ext cx="1114571" cy="700941"/>
+          </a:xfrm>
+          <a:prstGeom prst="rect">
+            <a:avLst/>
+          </a:prstGeom>
+          <a:noFill/>
+          <a:extLst>
+            <a:ext uri="{909E8E84-426E-40DD-AFC4-6F175D3DCCD1}">
+              <a14:hiddenFill xmlns:a14="http://schemas.microsoft.com/office/drawing/2010/main">
+                <a:solidFill>
+                  <a:srgbClr val="FFFFFF"/>
+                </a:solidFill>
+              </a14:hiddenFill>
+            </a:ext>
+          </a:extLst>
+        </p:spPr>
+      </p:pic>
+      <p:pic>
+        <p:nvPicPr>
+          <p:cNvPr id="9" name="Picture 4" descr="Image result for CORRECT CLIP ART">
+            <a:extLst>
+              <a:ext uri="{FF2B5EF4-FFF2-40B4-BE49-F238E27FC236}">
+                <a16:creationId xmlns:a16="http://schemas.microsoft.com/office/drawing/2014/main" id="{372D4E93-0323-409E-B114-5B54530C4A49}"/>
+              </a:ext>
+            </a:extLst>
+          </p:cNvPr>
+          <p:cNvPicPr>
+            <a:picLocks noChangeAspect="1" noChangeArrowheads="1"/>
+          </p:cNvPicPr>
+          <p:nvPr/>
+        </p:nvPicPr>
+        <p:blipFill>
+          <a:blip r:embed="rId2">
+            <a:extLst>
+              <a:ext uri="{BEBA8EAE-BF5A-486C-A8C5-ECC9F3942E4B}">
+                <a14:imgProps xmlns:a14="http://schemas.microsoft.com/office/drawing/2010/main">
+                  <a14:imgLayer r:embed="rId3">
+                    <a14:imgEffect>
+                      <a14:backgroundRemoval t="21908" b="78092" l="54000" r="90000"/>
+                    </a14:imgEffect>
+                  </a14:imgLayer>
+                </a14:imgProps>
+              </a:ext>
+              <a:ext uri="{28A0092B-C50C-407E-A947-70E740481C1C}">
+                <a14:useLocalDpi xmlns:a14="http://schemas.microsoft.com/office/drawing/2010/main" val="0"/>
+              </a:ext>
+            </a:extLst>
+          </a:blip>
+          <a:srcRect/>
+          <a:stretch>
+            <a:fillRect/>
+          </a:stretch>
+        </p:blipFill>
+        <p:spPr bwMode="auto">
+          <a:xfrm>
+            <a:off x="4779098" y="3961742"/>
+            <a:ext cx="1114571" cy="700941"/>
+          </a:xfrm>
+          <a:prstGeom prst="rect">
+            <a:avLst/>
+          </a:prstGeom>
+          <a:noFill/>
+          <a:extLst>
+            <a:ext uri="{909E8E84-426E-40DD-AFC4-6F175D3DCCD1}">
+              <a14:hiddenFill xmlns:a14="http://schemas.microsoft.com/office/drawing/2010/main">
+                <a:solidFill>
+                  <a:srgbClr val="FFFFFF"/>
+                </a:solidFill>
+              </a14:hiddenFill>
+            </a:ext>
+          </a:extLst>
+        </p:spPr>
+      </p:pic>
+      <p:pic>
+        <p:nvPicPr>
+          <p:cNvPr id="1030" name="Picture 6" descr="Image result for CORRECT CLIP ART">
+            <a:extLst>
+              <a:ext uri="{FF2B5EF4-FFF2-40B4-BE49-F238E27FC236}">
+                <a16:creationId xmlns:a16="http://schemas.microsoft.com/office/drawing/2014/main" id="{0C4062EC-36AF-4BBE-9F1E-C23DBDA34C78}"/>
+              </a:ext>
+            </a:extLst>
+          </p:cNvPr>
+          <p:cNvPicPr>
+            <a:picLocks noChangeAspect="1" noChangeArrowheads="1"/>
+          </p:cNvPicPr>
+          <p:nvPr/>
+        </p:nvPicPr>
+        <p:blipFill rotWithShape="1">
+          <a:blip r:embed="rId4">
+            <a:extLst>
+              <a:ext uri="{BEBA8EAE-BF5A-486C-A8C5-ECC9F3942E4B}">
+                <a14:imgProps xmlns:a14="http://schemas.microsoft.com/office/drawing/2010/main">
+                  <a14:imgLayer r:embed="rId3">
+                    <a14:imgEffect>
+                      <a14:backgroundRemoval t="21983" b="75356" l="9745" r="48825"/>
+                    </a14:imgEffect>
+                  </a14:imgLayer>
+                </a14:imgProps>
+              </a:ext>
+              <a:ext uri="{28A0092B-C50C-407E-A947-70E740481C1C}">
+                <a14:useLocalDpi xmlns:a14="http://schemas.microsoft.com/office/drawing/2010/main" val="0"/>
+              </a:ext>
+            </a:extLst>
+          </a:blip>
+          <a:srcRect l="4860" t="15312" r="46290" b="17972"/>
+          <a:stretch/>
+        </p:blipFill>
+        <p:spPr bwMode="auto">
+          <a:xfrm>
+            <a:off x="2337621" y="3591392"/>
+            <a:ext cx="660120" cy="566970"/>
+          </a:xfrm>
+          <a:prstGeom prst="rect">
+            <a:avLst/>
+          </a:prstGeom>
+          <a:noFill/>
+          <a:extLst>
+            <a:ext uri="{909E8E84-426E-40DD-AFC4-6F175D3DCCD1}">
+              <a14:hiddenFill xmlns:a14="http://schemas.microsoft.com/office/drawing/2010/main">
+                <a:solidFill>
+                  <a:srgbClr val="FFFFFF"/>
+                </a:solidFill>
+              </a14:hiddenFill>
+            </a:ext>
+          </a:extLst>
+        </p:spPr>
+      </p:pic>
+      <p:pic>
+        <p:nvPicPr>
+          <p:cNvPr id="11" name="Picture 6" descr="Image result for CORRECT CLIP ART">
+            <a:extLst>
+              <a:ext uri="{FF2B5EF4-FFF2-40B4-BE49-F238E27FC236}">
+                <a16:creationId xmlns:a16="http://schemas.microsoft.com/office/drawing/2014/main" id="{F3CE6637-1F10-4AFE-A447-26E4741AF283}"/>
+              </a:ext>
+            </a:extLst>
+          </p:cNvPr>
+          <p:cNvPicPr>
+            <a:picLocks noChangeAspect="1" noChangeArrowheads="1"/>
+          </p:cNvPicPr>
+          <p:nvPr/>
+        </p:nvPicPr>
+        <p:blipFill rotWithShape="1">
+          <a:blip r:embed="rId4">
+            <a:extLst>
+              <a:ext uri="{BEBA8EAE-BF5A-486C-A8C5-ECC9F3942E4B}">
+                <a14:imgProps xmlns:a14="http://schemas.microsoft.com/office/drawing/2010/main">
+                  <a14:imgLayer r:embed="rId3">
+                    <a14:imgEffect>
+                      <a14:backgroundRemoval t="21983" b="75356" l="9745" r="48825"/>
+                    </a14:imgEffect>
+                  </a14:imgLayer>
+                </a14:imgProps>
+              </a:ext>
+              <a:ext uri="{28A0092B-C50C-407E-A947-70E740481C1C}">
+                <a14:useLocalDpi xmlns:a14="http://schemas.microsoft.com/office/drawing/2010/main" val="0"/>
+              </a:ext>
+            </a:extLst>
+          </a:blip>
+          <a:srcRect l="4860" t="15312" r="46290" b="17972"/>
+          <a:stretch/>
+        </p:blipFill>
+        <p:spPr bwMode="auto">
+          <a:xfrm>
+            <a:off x="1747895" y="3916068"/>
+            <a:ext cx="660120" cy="566970"/>
+          </a:xfrm>
+          <a:prstGeom prst="rect">
+            <a:avLst/>
+          </a:prstGeom>
+          <a:noFill/>
+          <a:extLst>
+            <a:ext uri="{909E8E84-426E-40DD-AFC4-6F175D3DCCD1}">
+              <a14:hiddenFill xmlns:a14="http://schemas.microsoft.com/office/drawing/2010/main">
+                <a:solidFill>
+                  <a:srgbClr val="FFFFFF"/>
+                </a:solidFill>
+              </a14:hiddenFill>
+            </a:ext>
+          </a:extLst>
+        </p:spPr>
+      </p:pic>
+      <p:pic>
+        <p:nvPicPr>
+          <p:cNvPr id="12" name="Picture 6" descr="Image result for CORRECT CLIP ART">
+            <a:extLst>
+              <a:ext uri="{FF2B5EF4-FFF2-40B4-BE49-F238E27FC236}">
+                <a16:creationId xmlns:a16="http://schemas.microsoft.com/office/drawing/2014/main" id="{017B8594-D5F2-4047-8C8C-A1006B54E4FB}"/>
+              </a:ext>
+            </a:extLst>
+          </p:cNvPr>
+          <p:cNvPicPr>
+            <a:picLocks noChangeAspect="1" noChangeArrowheads="1"/>
+          </p:cNvPicPr>
+          <p:nvPr/>
+        </p:nvPicPr>
+        <p:blipFill rotWithShape="1">
+          <a:blip r:embed="rId4">
+            <a:extLst>
+              <a:ext uri="{BEBA8EAE-BF5A-486C-A8C5-ECC9F3942E4B}">
+                <a14:imgProps xmlns:a14="http://schemas.microsoft.com/office/drawing/2010/main">
+                  <a14:imgLayer r:embed="rId3">
+                    <a14:imgEffect>
+                      <a14:backgroundRemoval t="21983" b="75356" l="9745" r="48825"/>
+                    </a14:imgEffect>
+                  </a14:imgLayer>
+                </a14:imgProps>
+              </a:ext>
+              <a:ext uri="{28A0092B-C50C-407E-A947-70E740481C1C}">
+                <a14:useLocalDpi xmlns:a14="http://schemas.microsoft.com/office/drawing/2010/main" val="0"/>
+              </a:ext>
+            </a:extLst>
+          </a:blip>
+          <a:srcRect l="4860" t="15312" r="46290" b="17972"/>
+          <a:stretch/>
+        </p:blipFill>
+        <p:spPr bwMode="auto">
+          <a:xfrm>
+            <a:off x="5741059" y="3591392"/>
+            <a:ext cx="660120" cy="566970"/>
+          </a:xfrm>
+          <a:prstGeom prst="rect">
+            <a:avLst/>
+          </a:prstGeom>
+          <a:noFill/>
+          <a:extLst>
+            <a:ext uri="{909E8E84-426E-40DD-AFC4-6F175D3DCCD1}">
+              <a14:hiddenFill xmlns:a14="http://schemas.microsoft.com/office/drawing/2010/main">
+                <a:solidFill>
+                  <a:srgbClr val="FFFFFF"/>
+                </a:solidFill>
+              </a14:hiddenFill>
+            </a:ext>
+          </a:extLst>
+        </p:spPr>
+      </p:pic>
+      <p:pic>
+        <p:nvPicPr>
+          <p:cNvPr id="13" name="Picture 6" descr="Image result for CORRECT CLIP ART">
+            <a:extLst>
+              <a:ext uri="{FF2B5EF4-FFF2-40B4-BE49-F238E27FC236}">
+                <a16:creationId xmlns:a16="http://schemas.microsoft.com/office/drawing/2014/main" id="{B24F3754-8516-4D6A-951E-C175DC641EE4}"/>
+              </a:ext>
+            </a:extLst>
+          </p:cNvPr>
+          <p:cNvPicPr>
+            <a:picLocks noChangeAspect="1" noChangeArrowheads="1"/>
+          </p:cNvPicPr>
+          <p:nvPr/>
+        </p:nvPicPr>
+        <p:blipFill rotWithShape="1">
+          <a:blip r:embed="rId4">
+            <a:extLst>
+              <a:ext uri="{BEBA8EAE-BF5A-486C-A8C5-ECC9F3942E4B}">
+                <a14:imgProps xmlns:a14="http://schemas.microsoft.com/office/drawing/2010/main">
+                  <a14:imgLayer r:embed="rId3">
+                    <a14:imgEffect>
+                      <a14:backgroundRemoval t="21983" b="75356" l="9745" r="48825"/>
+                    </a14:imgEffect>
+                  </a14:imgLayer>
+                </a14:imgProps>
+              </a:ext>
+              <a:ext uri="{28A0092B-C50C-407E-A947-70E740481C1C}">
+                <a14:useLocalDpi xmlns:a14="http://schemas.microsoft.com/office/drawing/2010/main" val="0"/>
+              </a:ext>
+            </a:extLst>
+          </a:blip>
+          <a:srcRect l="4860" t="15312" r="46290" b="17972"/>
+          <a:stretch/>
+        </p:blipFill>
+        <p:spPr bwMode="auto">
+          <a:xfrm>
+            <a:off x="8778674" y="4038006"/>
+            <a:ext cx="660120" cy="566970"/>
+          </a:xfrm>
+          <a:prstGeom prst="rect">
+            <a:avLst/>
+          </a:prstGeom>
+          <a:noFill/>
+          <a:extLst>
+            <a:ext uri="{909E8E84-426E-40DD-AFC4-6F175D3DCCD1}">
+              <a14:hiddenFill xmlns:a14="http://schemas.microsoft.com/office/drawing/2010/main">
+                <a:solidFill>
+                  <a:srgbClr val="FFFFFF"/>
+                </a:solidFill>
+              </a14:hiddenFill>
+            </a:ext>
+          </a:extLst>
+        </p:spPr>
+      </p:pic>
+    </p:spTree>
+    <p:extLst>
+      <p:ext uri="{BB962C8B-B14F-4D97-AF65-F5344CB8AC3E}">
+        <p14:creationId xmlns:p14="http://schemas.microsoft.com/office/powerpoint/2010/main" val="375145620"/>
+      </p:ext>
+    </p:extLst>
+  </p:cSld>
+  <p:clrMapOvr>
+    <a:masterClrMapping/>
+  </p:clrMapOvr>
+</p:sld>
+</file>
+
+<file path=ppt/slides/slide13.xml><?xml version="1.0" encoding="utf-8"?>
+<p:sld xmlns:a="http://schemas.openxmlformats.org/drawingml/2006/main" xmlns:r="http://schemas.openxmlformats.org/officeDocument/2006/relationships" xmlns:p="http://schemas.openxmlformats.org/presentationml/2006/main">
+  <p:cSld>
+    <p:spTree>
+      <p:nvGrpSpPr>
+        <p:cNvPr id="1" name=""/>
+        <p:cNvGrpSpPr/>
+        <p:nvPr/>
+      </p:nvGrpSpPr>
+      <p:grpSpPr>
+        <a:xfrm>
+          <a:off x="0" y="0"/>
+          <a:ext cx="0" cy="0"/>
+          <a:chOff x="0" y="0"/>
+          <a:chExt cx="0" cy="0"/>
+        </a:xfrm>
+      </p:grpSpPr>
+      <p:sp>
+        <p:nvSpPr>
+          <p:cNvPr id="2" name="Title 1">
+            <a:extLst>
+              <a:ext uri="{FF2B5EF4-FFF2-40B4-BE49-F238E27FC236}">
+                <a16:creationId xmlns:a16="http://schemas.microsoft.com/office/drawing/2014/main" id="{1AFB433C-07EB-424D-8FD7-382644E92520}"/>
+              </a:ext>
+            </a:extLst>
+          </p:cNvPr>
+          <p:cNvSpPr>
+            <a:spLocks noGrp="1"/>
+          </p:cNvSpPr>
+          <p:nvPr>
+            <p:ph type="title"/>
+          </p:nvPr>
+        </p:nvSpPr>
+        <p:spPr>
+          <a:xfrm>
+            <a:off x="809999" y="447188"/>
+            <a:ext cx="10865166" cy="970450"/>
+          </a:xfrm>
+        </p:spPr>
+        <p:txBody>
+          <a:bodyPr/>
+          <a:lstStyle/>
+          <a:p>
+            <a:r>
+              <a:rPr lang="en-IN" dirty="0"/>
+              <a:t>A* vs Dijkstra vs Greedy Best-first Search</a:t>
+            </a:r>
+          </a:p>
+        </p:txBody>
+      </p:sp>
+      <p:graphicFrame>
+        <p:nvGraphicFramePr>
+          <p:cNvPr id="5" name="Content Placeholder 4">
+            <a:extLst>
+              <a:ext uri="{FF2B5EF4-FFF2-40B4-BE49-F238E27FC236}">
+                <a16:creationId xmlns:a16="http://schemas.microsoft.com/office/drawing/2014/main" id="{476A8C94-31E6-4A1E-BF08-28C93E213BA0}"/>
+              </a:ext>
+            </a:extLst>
+          </p:cNvPr>
+          <p:cNvGraphicFramePr>
+            <a:graphicFrameLocks noGrp="1"/>
+          </p:cNvGraphicFramePr>
+          <p:nvPr>
+            <p:ph idx="1"/>
+            <p:extLst>
+              <p:ext uri="{D42A27DB-BD31-4B8C-83A1-F6EECF244321}">
+                <p14:modId xmlns:p14="http://schemas.microsoft.com/office/powerpoint/2010/main" val="4267138266"/>
+              </p:ext>
+            </p:extLst>
+          </p:nvPr>
+        </p:nvGraphicFramePr>
+        <p:xfrm>
+          <a:off x="0" y="1881809"/>
+          <a:ext cx="12192000" cy="4976192"/>
+        </p:xfrm>
+        <a:graphic>
+          <a:graphicData uri="http://schemas.openxmlformats.org/drawingml/2006/table">
+            <a:tbl>
+              <a:tblPr firstRow="1" firstCol="1" bandRow="1">
+                <a:tableStyleId>{5C22544A-7EE6-4342-B048-85BDC9FD1C3A}</a:tableStyleId>
+              </a:tblPr>
+              <a:tblGrid>
+                <a:gridCol w="3048000">
+                  <a:extLst>
+                    <a:ext uri="{9D8B030D-6E8A-4147-A177-3AD203B41FA5}">
+                      <a16:colId xmlns:a16="http://schemas.microsoft.com/office/drawing/2014/main" val="2037090125"/>
+                    </a:ext>
+                  </a:extLst>
+                </a:gridCol>
+                <a:gridCol w="3048000">
+                  <a:extLst>
+                    <a:ext uri="{9D8B030D-6E8A-4147-A177-3AD203B41FA5}">
+                      <a16:colId xmlns:a16="http://schemas.microsoft.com/office/drawing/2014/main" val="1560284061"/>
+                    </a:ext>
+                  </a:extLst>
+                </a:gridCol>
+                <a:gridCol w="3048000">
+                  <a:extLst>
+                    <a:ext uri="{9D8B030D-6E8A-4147-A177-3AD203B41FA5}">
+                      <a16:colId xmlns:a16="http://schemas.microsoft.com/office/drawing/2014/main" val="2065418497"/>
+                    </a:ext>
+                  </a:extLst>
+                </a:gridCol>
+                <a:gridCol w="3048000">
+                  <a:extLst>
+                    <a:ext uri="{9D8B030D-6E8A-4147-A177-3AD203B41FA5}">
+                      <a16:colId xmlns:a16="http://schemas.microsoft.com/office/drawing/2014/main" val="1309849566"/>
+                    </a:ext>
+                  </a:extLst>
+                </a:gridCol>
+              </a:tblGrid>
+              <a:tr h="382784">
+                <a:tc>
+                  <a:txBody>
+                    <a:bodyPr/>
+                    <a:lstStyle/>
+                    <a:p>
+                      <a:r>
+                        <a:rPr lang="en-IN" dirty="0"/>
+                        <a:t>Parameter</a:t>
+                      </a:r>
+                    </a:p>
+                  </a:txBody>
+                  <a:tcPr/>
+                </a:tc>
+                <a:tc>
+                  <a:txBody>
+                    <a:bodyPr/>
+                    <a:lstStyle/>
+                    <a:p>
+                      <a:r>
+                        <a:rPr lang="en-IN" dirty="0"/>
+                        <a:t>A* Search Algorithm</a:t>
+                      </a:r>
+                    </a:p>
+                  </a:txBody>
+                  <a:tcPr/>
+                </a:tc>
+                <a:tc>
+                  <a:txBody>
+                    <a:bodyPr/>
+                    <a:lstStyle/>
+                    <a:p>
+                      <a:r>
+                        <a:rPr lang="en-IN" dirty="0"/>
+                        <a:t>Dijkstra’s Algorithm</a:t>
+                      </a:r>
+                    </a:p>
+                  </a:txBody>
+                  <a:tcPr/>
+                </a:tc>
+                <a:tc>
+                  <a:txBody>
+                    <a:bodyPr/>
+                    <a:lstStyle/>
+                    <a:p>
+                      <a:r>
+                        <a:rPr lang="en-IN" dirty="0"/>
+                        <a:t>Greedy Best-first Search</a:t>
+                      </a:r>
+                    </a:p>
+                  </a:txBody>
+                  <a:tcPr/>
+                </a:tc>
+                <a:extLst>
+                  <a:ext uri="{0D108BD9-81ED-4DB2-BD59-A6C34878D82A}">
+                    <a16:rowId xmlns:a16="http://schemas.microsoft.com/office/drawing/2014/main" val="2119799607"/>
+                  </a:ext>
+                </a:extLst>
+              </a:tr>
+              <a:tr h="382784">
+                <a:tc gridSpan="4">
+                  <a:txBody>
+                    <a:bodyPr/>
+                    <a:lstStyle/>
+                    <a:p>
+                      <a:pPr marL="0" marR="0" lvl="0" indent="0" algn="ctr" defTabSz="457200" rtl="0" eaLnBrk="1" fontAlgn="auto" latinLnBrk="0" hangingPunct="1">
+                        <a:lnSpc>
+                          <a:spcPct val="100000"/>
+                        </a:lnSpc>
+                        <a:spcBef>
+                          <a:spcPts val="0"/>
+                        </a:spcBef>
+                        <a:spcAft>
+                          <a:spcPts val="0"/>
+                        </a:spcAft>
+                        <a:buClrTx/>
+                        <a:buSzTx/>
+                        <a:buFontTx/>
+                        <a:buNone/>
+                        <a:tabLst/>
+                        <a:defRPr/>
+                      </a:pPr>
+                      <a:r>
+                        <a:rPr lang="en-IN" dirty="0"/>
+                        <a:t>PATHFINDING ON A 25 X 25 GRID</a:t>
+                      </a:r>
+                    </a:p>
+                  </a:txBody>
+                  <a:tcPr/>
+                </a:tc>
+                <a:tc hMerge="1">
+                  <a:txBody>
+                    <a:bodyPr/>
+                    <a:lstStyle/>
+                    <a:p>
+                      <a:endParaRPr lang="en-IN" dirty="0"/>
+                    </a:p>
+                  </a:txBody>
+                  <a:tcPr/>
+                </a:tc>
+                <a:tc hMerge="1">
+                  <a:txBody>
+                    <a:bodyPr/>
+                    <a:lstStyle/>
+                    <a:p>
+                      <a:endParaRPr lang="en-IN" dirty="0"/>
+                    </a:p>
+                  </a:txBody>
+                  <a:tcPr/>
+                </a:tc>
+                <a:tc hMerge="1">
+                  <a:txBody>
+                    <a:bodyPr/>
+                    <a:lstStyle/>
+                    <a:p>
+                      <a:endParaRPr lang="en-IN" dirty="0"/>
+                    </a:p>
+                  </a:txBody>
+                  <a:tcPr/>
+                </a:tc>
+                <a:extLst>
+                  <a:ext uri="{0D108BD9-81ED-4DB2-BD59-A6C34878D82A}">
+                    <a16:rowId xmlns:a16="http://schemas.microsoft.com/office/drawing/2014/main" val="1306394127"/>
+                  </a:ext>
+                </a:extLst>
+              </a:tr>
+              <a:tr h="382784">
+                <a:tc>
+                  <a:txBody>
+                    <a:bodyPr/>
+                    <a:lstStyle/>
+                    <a:p>
+                      <a:pPr marL="0" marR="0" lvl="0" indent="0" algn="l" defTabSz="457200" rtl="0" eaLnBrk="1" fontAlgn="auto" latinLnBrk="0" hangingPunct="1">
+                        <a:lnSpc>
+                          <a:spcPct val="100000"/>
+                        </a:lnSpc>
+                        <a:spcBef>
+                          <a:spcPts val="0"/>
+                        </a:spcBef>
+                        <a:spcAft>
+                          <a:spcPts val="0"/>
+                        </a:spcAft>
+                        <a:buClrTx/>
+                        <a:buSzTx/>
+                        <a:buFontTx/>
+                        <a:buNone/>
+                        <a:tabLst/>
+                        <a:defRPr/>
+                      </a:pPr>
+                      <a:r>
+                        <a:rPr lang="en-IN" dirty="0"/>
+                        <a:t>Execution Time (sec)</a:t>
+                      </a:r>
+                    </a:p>
+                  </a:txBody>
+                  <a:tcPr/>
+                </a:tc>
+                <a:tc>
+                  <a:txBody>
+                    <a:bodyPr/>
+                    <a:lstStyle/>
+                    <a:p>
+                      <a:r>
+                        <a:rPr lang="en-IN" dirty="0"/>
+                        <a:t>0.676</a:t>
+                      </a:r>
+                    </a:p>
+                  </a:txBody>
+                  <a:tcPr/>
+                </a:tc>
+                <a:tc>
+                  <a:txBody>
+                    <a:bodyPr/>
+                    <a:lstStyle/>
+                    <a:p>
+                      <a:r>
+                        <a:rPr lang="en-IN" dirty="0"/>
+                        <a:t>7.825</a:t>
+                      </a:r>
+                    </a:p>
+                  </a:txBody>
+                  <a:tcPr/>
+                </a:tc>
+                <a:tc>
+                  <a:txBody>
+                    <a:bodyPr/>
+                    <a:lstStyle/>
+                    <a:p>
+                      <a:r>
+                        <a:rPr lang="en-IN" dirty="0"/>
+                        <a:t>0.577</a:t>
+                      </a:r>
+                    </a:p>
+                  </a:txBody>
+                  <a:tcPr/>
+                </a:tc>
+                <a:extLst>
+                  <a:ext uri="{0D108BD9-81ED-4DB2-BD59-A6C34878D82A}">
+                    <a16:rowId xmlns:a16="http://schemas.microsoft.com/office/drawing/2014/main" val="1487062952"/>
+                  </a:ext>
+                </a:extLst>
+              </a:tr>
+              <a:tr h="382784">
+                <a:tc>
+                  <a:txBody>
+                    <a:bodyPr/>
+                    <a:lstStyle/>
+                    <a:p>
+                      <a:r>
+                        <a:rPr lang="en-IN" dirty="0"/>
+                        <a:t>Distance Covered</a:t>
+                      </a:r>
+                    </a:p>
+                  </a:txBody>
+                  <a:tcPr/>
+                </a:tc>
+                <a:tc>
+                  <a:txBody>
+                    <a:bodyPr/>
+                    <a:lstStyle/>
+                    <a:p>
+                      <a:r>
+                        <a:rPr lang="en-IN" dirty="0"/>
+                        <a:t>758.82</a:t>
+                      </a:r>
+                    </a:p>
+                  </a:txBody>
+                  <a:tcPr/>
+                </a:tc>
+                <a:tc>
+                  <a:txBody>
+                    <a:bodyPr/>
+                    <a:lstStyle/>
+                    <a:p>
+                      <a:r>
+                        <a:rPr lang="en-IN" dirty="0"/>
+                        <a:t>758.82</a:t>
+                      </a:r>
+                    </a:p>
+                  </a:txBody>
+                  <a:tcPr/>
+                </a:tc>
+                <a:tc>
+                  <a:txBody>
+                    <a:bodyPr/>
+                    <a:lstStyle/>
+                    <a:p>
+                      <a:r>
+                        <a:rPr lang="en-IN" dirty="0"/>
+                        <a:t>758.82</a:t>
+                      </a:r>
+                    </a:p>
+                  </a:txBody>
+                  <a:tcPr/>
+                </a:tc>
+                <a:extLst>
+                  <a:ext uri="{0D108BD9-81ED-4DB2-BD59-A6C34878D82A}">
+                    <a16:rowId xmlns:a16="http://schemas.microsoft.com/office/drawing/2014/main" val="2187619363"/>
+                  </a:ext>
+                </a:extLst>
+              </a:tr>
+              <a:tr h="382784">
+                <a:tc>
+                  <a:txBody>
+                    <a:bodyPr/>
+                    <a:lstStyle/>
+                    <a:p>
+                      <a:r>
+                        <a:rPr lang="en-IN" dirty="0"/>
+                        <a:t>Computed Nodes</a:t>
+                      </a:r>
+                    </a:p>
+                  </a:txBody>
+                  <a:tcPr/>
+                </a:tc>
+                <a:tc>
+                  <a:txBody>
+                    <a:bodyPr/>
+                    <a:lstStyle/>
+                    <a:p>
+                      <a:r>
+                        <a:rPr lang="en-IN" dirty="0"/>
+                        <a:t>35</a:t>
+                      </a:r>
+                    </a:p>
+                  </a:txBody>
+                  <a:tcPr/>
+                </a:tc>
+                <a:tc>
+                  <a:txBody>
+                    <a:bodyPr/>
+                    <a:lstStyle/>
+                    <a:p>
+                      <a:r>
+                        <a:rPr lang="en-IN" dirty="0"/>
+                        <a:t>441</a:t>
+                      </a:r>
+                    </a:p>
+                  </a:txBody>
+                  <a:tcPr/>
+                </a:tc>
+                <a:tc>
+                  <a:txBody>
+                    <a:bodyPr/>
+                    <a:lstStyle/>
+                    <a:p>
+                      <a:r>
+                        <a:rPr lang="en-IN" dirty="0"/>
+                        <a:t>29</a:t>
+                      </a:r>
+                    </a:p>
+                  </a:txBody>
+                  <a:tcPr/>
+                </a:tc>
+                <a:extLst>
+                  <a:ext uri="{0D108BD9-81ED-4DB2-BD59-A6C34878D82A}">
+                    <a16:rowId xmlns:a16="http://schemas.microsoft.com/office/drawing/2014/main" val="1582060065"/>
+                  </a:ext>
+                </a:extLst>
+              </a:tr>
+              <a:tr h="382784">
+                <a:tc gridSpan="4">
+                  <a:txBody>
+                    <a:bodyPr/>
+                    <a:lstStyle/>
+                    <a:p>
+                      <a:pPr marL="0" marR="0" lvl="0" indent="0" algn="ctr" defTabSz="457200" rtl="0" eaLnBrk="1" fontAlgn="auto" latinLnBrk="0" hangingPunct="1">
+                        <a:lnSpc>
+                          <a:spcPct val="100000"/>
+                        </a:lnSpc>
+                        <a:spcBef>
+                          <a:spcPts val="0"/>
+                        </a:spcBef>
+                        <a:spcAft>
+                          <a:spcPts val="0"/>
+                        </a:spcAft>
+                        <a:buClrTx/>
+                        <a:buSzTx/>
+                        <a:buFontTx/>
+                        <a:buNone/>
+                        <a:tabLst/>
+                        <a:defRPr/>
+                      </a:pPr>
+                      <a:r>
+                        <a:rPr lang="en-IN" dirty="0"/>
+                        <a:t>PATHFINDING ON A 50 X 50 GRID</a:t>
+                      </a:r>
+                    </a:p>
+                  </a:txBody>
+                  <a:tcPr/>
+                </a:tc>
+                <a:tc hMerge="1">
+                  <a:txBody>
+                    <a:bodyPr/>
+                    <a:lstStyle/>
+                    <a:p>
+                      <a:endParaRPr lang="en-IN" dirty="0"/>
+                    </a:p>
+                  </a:txBody>
+                  <a:tcPr/>
+                </a:tc>
+                <a:tc hMerge="1">
+                  <a:txBody>
+                    <a:bodyPr/>
+                    <a:lstStyle/>
+                    <a:p>
+                      <a:endParaRPr lang="en-IN" dirty="0"/>
+                    </a:p>
+                  </a:txBody>
+                  <a:tcPr/>
+                </a:tc>
+                <a:tc hMerge="1">
+                  <a:txBody>
+                    <a:bodyPr/>
+                    <a:lstStyle/>
+                    <a:p>
+                      <a:endParaRPr lang="en-IN" dirty="0"/>
+                    </a:p>
+                  </a:txBody>
+                  <a:tcPr/>
+                </a:tc>
+                <a:extLst>
+                  <a:ext uri="{0D108BD9-81ED-4DB2-BD59-A6C34878D82A}">
+                    <a16:rowId xmlns:a16="http://schemas.microsoft.com/office/drawing/2014/main" val="814396625"/>
+                  </a:ext>
+                </a:extLst>
+              </a:tr>
+              <a:tr h="382784">
+                <a:tc>
+                  <a:txBody>
+                    <a:bodyPr/>
+                    <a:lstStyle/>
+                    <a:p>
+                      <a:r>
+                        <a:rPr lang="en-IN" dirty="0"/>
+                        <a:t>Execution Time (sec)</a:t>
+                      </a:r>
+                    </a:p>
+                  </a:txBody>
+                  <a:tcPr/>
+                </a:tc>
+                <a:tc>
+                  <a:txBody>
+                    <a:bodyPr/>
+                    <a:lstStyle/>
+                    <a:p>
+                      <a:r>
+                        <a:rPr lang="en-IN" dirty="0"/>
+                        <a:t>3.136</a:t>
+                      </a:r>
+                    </a:p>
+                  </a:txBody>
+                  <a:tcPr/>
+                </a:tc>
+                <a:tc>
+                  <a:txBody>
+                    <a:bodyPr/>
+                    <a:lstStyle/>
+                    <a:p>
+                      <a:r>
+                        <a:rPr lang="en-IN" dirty="0"/>
+                        <a:t>67.749</a:t>
+                      </a:r>
+                    </a:p>
+                  </a:txBody>
+                  <a:tcPr/>
+                </a:tc>
+                <a:tc>
+                  <a:txBody>
+                    <a:bodyPr/>
+                    <a:lstStyle/>
+                    <a:p>
+                      <a:r>
+                        <a:rPr lang="en-IN" dirty="0"/>
+                        <a:t>2.807</a:t>
+                      </a:r>
+                    </a:p>
+                  </a:txBody>
+                  <a:tcPr/>
+                </a:tc>
+                <a:extLst>
+                  <a:ext uri="{0D108BD9-81ED-4DB2-BD59-A6C34878D82A}">
+                    <a16:rowId xmlns:a16="http://schemas.microsoft.com/office/drawing/2014/main" val="3078871489"/>
+                  </a:ext>
+                </a:extLst>
+              </a:tr>
+              <a:tr h="382784">
+                <a:tc>
+                  <a:txBody>
+                    <a:bodyPr/>
+                    <a:lstStyle/>
+                    <a:p>
+                      <a:r>
+                        <a:rPr lang="en-IN" dirty="0"/>
+                        <a:t>Distance Covered</a:t>
+                      </a:r>
+                    </a:p>
+                  </a:txBody>
+                  <a:tcPr/>
+                </a:tc>
+                <a:tc>
+                  <a:txBody>
+                    <a:bodyPr/>
+                    <a:lstStyle/>
+                    <a:p>
+                      <a:r>
+                        <a:rPr lang="en-IN" dirty="0"/>
+                        <a:t>762.25</a:t>
+                      </a:r>
+                    </a:p>
+                  </a:txBody>
+                  <a:tcPr/>
+                </a:tc>
+                <a:tc>
+                  <a:txBody>
+                    <a:bodyPr/>
+                    <a:lstStyle/>
+                    <a:p>
+                      <a:r>
+                        <a:rPr lang="en-IN" dirty="0"/>
+                        <a:t>750.53</a:t>
+                      </a:r>
+                    </a:p>
+                  </a:txBody>
+                  <a:tcPr/>
+                </a:tc>
+                <a:tc>
+                  <a:txBody>
+                    <a:bodyPr/>
+                    <a:lstStyle/>
+                    <a:p>
+                      <a:r>
+                        <a:rPr lang="en-IN" dirty="0"/>
+                        <a:t>788.11</a:t>
+                      </a:r>
+                    </a:p>
+                  </a:txBody>
+                  <a:tcPr/>
+                </a:tc>
+                <a:extLst>
+                  <a:ext uri="{0D108BD9-81ED-4DB2-BD59-A6C34878D82A}">
+                    <a16:rowId xmlns:a16="http://schemas.microsoft.com/office/drawing/2014/main" val="1414975713"/>
+                  </a:ext>
+                </a:extLst>
+              </a:tr>
+              <a:tr h="382784">
+                <a:tc>
+                  <a:txBody>
+                    <a:bodyPr/>
+                    <a:lstStyle/>
+                    <a:p>
+                      <a:r>
+                        <a:rPr lang="en-IN" dirty="0"/>
+                        <a:t>Computed Nodes</a:t>
+                      </a:r>
+                    </a:p>
+                  </a:txBody>
+                  <a:tcPr/>
+                </a:tc>
+                <a:tc>
+                  <a:txBody>
+                    <a:bodyPr/>
+                    <a:lstStyle/>
+                    <a:p>
+                      <a:r>
+                        <a:rPr lang="en-IN" dirty="0"/>
+                        <a:t>72</a:t>
+                      </a:r>
+                    </a:p>
+                  </a:txBody>
+                  <a:tcPr/>
+                </a:tc>
+                <a:tc>
+                  <a:txBody>
+                    <a:bodyPr/>
+                    <a:lstStyle/>
+                    <a:p>
+                      <a:r>
+                        <a:rPr lang="en-IN" dirty="0"/>
+                        <a:t>1752</a:t>
+                      </a:r>
+                    </a:p>
+                  </a:txBody>
+                  <a:tcPr/>
+                </a:tc>
+                <a:tc>
+                  <a:txBody>
+                    <a:bodyPr/>
+                    <a:lstStyle/>
+                    <a:p>
+                      <a:r>
+                        <a:rPr lang="en-IN" dirty="0"/>
+                        <a:t>64</a:t>
+                      </a:r>
+                    </a:p>
+                  </a:txBody>
+                  <a:tcPr/>
+                </a:tc>
+                <a:extLst>
+                  <a:ext uri="{0D108BD9-81ED-4DB2-BD59-A6C34878D82A}">
+                    <a16:rowId xmlns:a16="http://schemas.microsoft.com/office/drawing/2014/main" val="1331215865"/>
+                  </a:ext>
+                </a:extLst>
+              </a:tr>
+              <a:tr h="382784">
+                <a:tc gridSpan="4">
+                  <a:txBody>
+                    <a:bodyPr/>
+                    <a:lstStyle/>
+                    <a:p>
+                      <a:pPr algn="ctr"/>
+                      <a:r>
+                        <a:rPr lang="en-IN" dirty="0"/>
+                        <a:t>PATHFINDING ON A 100 X 100 GRID</a:t>
+                      </a:r>
+                    </a:p>
+                  </a:txBody>
+                  <a:tcPr/>
+                </a:tc>
+                <a:tc hMerge="1">
+                  <a:txBody>
+                    <a:bodyPr/>
+                    <a:lstStyle/>
+                    <a:p>
+                      <a:endParaRPr lang="en-IN" dirty="0"/>
+                    </a:p>
+                  </a:txBody>
+                  <a:tcPr/>
+                </a:tc>
+                <a:tc hMerge="1">
+                  <a:txBody>
+                    <a:bodyPr/>
+                    <a:lstStyle/>
+                    <a:p>
+                      <a:endParaRPr lang="en-IN" dirty="0"/>
+                    </a:p>
+                  </a:txBody>
+                  <a:tcPr/>
+                </a:tc>
+                <a:tc hMerge="1">
+                  <a:txBody>
+                    <a:bodyPr/>
+                    <a:lstStyle/>
+                    <a:p>
+                      <a:endParaRPr lang="en-IN" dirty="0"/>
+                    </a:p>
+                  </a:txBody>
+                  <a:tcPr/>
+                </a:tc>
+                <a:extLst>
+                  <a:ext uri="{0D108BD9-81ED-4DB2-BD59-A6C34878D82A}">
+                    <a16:rowId xmlns:a16="http://schemas.microsoft.com/office/drawing/2014/main" val="4019761984"/>
+                  </a:ext>
+                </a:extLst>
+              </a:tr>
+              <a:tr h="382784">
+                <a:tc>
+                  <a:txBody>
+                    <a:bodyPr/>
+                    <a:lstStyle/>
+                    <a:p>
+                      <a:r>
+                        <a:rPr lang="en-IN" dirty="0"/>
+                        <a:t>Execution Time (sec)</a:t>
+                      </a:r>
+                    </a:p>
+                  </a:txBody>
+                  <a:tcPr/>
+                </a:tc>
+                <a:tc>
+                  <a:txBody>
+                    <a:bodyPr/>
+                    <a:lstStyle/>
+                    <a:p>
+                      <a:r>
+                        <a:rPr lang="en-IN" dirty="0"/>
+                        <a:t>17.162</a:t>
+                      </a:r>
+                    </a:p>
+                  </a:txBody>
+                  <a:tcPr/>
+                </a:tc>
+                <a:tc>
+                  <a:txBody>
+                    <a:bodyPr/>
+                    <a:lstStyle/>
+                    <a:p>
+                      <a:r>
+                        <a:rPr lang="en-IN" dirty="0"/>
+                        <a:t>937.54</a:t>
+                      </a:r>
+                    </a:p>
+                  </a:txBody>
+                  <a:tcPr/>
+                </a:tc>
+                <a:tc>
+                  <a:txBody>
+                    <a:bodyPr/>
+                    <a:lstStyle/>
+                    <a:p>
+                      <a:r>
+                        <a:rPr lang="en-IN" dirty="0"/>
+                        <a:t>16.223</a:t>
+                      </a:r>
+                    </a:p>
+                  </a:txBody>
+                  <a:tcPr/>
+                </a:tc>
+                <a:extLst>
+                  <a:ext uri="{0D108BD9-81ED-4DB2-BD59-A6C34878D82A}">
+                    <a16:rowId xmlns:a16="http://schemas.microsoft.com/office/drawing/2014/main" val="2498875365"/>
+                  </a:ext>
+                </a:extLst>
+              </a:tr>
+              <a:tr h="382784">
+                <a:tc>
+                  <a:txBody>
+                    <a:bodyPr/>
+                    <a:lstStyle/>
+                    <a:p>
+                      <a:r>
+                        <a:rPr lang="en-IN" dirty="0"/>
+                        <a:t>Distance Covered</a:t>
+                      </a:r>
+                    </a:p>
+                  </a:txBody>
+                  <a:tcPr/>
+                </a:tc>
+                <a:tc>
+                  <a:txBody>
+                    <a:bodyPr/>
+                    <a:lstStyle/>
+                    <a:p>
+                      <a:r>
+                        <a:rPr lang="en-IN" dirty="0"/>
+                        <a:t>749.32</a:t>
+                      </a:r>
+                    </a:p>
+                  </a:txBody>
+                  <a:tcPr/>
+                </a:tc>
+                <a:tc>
+                  <a:txBody>
+                    <a:bodyPr/>
+                    <a:lstStyle/>
+                    <a:p>
+                      <a:r>
+                        <a:rPr lang="en-IN" dirty="0"/>
+                        <a:t>738.11</a:t>
+                      </a:r>
+                    </a:p>
+                  </a:txBody>
+                  <a:tcPr/>
+                </a:tc>
+                <a:tc>
+                  <a:txBody>
+                    <a:bodyPr/>
+                    <a:lstStyle/>
+                    <a:p>
+                      <a:r>
+                        <a:rPr lang="en-IN" dirty="0"/>
+                        <a:t>783.96</a:t>
+                      </a:r>
+                    </a:p>
+                  </a:txBody>
+                  <a:tcPr/>
+                </a:tc>
+                <a:extLst>
+                  <a:ext uri="{0D108BD9-81ED-4DB2-BD59-A6C34878D82A}">
+                    <a16:rowId xmlns:a16="http://schemas.microsoft.com/office/drawing/2014/main" val="3588671958"/>
+                  </a:ext>
+                </a:extLst>
+              </a:tr>
+              <a:tr h="382784">
+                <a:tc>
+                  <a:txBody>
+                    <a:bodyPr/>
+                    <a:lstStyle/>
+                    <a:p>
+                      <a:r>
+                        <a:rPr lang="en-IN" dirty="0"/>
+                        <a:t>Computed Nodes</a:t>
+                      </a:r>
+                    </a:p>
+                  </a:txBody>
+                  <a:tcPr/>
+                </a:tc>
+                <a:tc>
+                  <a:txBody>
+                    <a:bodyPr/>
+                    <a:lstStyle/>
+                    <a:p>
+                      <a:r>
+                        <a:rPr lang="en-IN" dirty="0"/>
+                        <a:t>132</a:t>
+                      </a:r>
+                    </a:p>
+                  </a:txBody>
+                  <a:tcPr/>
+                </a:tc>
+                <a:tc>
+                  <a:txBody>
+                    <a:bodyPr/>
+                    <a:lstStyle/>
+                    <a:p>
+                      <a:r>
+                        <a:rPr lang="en-IN" dirty="0"/>
+                        <a:t>7064</a:t>
+                      </a:r>
+                    </a:p>
+                  </a:txBody>
+                  <a:tcPr/>
+                </a:tc>
+                <a:tc>
+                  <a:txBody>
+                    <a:bodyPr/>
+                    <a:lstStyle/>
+                    <a:p>
+                      <a:r>
+                        <a:rPr lang="en-IN" dirty="0"/>
+                        <a:t>125</a:t>
+                      </a:r>
+                    </a:p>
+                  </a:txBody>
+                  <a:tcPr/>
+                </a:tc>
+                <a:extLst>
+                  <a:ext uri="{0D108BD9-81ED-4DB2-BD59-A6C34878D82A}">
+                    <a16:rowId xmlns:a16="http://schemas.microsoft.com/office/drawing/2014/main" val="2862615829"/>
+                  </a:ext>
+                </a:extLst>
+              </a:tr>
+            </a:tbl>
+          </a:graphicData>
+        </a:graphic>
+      </p:graphicFrame>
+    </p:spTree>
+    <p:extLst>
+      <p:ext uri="{BB962C8B-B14F-4D97-AF65-F5344CB8AC3E}">
+        <p14:creationId xmlns:p14="http://schemas.microsoft.com/office/powerpoint/2010/main" val="124686715"/>
+      </p:ext>
+    </p:extLst>
+  </p:cSld>
+  <p:clrMapOvr>
+    <a:masterClrMapping/>
+  </p:clrMapOvr>
+</p:sld>
+</file>
+
 <file path=ppt/slides/slide14.xml><?xml version="1.0" encoding="utf-8"?>
 <p:sld xmlns:a="http://schemas.openxmlformats.org/drawingml/2006/main" xmlns:r="http://schemas.openxmlformats.org/officeDocument/2006/relationships" xmlns:p="http://schemas.openxmlformats.org/presentationml/2006/main">
   <p:cSld>
@@ -9833,7 +9824,12 @@
             <p:ph idx="1"/>
           </p:nvPr>
         </p:nvSpPr>
-        <p:spPr/>
+        <p:spPr>
+          <a:xfrm>
+            <a:off x="818712" y="2593348"/>
+            <a:ext cx="10554574" cy="3636511"/>
+          </a:xfrm>
+        </p:spPr>
         <p:txBody>
           <a:bodyPr/>
           <a:lstStyle/>
@@ -9860,6 +9856,22 @@
               <a:rPr lang="en-IN" i="1" dirty="0"/>
               <a:t>This process repeats until a path to the destination has been found. Since the lowest distance nodes are examined first, the first time the destination is found, the path to it will be the shortest path.</a:t>
             </a:r>
+          </a:p>
+          <a:p>
+            <a:endParaRPr lang="en-IN" b="1" i="1" dirty="0"/>
+          </a:p>
+          <a:p>
+            <a:r>
+              <a:rPr lang="en-IN" b="1" i="1" dirty="0"/>
+              <a:t>TIME COMPLEXITY (using heap): E log(V)			</a:t>
+            </a:r>
+            <a:r>
+              <a:rPr lang="en-IN" i="1" dirty="0"/>
+              <a:t>E=no. of edges	V=no. of vertices</a:t>
+            </a:r>
+            <a:endParaRPr lang="en-IN" dirty="0"/>
+          </a:p>
+          <a:p>
             <a:endParaRPr lang="en-IN" dirty="0"/>
           </a:p>
           <a:p>
@@ -9954,17 +9966,15 @@
           <a:p>
             <a:r>
               <a:rPr lang="en-IN" i="1" dirty="0"/>
-              <a:t>At each step, the node in the open set with the </a:t>
-            </a:r>
-            <a:r>
-              <a:rPr lang="en-IN" i="1"/>
-              <a:t>lowest </a:t>
-            </a:r>
-            <a:r>
-              <a:rPr lang="en-IN" b="1" i="1"/>
+              <a:t>At each step, the node in the open set with the lowest </a:t>
+            </a:r>
+            <a:r>
+              <a:rPr lang="en-IN" b="1" i="1" dirty="0"/>
               <a:t>heuristics.</a:t>
             </a:r>
-            <a:endParaRPr lang="en-IN" dirty="0"/>
+          </a:p>
+          <a:p>
+            <a:endParaRPr lang="en-IN" b="1" i="1" dirty="0"/>
           </a:p>
         </p:txBody>
       </p:sp>
@@ -10044,7 +10054,9 @@
         </p:nvSpPr>
         <p:spPr/>
         <p:txBody>
-          <a:bodyPr/>
+          <a:bodyPr>
+            <a:normAutofit fontScale="92500" lnSpcReduction="10000"/>
+          </a:bodyPr>
           <a:lstStyle/>
           <a:p>
             <a:r>
@@ -10106,6 +10118,32 @@
             <a:r>
               <a:rPr lang="en-IN" i="1" dirty="0"/>
               <a:t>h(n) = heuristic function that estimates the cost of the cheapest path from current node ‘n’ to the goal</a:t>
+            </a:r>
+          </a:p>
+          <a:p>
+            <a:pPr indent="-285750"/>
+            <a:endParaRPr lang="en-IN" i="1" dirty="0"/>
+          </a:p>
+          <a:p>
+            <a:pPr indent="-285750"/>
+            <a:r>
+              <a:rPr lang="en-IN" dirty="0"/>
+              <a:t>A* is </a:t>
+            </a:r>
+            <a:r>
+              <a:rPr lang="en-IN" b="1" dirty="0"/>
+              <a:t>NOT GREEDY. </a:t>
+            </a:r>
+            <a:r>
+              <a:rPr lang="en-IN" dirty="0"/>
+              <a:t>It itself is a special case of a generalization of branch and bound.</a:t>
+            </a:r>
+          </a:p>
+          <a:p>
+            <a:pPr indent="-285750"/>
+            <a:r>
+              <a:rPr lang="en-IN" b="1" i="1" dirty="0"/>
+              <a:t>Time Complexity depends on HEURISTICS.</a:t>
             </a:r>
           </a:p>
         </p:txBody>
@@ -10145,7 +10183,7 @@
           <p:cNvPr id="2" name="Title 1">
             <a:extLst>
               <a:ext uri="{FF2B5EF4-FFF2-40B4-BE49-F238E27FC236}">
-                <a16:creationId xmlns:a16="http://schemas.microsoft.com/office/drawing/2014/main" id="{F2377EC1-D570-41F6-AB37-32930B870BAA}"/>
+                <a16:creationId xmlns:a16="http://schemas.microsoft.com/office/drawing/2014/main" id="{ABAC4A79-1152-49CC-A88F-934374DC3AB8}"/>
               </a:ext>
             </a:extLst>
           </p:cNvPr>
@@ -10163,7 +10201,7 @@
           <a:p>
             <a:r>
               <a:rPr lang="en-IN" dirty="0"/>
-              <a:t>HEURISTICS</a:t>
+              <a:t>Heuristics</a:t>
             </a:r>
           </a:p>
         </p:txBody>
@@ -10173,7 +10211,7 @@
           <p:cNvPr id="3" name="Content Placeholder 2">
             <a:extLst>
               <a:ext uri="{FF2B5EF4-FFF2-40B4-BE49-F238E27FC236}">
-                <a16:creationId xmlns:a16="http://schemas.microsoft.com/office/drawing/2014/main" id="{BBD37675-FB52-4D14-B6E8-AD66CDC32E29}"/>
+                <a16:creationId xmlns:a16="http://schemas.microsoft.com/office/drawing/2014/main" id="{CB2B75C9-AD8F-40EA-B04D-8B7A3D3207EA}"/>
               </a:ext>
             </a:extLst>
           </p:cNvPr>
@@ -10189,168 +10227,12 @@
           <a:bodyPr/>
           <a:lstStyle/>
           <a:p>
-            <a:r>
-              <a:rPr lang="en-IN" dirty="0" err="1"/>
-              <a:t>Manhatten</a:t>
-            </a:r>
-            <a:r>
-              <a:rPr lang="en-IN" dirty="0"/>
-              <a:t> Distance:</a:t>
-            </a:r>
-          </a:p>
-          <a:p>
-            <a:pPr marL="457200" lvl="1" indent="0">
+            <a:pPr marL="0" indent="0">
               <a:buNone/>
             </a:pPr>
             <a:r>
               <a:rPr lang="en-IN" dirty="0"/>
-              <a:t>		h = abs( </a:t>
-            </a:r>
-            <a:r>
-              <a:rPr lang="en-IN" dirty="0" err="1"/>
-              <a:t>current_cell.x</a:t>
-            </a:r>
-            <a:r>
-              <a:rPr lang="en-IN" dirty="0"/>
-              <a:t> – </a:t>
-            </a:r>
-            <a:r>
-              <a:rPr lang="en-IN" dirty="0" err="1"/>
-              <a:t>goal.x</a:t>
-            </a:r>
-            <a:r>
-              <a:rPr lang="en-IN" dirty="0"/>
-              <a:t> )</a:t>
-            </a:r>
-            <a:r>
-              <a:rPr lang="hi-IN" dirty="0"/>
-              <a:t> </a:t>
-            </a:r>
-            <a:r>
-              <a:rPr lang="en-IN" dirty="0"/>
-              <a:t>+ abs( </a:t>
-            </a:r>
-            <a:r>
-              <a:rPr lang="en-IN" dirty="0" err="1"/>
-              <a:t>current_cell.y</a:t>
-            </a:r>
-            <a:r>
-              <a:rPr lang="en-IN" dirty="0"/>
-              <a:t> – </a:t>
-            </a:r>
-            <a:r>
-              <a:rPr lang="en-IN" dirty="0" err="1"/>
-              <a:t>goal.y</a:t>
-            </a:r>
-            <a:r>
-              <a:rPr lang="en-IN" dirty="0"/>
-              <a:t> )</a:t>
-            </a:r>
-          </a:p>
-          <a:p>
-            <a:pPr marL="457200" lvl="1" indent="0">
-              <a:buNone/>
-            </a:pPr>
-            <a:endParaRPr lang="en-IN" dirty="0"/>
-          </a:p>
-          <a:p>
-            <a:r>
-              <a:rPr lang="en-IN" dirty="0"/>
-              <a:t>Euclidean Distance:</a:t>
-            </a:r>
-          </a:p>
-          <a:p>
-            <a:pPr marL="457200" lvl="1" indent="0">
-              <a:buNone/>
-            </a:pPr>
-            <a:r>
-              <a:rPr lang="en-IN" dirty="0"/>
-              <a:t>		h = sqrt( (</a:t>
-            </a:r>
-            <a:r>
-              <a:rPr lang="en-IN" dirty="0" err="1"/>
-              <a:t>current_cell.x</a:t>
-            </a:r>
-            <a:r>
-              <a:rPr lang="en-IN" dirty="0"/>
-              <a:t> – </a:t>
-            </a:r>
-            <a:r>
-              <a:rPr lang="en-IN" dirty="0" err="1"/>
-              <a:t>goal.x</a:t>
-            </a:r>
-            <a:r>
-              <a:rPr lang="en-IN" dirty="0"/>
-              <a:t>)^2 + (</a:t>
-            </a:r>
-            <a:r>
-              <a:rPr lang="en-IN" dirty="0" err="1"/>
-              <a:t>current_cell.y</a:t>
-            </a:r>
-            <a:r>
-              <a:rPr lang="en-IN" dirty="0"/>
-              <a:t> – </a:t>
-            </a:r>
-            <a:r>
-              <a:rPr lang="en-IN" dirty="0" err="1"/>
-              <a:t>goal.y</a:t>
-            </a:r>
-            <a:r>
-              <a:rPr lang="en-IN" dirty="0"/>
-              <a:t>)^2 )</a:t>
-            </a:r>
-          </a:p>
-          <a:p>
-            <a:pPr marL="457200" lvl="1" indent="0">
-              <a:buNone/>
-            </a:pPr>
-            <a:endParaRPr lang="en-IN" dirty="0"/>
-          </a:p>
-          <a:p>
-            <a:r>
-              <a:rPr lang="en-IN" dirty="0"/>
-              <a:t>Diagonal Distance</a:t>
-            </a:r>
-          </a:p>
-          <a:p>
-            <a:pPr marL="457200" lvl="1" indent="0">
-              <a:buNone/>
-            </a:pPr>
-            <a:r>
-              <a:rPr lang="en-IN" dirty="0"/>
-              <a:t>		h = max( abs( </a:t>
-            </a:r>
-            <a:r>
-              <a:rPr lang="en-IN" dirty="0" err="1"/>
-              <a:t>current_cell.x</a:t>
-            </a:r>
-            <a:r>
-              <a:rPr lang="en-IN" dirty="0"/>
-              <a:t> – </a:t>
-            </a:r>
-            <a:r>
-              <a:rPr lang="en-IN" dirty="0" err="1"/>
-              <a:t>goal.x</a:t>
-            </a:r>
-            <a:r>
-              <a:rPr lang="en-IN" dirty="0"/>
-              <a:t> ), abs( </a:t>
-            </a:r>
-            <a:r>
-              <a:rPr lang="en-IN" dirty="0" err="1"/>
-              <a:t>current_cell.y</a:t>
-            </a:r>
-            <a:r>
-              <a:rPr lang="en-IN" dirty="0"/>
-              <a:t> – </a:t>
-            </a:r>
-            <a:r>
-              <a:rPr lang="en-IN" dirty="0" err="1"/>
-              <a:t>goal.y</a:t>
-            </a:r>
-            <a:r>
-              <a:rPr lang="en-IN" dirty="0"/>
-              <a:t> ) )</a:t>
+              <a:t>Estimated heuristic cost is considered admissible, if it does not overestimate the cost to reach the goal. Selection of heuristic function is an important part of ensuring the best A* performance. Ideally H is equal to the cost necessary to reach the goal node. In this case A* would always follow perfect path, and would not waste time traversing unnecessary nodes. If overestimated value of H is chosen, the goal node is found faster, but at a cost of optimality. In some cases that may lead to situations where the algorithm fails to find path at all, despite the fact, that path exists. If underestimated value of H is chosen, A* will always find the best possible path. The smaller H is chosen, the longer it will take for algorithm to find path. In the worst-case scenario, H = 0, A* provides the same performance as Dijkstra's algorithm. </a:t>
             </a:r>
           </a:p>
         </p:txBody>
@@ -10358,7 +10240,7 @@
     </p:spTree>
     <p:extLst>
       <p:ext uri="{BB962C8B-B14F-4D97-AF65-F5344CB8AC3E}">
-        <p14:creationId xmlns:p14="http://schemas.microsoft.com/office/powerpoint/2010/main" val="4288063066"/>
+        <p14:creationId xmlns:p14="http://schemas.microsoft.com/office/powerpoint/2010/main" val="3236785145"/>
       </p:ext>
     </p:extLst>
   </p:cSld>
@@ -10390,7 +10272,7 @@
           <p:cNvPr id="2" name="Title 1">
             <a:extLst>
               <a:ext uri="{FF2B5EF4-FFF2-40B4-BE49-F238E27FC236}">
-                <a16:creationId xmlns:a16="http://schemas.microsoft.com/office/drawing/2014/main" id="{ABAC4A79-1152-49CC-A88F-934374DC3AB8}"/>
+                <a16:creationId xmlns:a16="http://schemas.microsoft.com/office/drawing/2014/main" id="{F2377EC1-D570-41F6-AB37-32930B870BAA}"/>
               </a:ext>
             </a:extLst>
           </p:cNvPr>
@@ -10408,7 +10290,7 @@
           <a:p>
             <a:r>
               <a:rPr lang="en-IN" dirty="0"/>
-              <a:t>Heuristics</a:t>
+              <a:t>HEURISTICS</a:t>
             </a:r>
           </a:p>
         </p:txBody>
@@ -10418,7 +10300,7 @@
           <p:cNvPr id="3" name="Content Placeholder 2">
             <a:extLst>
               <a:ext uri="{FF2B5EF4-FFF2-40B4-BE49-F238E27FC236}">
-                <a16:creationId xmlns:a16="http://schemas.microsoft.com/office/drawing/2014/main" id="{CB2B75C9-AD8F-40EA-B04D-8B7A3D3207EA}"/>
+                <a16:creationId xmlns:a16="http://schemas.microsoft.com/office/drawing/2014/main" id="{BBD37675-FB52-4D14-B6E8-AD66CDC32E29}"/>
               </a:ext>
             </a:extLst>
           </p:cNvPr>
@@ -10434,12 +10316,168 @@
           <a:bodyPr/>
           <a:lstStyle/>
           <a:p>
-            <a:pPr marL="0" indent="0">
+            <a:r>
+              <a:rPr lang="en-IN" dirty="0" err="1"/>
+              <a:t>Manhatten</a:t>
+            </a:r>
+            <a:r>
+              <a:rPr lang="en-IN" dirty="0"/>
+              <a:t> Distance:</a:t>
+            </a:r>
+          </a:p>
+          <a:p>
+            <a:pPr marL="457200" lvl="1" indent="0">
               <a:buNone/>
             </a:pPr>
             <a:r>
               <a:rPr lang="en-IN" dirty="0"/>
-              <a:t>Estimated heuristic cost is considered admissible, if it does not overestimate the cost to reach the goal. Selection of heuristic function is an important part of ensuring the best A* performance. Ideally H is equal to the cost necessary to reach the goal node. In this case A* would always follow perfect path, and would not waste time traversing unnecessary nodes. If overestimated value of H is chosen, the goal node is found faster, but at a cost of optimality. In some cases that may lead to situations where the algorithm fails to find path at all, despite the fact, that path exists. If underestimated value of H is chosen, A* will always find the best possible path. The smaller H is chosen, the longer it will take for algorithm to find path. In the worst-case scenario, H = 0, A* provides the same performance as Dijkstra's algorithm. </a:t>
+              <a:t>		h = abs( </a:t>
+            </a:r>
+            <a:r>
+              <a:rPr lang="en-IN" dirty="0" err="1"/>
+              <a:t>current_cell.x</a:t>
+            </a:r>
+            <a:r>
+              <a:rPr lang="en-IN" dirty="0"/>
+              <a:t> – </a:t>
+            </a:r>
+            <a:r>
+              <a:rPr lang="en-IN" dirty="0" err="1"/>
+              <a:t>goal.x</a:t>
+            </a:r>
+            <a:r>
+              <a:rPr lang="en-IN" dirty="0"/>
+              <a:t> )</a:t>
+            </a:r>
+            <a:r>
+              <a:rPr lang="hi-IN" dirty="0"/>
+              <a:t> </a:t>
+            </a:r>
+            <a:r>
+              <a:rPr lang="en-IN" dirty="0"/>
+              <a:t>+ abs( </a:t>
+            </a:r>
+            <a:r>
+              <a:rPr lang="en-IN" dirty="0" err="1"/>
+              <a:t>current_cell.y</a:t>
+            </a:r>
+            <a:r>
+              <a:rPr lang="en-IN" dirty="0"/>
+              <a:t> – </a:t>
+            </a:r>
+            <a:r>
+              <a:rPr lang="en-IN" dirty="0" err="1"/>
+              <a:t>goal.y</a:t>
+            </a:r>
+            <a:r>
+              <a:rPr lang="en-IN" dirty="0"/>
+              <a:t> )</a:t>
+            </a:r>
+          </a:p>
+          <a:p>
+            <a:pPr marL="457200" lvl="1" indent="0">
+              <a:buNone/>
+            </a:pPr>
+            <a:endParaRPr lang="en-IN" dirty="0"/>
+          </a:p>
+          <a:p>
+            <a:r>
+              <a:rPr lang="en-IN" dirty="0"/>
+              <a:t>Euclidean Distance:</a:t>
+            </a:r>
+          </a:p>
+          <a:p>
+            <a:pPr marL="457200" lvl="1" indent="0">
+              <a:buNone/>
+            </a:pPr>
+            <a:r>
+              <a:rPr lang="en-IN" dirty="0"/>
+              <a:t>		h = sqrt( (</a:t>
+            </a:r>
+            <a:r>
+              <a:rPr lang="en-IN" dirty="0" err="1"/>
+              <a:t>current_cell.x</a:t>
+            </a:r>
+            <a:r>
+              <a:rPr lang="en-IN" dirty="0"/>
+              <a:t> – </a:t>
+            </a:r>
+            <a:r>
+              <a:rPr lang="en-IN" dirty="0" err="1"/>
+              <a:t>goal.x</a:t>
+            </a:r>
+            <a:r>
+              <a:rPr lang="en-IN" dirty="0"/>
+              <a:t>)^2 + (</a:t>
+            </a:r>
+            <a:r>
+              <a:rPr lang="en-IN" dirty="0" err="1"/>
+              <a:t>current_cell.y</a:t>
+            </a:r>
+            <a:r>
+              <a:rPr lang="en-IN" dirty="0"/>
+              <a:t> – </a:t>
+            </a:r>
+            <a:r>
+              <a:rPr lang="en-IN" dirty="0" err="1"/>
+              <a:t>goal.y</a:t>
+            </a:r>
+            <a:r>
+              <a:rPr lang="en-IN" dirty="0"/>
+              <a:t>)^2 )</a:t>
+            </a:r>
+          </a:p>
+          <a:p>
+            <a:pPr marL="457200" lvl="1" indent="0">
+              <a:buNone/>
+            </a:pPr>
+            <a:endParaRPr lang="en-IN" dirty="0"/>
+          </a:p>
+          <a:p>
+            <a:r>
+              <a:rPr lang="en-IN" dirty="0"/>
+              <a:t>Diagonal Distance</a:t>
+            </a:r>
+          </a:p>
+          <a:p>
+            <a:pPr marL="457200" lvl="1" indent="0">
+              <a:buNone/>
+            </a:pPr>
+            <a:r>
+              <a:rPr lang="en-IN" dirty="0"/>
+              <a:t>		h = max( abs( </a:t>
+            </a:r>
+            <a:r>
+              <a:rPr lang="en-IN" dirty="0" err="1"/>
+              <a:t>current_cell.x</a:t>
+            </a:r>
+            <a:r>
+              <a:rPr lang="en-IN" dirty="0"/>
+              <a:t> – </a:t>
+            </a:r>
+            <a:r>
+              <a:rPr lang="en-IN" dirty="0" err="1"/>
+              <a:t>goal.x</a:t>
+            </a:r>
+            <a:r>
+              <a:rPr lang="en-IN" dirty="0"/>
+              <a:t> ), abs( </a:t>
+            </a:r>
+            <a:r>
+              <a:rPr lang="en-IN" dirty="0" err="1"/>
+              <a:t>current_cell.y</a:t>
+            </a:r>
+            <a:r>
+              <a:rPr lang="en-IN" dirty="0"/>
+              <a:t> – </a:t>
+            </a:r>
+            <a:r>
+              <a:rPr lang="en-IN" dirty="0" err="1"/>
+              <a:t>goal.y</a:t>
+            </a:r>
+            <a:r>
+              <a:rPr lang="en-IN" dirty="0"/>
+              <a:t> ) )</a:t>
             </a:r>
           </a:p>
         </p:txBody>
@@ -10447,7 +10485,7 @@
     </p:spTree>
     <p:extLst>
       <p:ext uri="{BB962C8B-B14F-4D97-AF65-F5344CB8AC3E}">
-        <p14:creationId xmlns:p14="http://schemas.microsoft.com/office/powerpoint/2010/main" val="3236785145"/>
+        <p14:creationId xmlns:p14="http://schemas.microsoft.com/office/powerpoint/2010/main" val="4288063066"/>
       </p:ext>
     </p:extLst>
   </p:cSld>
